--- a/Presentation.pptx
+++ b/Presentation.pptx
@@ -3249,7 +3249,7 @@
         <p:spPr>
           <a:xfrm>
             <a:off x="171658" y="4177655"/>
-            <a:ext cx="2647743" cy="1938992"/>
+            <a:ext cx="3747199" cy="1938992"/>
           </a:xfrm>
           <a:prstGeom prst="rect">
             <a:avLst/>
@@ -3263,37 +3263,132 @@
           <a:lstStyle/>
           <a:p>
             <a:r>
-              <a:rPr lang="pt-BR" sz="2400" b="1" spc="-113" smtClean="0"/>
+              <a:rPr lang="pt-BR" sz="2400" b="1" spc="-113" dirty="0" smtClean="0"/>
               <a:t>Guided by</a:t>
             </a:r>
+          </a:p>
+          <a:p>
             <a:endParaRPr lang="pt-BR" sz="2400" b="1" spc="-113" dirty="0" smtClean="0"/>
           </a:p>
           <a:p>
-            <a:endParaRPr lang="pt-BR" sz="2400" b="1" spc="-113" dirty="0" smtClean="0"/>
-          </a:p>
-          <a:p>
-            <a:r>
-              <a:rPr lang="pt-BR" sz="2400" spc="-113" dirty="0" smtClean="0"/>
-              <a:t>Vinutha H P </a:t>
-            </a:r>
-            <a:r>
-              <a:rPr lang="pt-BR" sz="1200" spc="-113" dirty="0" smtClean="0"/>
-              <a:t>M.Tech., M.I.S.T.E</a:t>
-            </a:r>
-            <a:endParaRPr lang="pt-BR" sz="1050" spc="-113" dirty="0" smtClean="0"/>
-          </a:p>
-          <a:p>
-            <a:r>
-              <a:rPr lang="pt-BR" sz="2400" spc="-113" dirty="0" smtClean="0"/>
-              <a:t>Naseer R </a:t>
-            </a:r>
-            <a:r>
-              <a:rPr lang="pt-BR" sz="1200" spc="-113" dirty="0" smtClean="0"/>
-              <a:t>M.Tech., M.I.S.T.E</a:t>
-            </a:r>
-          </a:p>
-          <a:p>
-            <a:endParaRPr lang="en-US" sz="2400" b="1" spc="-113" dirty="0"/>
+            <a:r>
+              <a:rPr lang="en-US" dirty="0">
+                <a:effectLst>
+                  <a:outerShdw blurRad="50800" dist="38100" dir="2700000" algn="tl">
+                    <a:srgbClr val="000000">
+                      <a:alpha val="40000"/>
+                    </a:srgbClr>
+                  </a:outerShdw>
+                </a:effectLst>
+              </a:rPr>
+              <a:t>Dr. NIRMALA C R </a:t>
+            </a:r>
+            <a:r>
+              <a:rPr lang="en-US" baseline="-25000" dirty="0">
+                <a:effectLst>
+                  <a:outerShdw blurRad="50800" dist="38100" dir="2700000" algn="tl">
+                    <a:srgbClr val="000000">
+                      <a:alpha val="40000"/>
+                    </a:srgbClr>
+                  </a:outerShdw>
+                </a:effectLst>
+              </a:rPr>
+              <a:t>M. Tech (C.E), Ph.D., </a:t>
+            </a:r>
+            <a:r>
+              <a:rPr lang="en-US" baseline="-25000" dirty="0" smtClean="0">
+                <a:effectLst>
+                  <a:outerShdw blurRad="50800" dist="38100" dir="2700000" algn="tl">
+                    <a:srgbClr val="000000">
+                      <a:alpha val="40000"/>
+                    </a:srgbClr>
+                  </a:outerShdw>
+                </a:effectLst>
+              </a:rPr>
+              <a:t>M.I.S.T.E</a:t>
+            </a:r>
+            <a:endParaRPr lang="en-US" dirty="0" smtClean="0"/>
+          </a:p>
+          <a:p>
+            <a:r>
+              <a:rPr lang="en-US" dirty="0" smtClean="0">
+                <a:effectLst>
+                  <a:outerShdw blurRad="50800" dist="38100" dir="2700000" algn="tl">
+                    <a:srgbClr val="000000">
+                      <a:alpha val="40000"/>
+                    </a:srgbClr>
+                  </a:outerShdw>
+                </a:effectLst>
+              </a:rPr>
+              <a:t>Associate. Professor, 	                                            </a:t>
+            </a:r>
+            <a:endParaRPr lang="en-US" dirty="0" smtClean="0"/>
+          </a:p>
+          <a:p>
+            <a:r>
+              <a:rPr lang="en-US" dirty="0" smtClean="0">
+                <a:effectLst>
+                  <a:outerShdw blurRad="50800" dist="38100" dir="2700000" algn="tl">
+                    <a:srgbClr val="000000">
+                      <a:alpha val="40000"/>
+                    </a:srgbClr>
+                  </a:outerShdw>
+                </a:effectLst>
+              </a:rPr>
+              <a:t>Department </a:t>
+            </a:r>
+            <a:r>
+              <a:rPr lang="en-US" dirty="0">
+                <a:effectLst>
+                  <a:outerShdw blurRad="50800" dist="38100" dir="2700000" algn="tl">
+                    <a:srgbClr val="000000">
+                      <a:alpha val="40000"/>
+                    </a:srgbClr>
+                  </a:outerShdw>
+                </a:effectLst>
+              </a:rPr>
+              <a:t>of CS&amp;E,                                                  </a:t>
+            </a:r>
+            <a:endParaRPr lang="en-US" dirty="0"/>
+          </a:p>
+          <a:p>
+            <a:r>
+              <a:rPr lang="en-US" dirty="0" smtClean="0">
+                <a:effectLst>
+                  <a:outerShdw blurRad="50800" dist="38100" dir="2700000" algn="tl">
+                    <a:srgbClr val="000000">
+                      <a:alpha val="40000"/>
+                    </a:srgbClr>
+                  </a:outerShdw>
+                </a:effectLst>
+              </a:rPr>
+              <a:t>B.I.E.T</a:t>
+            </a:r>
+            <a:r>
+              <a:rPr lang="en-US" dirty="0">
+                <a:effectLst>
+                  <a:outerShdw blurRad="50800" dist="38100" dir="2700000" algn="tl">
+                    <a:srgbClr val="000000">
+                      <a:alpha val="40000"/>
+                    </a:srgbClr>
+                  </a:outerShdw>
+                </a:effectLst>
+              </a:rPr>
+              <a:t>., </a:t>
+            </a:r>
+            <a:r>
+              <a:rPr lang="en-US" dirty="0" err="1">
+                <a:effectLst>
+                  <a:outerShdw blurRad="50800" dist="38100" dir="2700000" algn="tl">
+                    <a:srgbClr val="000000">
+                      <a:alpha val="40000"/>
+                    </a:srgbClr>
+                  </a:outerShdw>
+                </a:effectLst>
+              </a:rPr>
+              <a:t>Davanagere</a:t>
+            </a:r>
+            <a:endParaRPr lang="en-US" sz="2400" spc="-113" dirty="0"/>
           </a:p>
         </p:txBody>
       </p:sp>
@@ -3320,16 +3415,16 @@
           <a:lstStyle/>
           <a:p>
             <a:r>
-              <a:rPr lang="pt-BR" sz="2400" spc="-113" dirty="0"/>
-              <a:t>Aditya S Ladwa</a:t>
-            </a:r>
-          </a:p>
-          <a:p>
-            <a:r>
-              <a:rPr lang="pt-BR" sz="2400" spc="-113" dirty="0"/>
-              <a:t>4BD12CS006</a:t>
-            </a:r>
-            <a:endParaRPr lang="en-US" sz="2400" spc="-113" dirty="0"/>
+              <a:rPr lang="pt-BR" sz="2400" b="1" spc="-113" dirty="0" smtClean="0"/>
+              <a:t>Project By</a:t>
+            </a:r>
+          </a:p>
+          <a:p>
+            <a:r>
+              <a:rPr lang="pt-BR" sz="2400" spc="-113" dirty="0" smtClean="0"/>
+              <a:t>Aditya Ladwa</a:t>
+            </a:r>
+            <a:endParaRPr lang="pt-BR" sz="2400" spc="-113" dirty="0"/>
           </a:p>
         </p:txBody>
       </p:sp>

--- a/Presentation.pptx
+++ b/Presentation.pptx
@@ -7,27 +7,13 @@
   <p:sldIdLst>
     <p:sldId id="259" r:id="rId3"/>
     <p:sldId id="260" r:id="rId4"/>
-    <p:sldId id="261" r:id="rId5"/>
-    <p:sldId id="262" r:id="rId6"/>
-    <p:sldId id="263" r:id="rId7"/>
-    <p:sldId id="270" r:id="rId8"/>
-    <p:sldId id="276" r:id="rId9"/>
-    <p:sldId id="271" r:id="rId10"/>
-    <p:sldId id="272" r:id="rId11"/>
-    <p:sldId id="273" r:id="rId12"/>
-    <p:sldId id="274" r:id="rId13"/>
-    <p:sldId id="275" r:id="rId14"/>
-    <p:sldId id="265" r:id="rId15"/>
-    <p:sldId id="268" r:id="rId16"/>
-    <p:sldId id="266" r:id="rId17"/>
-    <p:sldId id="267" r:id="rId18"/>
-    <p:sldId id="269" r:id="rId19"/>
-    <p:sldId id="277" r:id="rId20"/>
-    <p:sldId id="264" r:id="rId21"/>
-    <p:sldId id="278" r:id="rId22"/>
-    <p:sldId id="283" r:id="rId23"/>
-    <p:sldId id="284" r:id="rId24"/>
-    <p:sldId id="285" r:id="rId25"/>
+    <p:sldId id="262" r:id="rId5"/>
+    <p:sldId id="277" r:id="rId6"/>
+    <p:sldId id="264" r:id="rId7"/>
+    <p:sldId id="278" r:id="rId8"/>
+    <p:sldId id="283" r:id="rId9"/>
+    <p:sldId id="284" r:id="rId10"/>
+    <p:sldId id="285" r:id="rId11"/>
   </p:sldIdLst>
   <p:sldSz cx="9144000" cy="6858000" type="screen4x3"/>
   <p:notesSz cx="6858000" cy="9144000"/>
@@ -276,7 +262,7 @@
           <a:p>
             <a:fld id="{C37DD4EB-E7BD-47EF-A2D1-8F9ACBBA40EF}" type="datetimeFigureOut">
               <a:rPr lang="en-US" smtClean="0"/>
-              <a:t>08-Apr-16</a:t>
+              <a:t>09-Apr-16</a:t>
             </a:fld>
             <a:endParaRPr lang="en-US"/>
           </a:p>
@@ -446,7 +432,7 @@
           <a:p>
             <a:fld id="{C37DD4EB-E7BD-47EF-A2D1-8F9ACBBA40EF}" type="datetimeFigureOut">
               <a:rPr lang="en-US" smtClean="0"/>
-              <a:t>08-Apr-16</a:t>
+              <a:t>09-Apr-16</a:t>
             </a:fld>
             <a:endParaRPr lang="en-US"/>
           </a:p>
@@ -626,7 +612,7 @@
           <a:p>
             <a:fld id="{C37DD4EB-E7BD-47EF-A2D1-8F9ACBBA40EF}" type="datetimeFigureOut">
               <a:rPr lang="en-US" smtClean="0"/>
-              <a:t>08-Apr-16</a:t>
+              <a:t>09-Apr-16</a:t>
             </a:fld>
             <a:endParaRPr lang="en-US"/>
           </a:p>
@@ -796,7 +782,7 @@
           <a:p>
             <a:fld id="{C37DD4EB-E7BD-47EF-A2D1-8F9ACBBA40EF}" type="datetimeFigureOut">
               <a:rPr lang="en-US" smtClean="0"/>
-              <a:t>08-Apr-16</a:t>
+              <a:t>09-Apr-16</a:t>
             </a:fld>
             <a:endParaRPr lang="en-US"/>
           </a:p>
@@ -1042,7 +1028,7 @@
           <a:p>
             <a:fld id="{C37DD4EB-E7BD-47EF-A2D1-8F9ACBBA40EF}" type="datetimeFigureOut">
               <a:rPr lang="en-US" smtClean="0"/>
-              <a:t>08-Apr-16</a:t>
+              <a:t>09-Apr-16</a:t>
             </a:fld>
             <a:endParaRPr lang="en-US"/>
           </a:p>
@@ -1274,7 +1260,7 @@
           <a:p>
             <a:fld id="{C37DD4EB-E7BD-47EF-A2D1-8F9ACBBA40EF}" type="datetimeFigureOut">
               <a:rPr lang="en-US" smtClean="0"/>
-              <a:t>08-Apr-16</a:t>
+              <a:t>09-Apr-16</a:t>
             </a:fld>
             <a:endParaRPr lang="en-US"/>
           </a:p>
@@ -1641,7 +1627,7 @@
           <a:p>
             <a:fld id="{C37DD4EB-E7BD-47EF-A2D1-8F9ACBBA40EF}" type="datetimeFigureOut">
               <a:rPr lang="en-US" smtClean="0"/>
-              <a:t>08-Apr-16</a:t>
+              <a:t>09-Apr-16</a:t>
             </a:fld>
             <a:endParaRPr lang="en-US"/>
           </a:p>
@@ -1759,7 +1745,7 @@
           <a:p>
             <a:fld id="{C37DD4EB-E7BD-47EF-A2D1-8F9ACBBA40EF}" type="datetimeFigureOut">
               <a:rPr lang="en-US" smtClean="0"/>
-              <a:t>08-Apr-16</a:t>
+              <a:t>09-Apr-16</a:t>
             </a:fld>
             <a:endParaRPr lang="en-US"/>
           </a:p>
@@ -1854,7 +1840,7 @@
           <a:p>
             <a:fld id="{C37DD4EB-E7BD-47EF-A2D1-8F9ACBBA40EF}" type="datetimeFigureOut">
               <a:rPr lang="en-US" smtClean="0"/>
-              <a:t>08-Apr-16</a:t>
+              <a:t>09-Apr-16</a:t>
             </a:fld>
             <a:endParaRPr lang="en-US"/>
           </a:p>
@@ -2258,7 +2244,7 @@
           <a:p>
             <a:fld id="{C37DD4EB-E7BD-47EF-A2D1-8F9ACBBA40EF}" type="datetimeFigureOut">
               <a:rPr lang="en-US" smtClean="0"/>
-              <a:t>08-Apr-16</a:t>
+              <a:t>09-Apr-16</a:t>
             </a:fld>
             <a:endParaRPr lang="en-US"/>
           </a:p>
@@ -2515,7 +2501,7 @@
           <a:p>
             <a:fld id="{C37DD4EB-E7BD-47EF-A2D1-8F9ACBBA40EF}" type="datetimeFigureOut">
               <a:rPr lang="en-US" smtClean="0"/>
-              <a:t>08-Apr-16</a:t>
+              <a:t>09-Apr-16</a:t>
             </a:fld>
             <a:endParaRPr lang="en-US"/>
           </a:p>
@@ -2728,7 +2714,7 @@
           <a:p>
             <a:fld id="{C37DD4EB-E7BD-47EF-A2D1-8F9ACBBA40EF}" type="datetimeFigureOut">
               <a:rPr lang="en-US" smtClean="0"/>
-              <a:t>08-Apr-16</a:t>
+              <a:t>09-Apr-16</a:t>
             </a:fld>
             <a:endParaRPr lang="en-US"/>
           </a:p>
@@ -3186,7 +3172,7 @@
           <a:lstStyle/>
           <a:p>
             <a:r>
-              <a:rPr lang="en-US" sz="6750" b="1" spc="-113" dirty="0" err="1" smtClean="0">
+              <a:rPr lang="en-US" sz="6750" b="1" spc="-113" dirty="0" smtClean="0">
                 <a:solidFill>
                   <a:srgbClr val="61DAFB"/>
                 </a:solidFill>
@@ -3456,7 +3442,7 @@
 </p:sld>
 </file>
 
-<file path=ppt/slides/slide10.xml><?xml version="1.0" encoding="utf-8"?>
+<file path=ppt/slides/slide2.xml><?xml version="1.0" encoding="utf-8"?>
 <p:sld xmlns:a="http://schemas.openxmlformats.org/drawingml/2006/main" xmlns:r="http://schemas.openxmlformats.org/officeDocument/2006/relationships" xmlns:p="http://schemas.openxmlformats.org/presentationml/2006/main">
   <p:cSld>
     <p:spTree>
@@ -3481,8 +3467,8 @@
         </p:nvSpPr>
         <p:spPr>
           <a:xfrm>
-            <a:off x="2564979" y="202489"/>
-            <a:ext cx="3941015" cy="830997"/>
+            <a:off x="3035076" y="177089"/>
+            <a:ext cx="3000822" cy="784830"/>
           </a:xfrm>
           <a:prstGeom prst="rect">
             <a:avLst/>
@@ -3495,11 +3481,15 @@
           </a:bodyPr>
           <a:lstStyle/>
           <a:p>
-            <a:r>
-              <a:rPr lang="en-US" sz="4800" b="1" dirty="0" smtClean="0"/>
-              <a:t>Prop and State</a:t>
-            </a:r>
-            <a:endParaRPr lang="en-US" sz="4800" b="1" dirty="0"/>
+            <a:pPr algn="ctr"/>
+            <a:r>
+              <a:rPr lang="en-US" sz="4500" b="1" spc="-113" dirty="0">
+                <a:solidFill>
+                  <a:srgbClr val="FFFFFF"/>
+                </a:solidFill>
+              </a:rPr>
+              <a:t>Introduction</a:t>
+            </a:r>
           </a:p>
         </p:txBody>
       </p:sp>
@@ -3512,7 +3502,7 @@
         <p:spPr>
           <a:xfrm>
             <a:off x="520700" y="1192836"/>
-            <a:ext cx="8029575" cy="461665"/>
+            <a:ext cx="8029575" cy="4524315"/>
           </a:xfrm>
           <a:prstGeom prst="rect">
             <a:avLst/>
@@ -3530,46 +3520,346 @@
               <a:buChar char="•"/>
             </a:pPr>
             <a:r>
-              <a:rPr lang="en-US" sz="2400" dirty="0" smtClean="0"/>
-              <a:t>How states are initialized and accessed?</a:t>
-            </a:r>
-          </a:p>
-        </p:txBody>
-      </p:sp>
-      <p:pic>
-        <p:nvPicPr>
-          <p:cNvPr id="4" name="Picture 3"/>
-          <p:cNvPicPr>
-            <a:picLocks noChangeAspect="1"/>
-          </p:cNvPicPr>
+              <a:rPr lang="en-US" sz="2400" spc="-113" dirty="0" smtClean="0">
+                <a:solidFill>
+                  <a:srgbClr val="FFFFFF"/>
+                </a:solidFill>
+              </a:rPr>
+              <a:t>TwiTone is a WebApp that provides </a:t>
+            </a:r>
+            <a:r>
+              <a:rPr lang="en-US" sz="2400" spc="-113" dirty="0" smtClean="0">
+                <a:solidFill>
+                  <a:srgbClr val="61DAFB"/>
+                </a:solidFill>
+              </a:rPr>
+              <a:t>tone analysis </a:t>
+            </a:r>
+            <a:r>
+              <a:rPr lang="en-US" sz="2400" spc="-113" dirty="0" smtClean="0">
+                <a:solidFill>
+                  <a:srgbClr val="FFFFFF"/>
+                </a:solidFill>
+              </a:rPr>
+              <a:t>of tweets and </a:t>
+            </a:r>
+            <a:r>
+              <a:rPr lang="en-US" sz="2400" spc="-113" dirty="0" smtClean="0">
+                <a:solidFill>
+                  <a:srgbClr val="61DAFB"/>
+                </a:solidFill>
+              </a:rPr>
+              <a:t>Relationship</a:t>
+            </a:r>
+            <a:r>
+              <a:rPr lang="en-US" sz="2400" spc="-113" dirty="0" smtClean="0">
+                <a:solidFill>
+                  <a:srgbClr val="FFFFFF"/>
+                </a:solidFill>
+              </a:rPr>
+              <a:t> insights</a:t>
+            </a:r>
+          </a:p>
+          <a:p>
+            <a:pPr marL="214313" indent="-214313">
+              <a:buFont typeface="Arial" panose="020B0604020202020204" pitchFamily="34" charset="0"/>
+              <a:buChar char="•"/>
+            </a:pPr>
+            <a:r>
+              <a:rPr lang="en-US" sz="2400" spc="-113" dirty="0" smtClean="0">
+                <a:solidFill>
+                  <a:srgbClr val="FFFFFF"/>
+                </a:solidFill>
+              </a:rPr>
+              <a:t>The WebApp is built using modern web Technologies </a:t>
+            </a:r>
+          </a:p>
+          <a:p>
+            <a:pPr marL="214313" indent="-214313">
+              <a:buFont typeface="Arial" panose="020B0604020202020204" pitchFamily="34" charset="0"/>
+              <a:buChar char="•"/>
+            </a:pPr>
+            <a:r>
+              <a:rPr lang="en-US" sz="2400" spc="-113" dirty="0" smtClean="0">
+                <a:solidFill>
+                  <a:srgbClr val="FFFFFF"/>
+                </a:solidFill>
+              </a:rPr>
+              <a:t>MEAN stack</a:t>
+            </a:r>
+          </a:p>
+          <a:p>
+            <a:pPr marL="914400" lvl="1" indent="-457200">
+              <a:buFont typeface="+mj-lt"/>
+              <a:buAutoNum type="arabicPeriod"/>
+            </a:pPr>
+            <a:r>
+              <a:rPr lang="en-US" sz="2400" spc="-113" dirty="0" smtClean="0">
+                <a:solidFill>
+                  <a:srgbClr val="FFFFFF"/>
+                </a:solidFill>
+              </a:rPr>
+              <a:t>MongoDB</a:t>
+            </a:r>
+          </a:p>
+          <a:p>
+            <a:pPr marL="914400" lvl="1" indent="-457200">
+              <a:buFont typeface="+mj-lt"/>
+              <a:buAutoNum type="arabicPeriod"/>
+            </a:pPr>
+            <a:r>
+              <a:rPr lang="en-US" sz="2400" spc="-113" dirty="0" smtClean="0">
+                <a:solidFill>
+                  <a:srgbClr val="FFFFFF"/>
+                </a:solidFill>
+              </a:rPr>
+              <a:t>Express.js</a:t>
+            </a:r>
+          </a:p>
+          <a:p>
+            <a:pPr marL="914400" lvl="1" indent="-457200">
+              <a:buFont typeface="+mj-lt"/>
+              <a:buAutoNum type="arabicPeriod"/>
+            </a:pPr>
+            <a:r>
+              <a:rPr lang="en-US" sz="2400" spc="-113" dirty="0" smtClean="0">
+                <a:solidFill>
+                  <a:srgbClr val="FFFFFF"/>
+                </a:solidFill>
+              </a:rPr>
+              <a:t>Angular.js</a:t>
+            </a:r>
+          </a:p>
+          <a:p>
+            <a:pPr marL="914400" lvl="1" indent="-457200">
+              <a:buFont typeface="+mj-lt"/>
+              <a:buAutoNum type="arabicPeriod"/>
+            </a:pPr>
+            <a:r>
+              <a:rPr lang="en-US" sz="2400" spc="-113" dirty="0" smtClean="0">
+                <a:solidFill>
+                  <a:srgbClr val="FFFFFF"/>
+                </a:solidFill>
+              </a:rPr>
+              <a:t>Node.js</a:t>
+            </a:r>
+          </a:p>
+          <a:p>
+            <a:pPr marL="214313" indent="-214313">
+              <a:buFont typeface="Arial" panose="020B0604020202020204" pitchFamily="34" charset="0"/>
+              <a:buChar char="•"/>
+            </a:pPr>
+            <a:r>
+              <a:rPr lang="en-US" sz="2400" spc="-113" dirty="0" smtClean="0"/>
+              <a:t>IBM Watson </a:t>
+            </a:r>
+            <a:r>
+              <a:rPr lang="en-US" sz="2400" spc="-113" dirty="0" smtClean="0">
+                <a:solidFill>
+                  <a:srgbClr val="61DAFB"/>
+                </a:solidFill>
+              </a:rPr>
+              <a:t>Tone Analyzer </a:t>
+            </a:r>
+            <a:r>
+              <a:rPr lang="en-US" sz="2400" spc="-113" dirty="0" smtClean="0"/>
+              <a:t>and </a:t>
+            </a:r>
+            <a:r>
+              <a:rPr lang="en-US" sz="2400" spc="-113" dirty="0" smtClean="0">
+                <a:solidFill>
+                  <a:srgbClr val="61DAFB"/>
+                </a:solidFill>
+              </a:rPr>
+              <a:t>Relationship insight </a:t>
+            </a:r>
+            <a:r>
+              <a:rPr lang="en-US" sz="2400" spc="-113" dirty="0" smtClean="0"/>
+              <a:t>services are used from bluemix</a:t>
+            </a:r>
+          </a:p>
+          <a:p>
+            <a:pPr marL="214313" indent="-214313">
+              <a:buFont typeface="Arial" panose="020B0604020202020204" pitchFamily="34" charset="0"/>
+              <a:buChar char="•"/>
+            </a:pPr>
+            <a:endParaRPr lang="en-US" sz="2400" spc="-113" dirty="0"/>
+          </a:p>
+          <a:p>
+            <a:pPr marL="214313" indent="-214313">
+              <a:buFont typeface="Arial" panose="020B0604020202020204" pitchFamily="34" charset="0"/>
+              <a:buChar char="•"/>
+            </a:pPr>
+            <a:endParaRPr lang="en-US" sz="2400" b="1" spc="-113" dirty="0">
+              <a:solidFill>
+                <a:srgbClr val="FFFFFF"/>
+              </a:solidFill>
+            </a:endParaRPr>
+          </a:p>
+        </p:txBody>
+      </p:sp>
+    </p:spTree>
+    <p:extLst>
+      <p:ext uri="{BB962C8B-B14F-4D97-AF65-F5344CB8AC3E}">
+        <p14:creationId xmlns:p14="http://schemas.microsoft.com/office/powerpoint/2010/main" val="147994076"/>
+      </p:ext>
+    </p:extLst>
+  </p:cSld>
+  <p:clrMapOvr>
+    <a:masterClrMapping/>
+  </p:clrMapOvr>
+  <mc:AlternateContent xmlns:mc="http://schemas.openxmlformats.org/markup-compatibility/2006" xmlns:p14="http://schemas.microsoft.com/office/powerpoint/2010/main">
+    <mc:Choice Requires="p14">
+      <p:transition p14:dur="0"/>
+    </mc:Choice>
+    <mc:Fallback xmlns="">
+      <p:transition/>
+    </mc:Fallback>
+  </mc:AlternateContent>
+  <p:timing>
+    <p:tnLst>
+      <p:par>
+        <p:cTn id="1" dur="indefinite" restart="never" nodeType="tmRoot"/>
+      </p:par>
+    </p:tnLst>
+  </p:timing>
+</p:sld>
+</file>
+
+<file path=ppt/slides/slide3.xml><?xml version="1.0" encoding="utf-8"?>
+<p:sld xmlns:a="http://schemas.openxmlformats.org/drawingml/2006/main" xmlns:r="http://schemas.openxmlformats.org/officeDocument/2006/relationships" xmlns:p="http://schemas.openxmlformats.org/presentationml/2006/main">
+  <p:cSld>
+    <p:spTree>
+      <p:nvGrpSpPr>
+        <p:cNvPr id="1" name=""/>
+        <p:cNvGrpSpPr/>
+        <p:nvPr/>
+      </p:nvGrpSpPr>
+      <p:grpSpPr>
+        <a:xfrm>
+          <a:off x="0" y="0"/>
+          <a:ext cx="0" cy="0"/>
+          <a:chOff x="0" y="0"/>
+          <a:chExt cx="0" cy="0"/>
+        </a:xfrm>
+      </p:grpSpPr>
+      <p:sp>
+        <p:nvSpPr>
+          <p:cNvPr id="2" name="TextBox 1"/>
+          <p:cNvSpPr txBox="1"/>
           <p:nvPr/>
-        </p:nvPicPr>
-        <p:blipFill>
-          <a:blip r:embed="rId2">
-            <a:extLst>
-              <a:ext uri="{28A0092B-C50C-407E-A947-70E740481C1C}">
-                <a14:useLocalDpi xmlns:a14="http://schemas.microsoft.com/office/drawing/2010/main" val="0"/>
-              </a:ext>
-            </a:extLst>
-          </a:blip>
-          <a:stretch>
-            <a:fillRect/>
-          </a:stretch>
-        </p:blipFill>
+        </p:nvSpPr>
         <p:spPr>
           <a:xfrm>
-            <a:off x="0" y="1717010"/>
-            <a:ext cx="9144000" cy="5140990"/>
+            <a:off x="2183787" y="177089"/>
+            <a:ext cx="4703403" cy="784830"/>
           </a:xfrm>
           <a:prstGeom prst="rect">
             <a:avLst/>
           </a:prstGeom>
+          <a:noFill/>
         </p:spPr>
-      </p:pic>
+        <p:txBody>
+          <a:bodyPr wrap="none" rtlCol="0">
+            <a:spAutoFit/>
+          </a:bodyPr>
+          <a:lstStyle/>
+          <a:p>
+            <a:pPr algn="ctr"/>
+            <a:r>
+              <a:rPr lang="en-US" sz="4500" b="1" spc="-113" dirty="0" smtClean="0">
+                <a:solidFill>
+                  <a:srgbClr val="FFFFFF"/>
+                </a:solidFill>
+              </a:rPr>
+              <a:t>Features of </a:t>
+            </a:r>
+            <a:r>
+              <a:rPr lang="en-US" sz="4500" b="1" spc="-113" dirty="0" smtClean="0">
+                <a:solidFill>
+                  <a:srgbClr val="FFFFFF"/>
+                </a:solidFill>
+              </a:rPr>
+              <a:t>TwiTone</a:t>
+            </a:r>
+            <a:endParaRPr lang="en-US" sz="4500" b="1" spc="-113" dirty="0">
+              <a:solidFill>
+                <a:srgbClr val="FFFFFF"/>
+              </a:solidFill>
+            </a:endParaRPr>
+          </a:p>
+        </p:txBody>
+      </p:sp>
+      <p:sp>
+        <p:nvSpPr>
+          <p:cNvPr id="3" name="TextBox 2"/>
+          <p:cNvSpPr txBox="1"/>
+          <p:nvPr/>
+        </p:nvSpPr>
+        <p:spPr>
+          <a:xfrm>
+            <a:off x="520700" y="1192836"/>
+            <a:ext cx="8029575" cy="1200329"/>
+          </a:xfrm>
+          <a:prstGeom prst="rect">
+            <a:avLst/>
+          </a:prstGeom>
+          <a:noFill/>
+        </p:spPr>
+        <p:txBody>
+          <a:bodyPr wrap="square" rtlCol="0">
+            <a:spAutoFit/>
+          </a:bodyPr>
+          <a:lstStyle/>
+          <a:p>
+            <a:pPr marL="214313" indent="-214313">
+              <a:buFont typeface="Arial" panose="020B0604020202020204" pitchFamily="34" charset="0"/>
+              <a:buChar char="•"/>
+            </a:pPr>
+            <a:r>
+              <a:rPr lang="en-US" sz="2400" dirty="0" smtClean="0"/>
+              <a:t>Display tweets of a user</a:t>
+            </a:r>
+          </a:p>
+          <a:p>
+            <a:pPr marL="214313" indent="-214313">
+              <a:buFont typeface="Arial" panose="020B0604020202020204" pitchFamily="34" charset="0"/>
+              <a:buChar char="•"/>
+            </a:pPr>
+            <a:r>
+              <a:rPr lang="en-US" sz="2400" spc="-113" dirty="0" smtClean="0">
+                <a:solidFill>
+                  <a:srgbClr val="FFFFFF"/>
+                </a:solidFill>
+              </a:rPr>
+              <a:t>Analyze Tone of Tweets using IBM Watson </a:t>
+            </a:r>
+            <a:r>
+              <a:rPr lang="en-US" sz="2400" spc="-113" smtClean="0">
+                <a:solidFill>
+                  <a:srgbClr val="FFFFFF"/>
+                </a:solidFill>
+              </a:rPr>
+              <a:t>Tone Analyzer</a:t>
+            </a:r>
+          </a:p>
+          <a:p>
+            <a:pPr marL="457200" indent="-457200">
+              <a:buFont typeface="+mj-lt"/>
+              <a:buAutoNum type="arabicPeriod"/>
+            </a:pPr>
+            <a:endParaRPr lang="en-US" sz="2400" spc="-113" dirty="0">
+              <a:solidFill>
+                <a:srgbClr val="FFFFFF"/>
+              </a:solidFill>
+            </a:endParaRPr>
+          </a:p>
+        </p:txBody>
+      </p:sp>
     </p:spTree>
     <p:extLst>
       <p:ext uri="{BB962C8B-B14F-4D97-AF65-F5344CB8AC3E}">
-        <p14:creationId xmlns:p14="http://schemas.microsoft.com/office/powerpoint/2010/main" val="4080906805"/>
+        <p14:creationId xmlns:p14="http://schemas.microsoft.com/office/powerpoint/2010/main" val="1918223042"/>
       </p:ext>
     </p:extLst>
   </p:cSld>
@@ -3586,1117 +3876,7 @@
 </p:sld>
 </file>
 
-<file path=ppt/slides/slide11.xml><?xml version="1.0" encoding="utf-8"?>
-<p:sld xmlns:a="http://schemas.openxmlformats.org/drawingml/2006/main" xmlns:r="http://schemas.openxmlformats.org/officeDocument/2006/relationships" xmlns:p="http://schemas.openxmlformats.org/presentationml/2006/main">
-  <p:cSld>
-    <p:spTree>
-      <p:nvGrpSpPr>
-        <p:cNvPr id="1" name=""/>
-        <p:cNvGrpSpPr/>
-        <p:nvPr/>
-      </p:nvGrpSpPr>
-      <p:grpSpPr>
-        <a:xfrm>
-          <a:off x="0" y="0"/>
-          <a:ext cx="0" cy="0"/>
-          <a:chOff x="0" y="0"/>
-          <a:chExt cx="0" cy="0"/>
-        </a:xfrm>
-      </p:grpSpPr>
-      <p:sp>
-        <p:nvSpPr>
-          <p:cNvPr id="2" name="TextBox 1"/>
-          <p:cNvSpPr txBox="1"/>
-          <p:nvPr/>
-        </p:nvSpPr>
-        <p:spPr>
-          <a:xfrm>
-            <a:off x="2601492" y="177089"/>
-            <a:ext cx="3941015" cy="830997"/>
-          </a:xfrm>
-          <a:prstGeom prst="rect">
-            <a:avLst/>
-          </a:prstGeom>
-          <a:noFill/>
-        </p:spPr>
-        <p:txBody>
-          <a:bodyPr wrap="none" rtlCol="0">
-            <a:spAutoFit/>
-          </a:bodyPr>
-          <a:lstStyle/>
-          <a:p>
-            <a:r>
-              <a:rPr lang="en-US" sz="4800" b="1" dirty="0" smtClean="0"/>
-              <a:t>Prop and State</a:t>
-            </a:r>
-            <a:endParaRPr lang="en-US" sz="4800" b="1" dirty="0"/>
-          </a:p>
-        </p:txBody>
-      </p:sp>
-      <p:sp>
-        <p:nvSpPr>
-          <p:cNvPr id="3" name="TextBox 2"/>
-          <p:cNvSpPr txBox="1"/>
-          <p:nvPr/>
-        </p:nvSpPr>
-        <p:spPr>
-          <a:xfrm>
-            <a:off x="520700" y="1192836"/>
-            <a:ext cx="8029575" cy="461665"/>
-          </a:xfrm>
-          <a:prstGeom prst="rect">
-            <a:avLst/>
-          </a:prstGeom>
-          <a:noFill/>
-        </p:spPr>
-        <p:txBody>
-          <a:bodyPr wrap="square" rtlCol="0">
-            <a:spAutoFit/>
-          </a:bodyPr>
-          <a:lstStyle/>
-          <a:p>
-            <a:pPr marL="214313" indent="-214313">
-              <a:buFont typeface="Arial" panose="020B0604020202020204" pitchFamily="34" charset="0"/>
-              <a:buChar char="•"/>
-            </a:pPr>
-            <a:r>
-              <a:rPr lang="en-US" sz="2400" dirty="0" smtClean="0"/>
-              <a:t>How states are initialized?</a:t>
-            </a:r>
-          </a:p>
-        </p:txBody>
-      </p:sp>
-      <p:pic>
-        <p:nvPicPr>
-          <p:cNvPr id="4" name="Picture 3"/>
-          <p:cNvPicPr>
-            <a:picLocks noChangeAspect="1"/>
-          </p:cNvPicPr>
-          <p:nvPr/>
-        </p:nvPicPr>
-        <p:blipFill>
-          <a:blip r:embed="rId2">
-            <a:extLst>
-              <a:ext uri="{28A0092B-C50C-407E-A947-70E740481C1C}">
-                <a14:useLocalDpi xmlns:a14="http://schemas.microsoft.com/office/drawing/2010/main" val="0"/>
-              </a:ext>
-            </a:extLst>
-          </a:blip>
-          <a:stretch>
-            <a:fillRect/>
-          </a:stretch>
-        </p:blipFill>
-        <p:spPr>
-          <a:xfrm>
-            <a:off x="0" y="1717010"/>
-            <a:ext cx="9144000" cy="5140990"/>
-          </a:xfrm>
-          <a:prstGeom prst="rect">
-            <a:avLst/>
-          </a:prstGeom>
-        </p:spPr>
-      </p:pic>
-    </p:spTree>
-    <p:extLst>
-      <p:ext uri="{BB962C8B-B14F-4D97-AF65-F5344CB8AC3E}">
-        <p14:creationId xmlns:p14="http://schemas.microsoft.com/office/powerpoint/2010/main" val="3511113466"/>
-      </p:ext>
-    </p:extLst>
-  </p:cSld>
-  <p:clrMapOvr>
-    <a:masterClrMapping/>
-  </p:clrMapOvr>
-  <p:timing>
-    <p:tnLst>
-      <p:par>
-        <p:cTn id="1" dur="indefinite" restart="never" nodeType="tmRoot"/>
-      </p:par>
-    </p:tnLst>
-  </p:timing>
-</p:sld>
-</file>
-
-<file path=ppt/slides/slide12.xml><?xml version="1.0" encoding="utf-8"?>
-<p:sld xmlns:a="http://schemas.openxmlformats.org/drawingml/2006/main" xmlns:r="http://schemas.openxmlformats.org/officeDocument/2006/relationships" xmlns:p="http://schemas.openxmlformats.org/presentationml/2006/main">
-  <p:cSld>
-    <p:spTree>
-      <p:nvGrpSpPr>
-        <p:cNvPr id="1" name=""/>
-        <p:cNvGrpSpPr/>
-        <p:nvPr/>
-      </p:nvGrpSpPr>
-      <p:grpSpPr>
-        <a:xfrm>
-          <a:off x="0" y="0"/>
-          <a:ext cx="0" cy="0"/>
-          <a:chOff x="0" y="0"/>
-          <a:chExt cx="0" cy="0"/>
-        </a:xfrm>
-      </p:grpSpPr>
-      <p:sp>
-        <p:nvSpPr>
-          <p:cNvPr id="2" name="TextBox 1"/>
-          <p:cNvSpPr txBox="1"/>
-          <p:nvPr/>
-        </p:nvSpPr>
-        <p:spPr>
-          <a:xfrm>
-            <a:off x="2564979" y="164389"/>
-            <a:ext cx="3941015" cy="830997"/>
-          </a:xfrm>
-          <a:prstGeom prst="rect">
-            <a:avLst/>
-          </a:prstGeom>
-          <a:noFill/>
-        </p:spPr>
-        <p:txBody>
-          <a:bodyPr wrap="none" rtlCol="0">
-            <a:spAutoFit/>
-          </a:bodyPr>
-          <a:lstStyle/>
-          <a:p>
-            <a:r>
-              <a:rPr lang="en-US" sz="4800" b="1" dirty="0" smtClean="0"/>
-              <a:t>Prop and State</a:t>
-            </a:r>
-            <a:endParaRPr lang="en-US" sz="4800" b="1" dirty="0"/>
-          </a:p>
-        </p:txBody>
-      </p:sp>
-      <p:sp>
-        <p:nvSpPr>
-          <p:cNvPr id="3" name="TextBox 2"/>
-          <p:cNvSpPr txBox="1"/>
-          <p:nvPr/>
-        </p:nvSpPr>
-        <p:spPr>
-          <a:xfrm>
-            <a:off x="520700" y="1192836"/>
-            <a:ext cx="8029575" cy="461665"/>
-          </a:xfrm>
-          <a:prstGeom prst="rect">
-            <a:avLst/>
-          </a:prstGeom>
-          <a:noFill/>
-        </p:spPr>
-        <p:txBody>
-          <a:bodyPr wrap="square" rtlCol="0">
-            <a:spAutoFit/>
-          </a:bodyPr>
-          <a:lstStyle/>
-          <a:p>
-            <a:pPr marL="214313" indent="-214313">
-              <a:buFont typeface="Arial" panose="020B0604020202020204" pitchFamily="34" charset="0"/>
-              <a:buChar char="•"/>
-            </a:pPr>
-            <a:r>
-              <a:rPr lang="en-US" sz="2400" dirty="0" smtClean="0"/>
-              <a:t>How states are accessed?</a:t>
-            </a:r>
-          </a:p>
-        </p:txBody>
-      </p:sp>
-      <p:pic>
-        <p:nvPicPr>
-          <p:cNvPr id="4" name="Picture 3"/>
-          <p:cNvPicPr>
-            <a:picLocks noChangeAspect="1"/>
-          </p:cNvPicPr>
-          <p:nvPr/>
-        </p:nvPicPr>
-        <p:blipFill>
-          <a:blip r:embed="rId2">
-            <a:extLst>
-              <a:ext uri="{28A0092B-C50C-407E-A947-70E740481C1C}">
-                <a14:useLocalDpi xmlns:a14="http://schemas.microsoft.com/office/drawing/2010/main" val="0"/>
-              </a:ext>
-            </a:extLst>
-          </a:blip>
-          <a:stretch>
-            <a:fillRect/>
-          </a:stretch>
-        </p:blipFill>
-        <p:spPr>
-          <a:xfrm>
-            <a:off x="0" y="1851951"/>
-            <a:ext cx="9144000" cy="5140990"/>
-          </a:xfrm>
-          <a:prstGeom prst="rect">
-            <a:avLst/>
-          </a:prstGeom>
-        </p:spPr>
-      </p:pic>
-    </p:spTree>
-    <p:extLst>
-      <p:ext uri="{BB962C8B-B14F-4D97-AF65-F5344CB8AC3E}">
-        <p14:creationId xmlns:p14="http://schemas.microsoft.com/office/powerpoint/2010/main" val="1772236341"/>
-      </p:ext>
-    </p:extLst>
-  </p:cSld>
-  <p:clrMapOvr>
-    <a:masterClrMapping/>
-  </p:clrMapOvr>
-  <p:timing>
-    <p:tnLst>
-      <p:par>
-        <p:cTn id="1" dur="indefinite" restart="never" nodeType="tmRoot"/>
-      </p:par>
-    </p:tnLst>
-  </p:timing>
-</p:sld>
-</file>
-
-<file path=ppt/slides/slide13.xml><?xml version="1.0" encoding="utf-8"?>
-<p:sld xmlns:a="http://schemas.openxmlformats.org/drawingml/2006/main" xmlns:r="http://schemas.openxmlformats.org/officeDocument/2006/relationships" xmlns:p="http://schemas.openxmlformats.org/presentationml/2006/main">
-  <p:cSld>
-    <p:spTree>
-      <p:nvGrpSpPr>
-        <p:cNvPr id="1" name=""/>
-        <p:cNvGrpSpPr/>
-        <p:nvPr/>
-      </p:nvGrpSpPr>
-      <p:grpSpPr>
-        <a:xfrm>
-          <a:off x="0" y="0"/>
-          <a:ext cx="0" cy="0"/>
-          <a:chOff x="0" y="0"/>
-          <a:chExt cx="0" cy="0"/>
-        </a:xfrm>
-      </p:grpSpPr>
-      <p:sp>
-        <p:nvSpPr>
-          <p:cNvPr id="2" name="TextBox 1"/>
-          <p:cNvSpPr txBox="1"/>
-          <p:nvPr/>
-        </p:nvSpPr>
-        <p:spPr>
-          <a:xfrm>
-            <a:off x="4077220" y="253289"/>
-            <a:ext cx="916533" cy="784830"/>
-          </a:xfrm>
-          <a:prstGeom prst="rect">
-            <a:avLst/>
-          </a:prstGeom>
-          <a:noFill/>
-        </p:spPr>
-        <p:txBody>
-          <a:bodyPr wrap="none" rtlCol="0">
-            <a:spAutoFit/>
-          </a:bodyPr>
-          <a:lstStyle/>
-          <a:p>
-            <a:pPr algn="ctr"/>
-            <a:r>
-              <a:rPr lang="en-US" sz="4500" b="1" spc="-113" dirty="0" smtClean="0">
-                <a:solidFill>
-                  <a:srgbClr val="FFFFFF"/>
-                </a:solidFill>
-              </a:rPr>
-              <a:t>JSX</a:t>
-            </a:r>
-            <a:endParaRPr lang="en-US" sz="4500" b="1" spc="-113" dirty="0">
-              <a:solidFill>
-                <a:srgbClr val="FFFFFF"/>
-              </a:solidFill>
-            </a:endParaRPr>
-          </a:p>
-        </p:txBody>
-      </p:sp>
-      <p:sp>
-        <p:nvSpPr>
-          <p:cNvPr id="3" name="TextBox 2"/>
-          <p:cNvSpPr txBox="1"/>
-          <p:nvPr/>
-        </p:nvSpPr>
-        <p:spPr>
-          <a:xfrm>
-            <a:off x="520700" y="1192836"/>
-            <a:ext cx="8029575" cy="2308324"/>
-          </a:xfrm>
-          <a:prstGeom prst="rect">
-            <a:avLst/>
-          </a:prstGeom>
-          <a:noFill/>
-        </p:spPr>
-        <p:txBody>
-          <a:bodyPr wrap="square" rtlCol="0">
-            <a:spAutoFit/>
-          </a:bodyPr>
-          <a:lstStyle/>
-          <a:p>
-            <a:pPr marL="214313" indent="-214313">
-              <a:buFont typeface="Arial" panose="020B0604020202020204" pitchFamily="34" charset="0"/>
-              <a:buChar char="•"/>
-            </a:pPr>
-            <a:r>
-              <a:rPr lang="en-US" sz="2400" dirty="0"/>
-              <a:t>To </a:t>
-            </a:r>
-            <a:r>
-              <a:rPr lang="en-US" sz="2400" dirty="0">
-                <a:solidFill>
-                  <a:srgbClr val="61DAFB"/>
-                </a:solidFill>
-              </a:rPr>
-              <a:t>simplify Virtual DOM definition </a:t>
-            </a:r>
-            <a:r>
-              <a:rPr lang="en-US" sz="2400" dirty="0" smtClean="0"/>
-              <a:t>Facebook added html subset </a:t>
-            </a:r>
-            <a:r>
-              <a:rPr lang="en-US" sz="2400" dirty="0"/>
-              <a:t>language called JSX </a:t>
-            </a:r>
-            <a:r>
-              <a:rPr lang="en-US" sz="2400" dirty="0" smtClean="0"/>
-              <a:t>(JavaScript </a:t>
-            </a:r>
-            <a:r>
-              <a:rPr lang="en-US" sz="2400" dirty="0"/>
-              <a:t>extension </a:t>
-            </a:r>
-            <a:r>
-              <a:rPr lang="en-US" sz="2400" dirty="0" smtClean="0"/>
-              <a:t>syntax)</a:t>
-            </a:r>
-          </a:p>
-          <a:p>
-            <a:pPr marL="214313" indent="-214313">
-              <a:buFont typeface="Arial" panose="020B0604020202020204" pitchFamily="34" charset="0"/>
-              <a:buChar char="•"/>
-            </a:pPr>
-            <a:r>
-              <a:rPr lang="en-US" sz="2400" dirty="0"/>
-              <a:t>JSX allow to define Widget DOM piece directly within your JavaScript file </a:t>
-            </a:r>
-            <a:endParaRPr lang="en-US" sz="2400" dirty="0" smtClean="0"/>
-          </a:p>
-          <a:p>
-            <a:pPr marL="214313" indent="-214313">
-              <a:buFont typeface="Arial" panose="020B0604020202020204" pitchFamily="34" charset="0"/>
-              <a:buChar char="•"/>
-            </a:pPr>
-            <a:r>
-              <a:rPr lang="en-US" sz="2400" dirty="0">
-                <a:solidFill>
-                  <a:srgbClr val="61DAFB"/>
-                </a:solidFill>
-              </a:rPr>
-              <a:t>JSX </a:t>
-            </a:r>
-            <a:r>
-              <a:rPr lang="en-US" sz="2400" dirty="0" smtClean="0">
-                <a:solidFill>
-                  <a:srgbClr val="61DAFB"/>
-                </a:solidFill>
-              </a:rPr>
-              <a:t>converter </a:t>
-            </a:r>
-            <a:r>
-              <a:rPr lang="en-US" sz="2400" dirty="0" smtClean="0"/>
-              <a:t>is used  </a:t>
-            </a:r>
-            <a:r>
-              <a:rPr lang="en-US" sz="2400" dirty="0"/>
-              <a:t>for production into raw JavaScript with preprocessor (</a:t>
-            </a:r>
-            <a:r>
-              <a:rPr lang="en-US" sz="2400" dirty="0">
-                <a:solidFill>
-                  <a:srgbClr val="61DAFB"/>
-                </a:solidFill>
-              </a:rPr>
-              <a:t>browserify </a:t>
-            </a:r>
-            <a:r>
-              <a:rPr lang="en-US" sz="2400" dirty="0" smtClean="0">
-                <a:solidFill>
-                  <a:srgbClr val="61DAFB"/>
-                </a:solidFill>
-              </a:rPr>
-              <a:t>or babel </a:t>
-            </a:r>
-            <a:r>
-              <a:rPr lang="en-US" sz="2400" dirty="0" smtClean="0"/>
-              <a:t>)</a:t>
-            </a:r>
-          </a:p>
-        </p:txBody>
-      </p:sp>
-    </p:spTree>
-    <p:extLst>
-      <p:ext uri="{BB962C8B-B14F-4D97-AF65-F5344CB8AC3E}">
-        <p14:creationId xmlns:p14="http://schemas.microsoft.com/office/powerpoint/2010/main" val="1025714407"/>
-      </p:ext>
-    </p:extLst>
-  </p:cSld>
-  <p:clrMapOvr>
-    <a:masterClrMapping/>
-  </p:clrMapOvr>
-  <p:timing>
-    <p:tnLst>
-      <p:par>
-        <p:cTn id="1" dur="indefinite" restart="never" nodeType="tmRoot"/>
-      </p:par>
-    </p:tnLst>
-  </p:timing>
-</p:sld>
-</file>
-
-<file path=ppt/slides/slide14.xml><?xml version="1.0" encoding="utf-8"?>
-<p:sld xmlns:a="http://schemas.openxmlformats.org/drawingml/2006/main" xmlns:r="http://schemas.openxmlformats.org/officeDocument/2006/relationships" xmlns:p="http://schemas.openxmlformats.org/presentationml/2006/main">
-  <p:cSld>
-    <p:spTree>
-      <p:nvGrpSpPr>
-        <p:cNvPr id="1" name=""/>
-        <p:cNvGrpSpPr/>
-        <p:nvPr/>
-      </p:nvGrpSpPr>
-      <p:grpSpPr>
-        <a:xfrm>
-          <a:off x="0" y="0"/>
-          <a:ext cx="0" cy="0"/>
-          <a:chOff x="0" y="0"/>
-          <a:chExt cx="0" cy="0"/>
-        </a:xfrm>
-      </p:grpSpPr>
-      <p:sp>
-        <p:nvSpPr>
-          <p:cNvPr id="2" name="TextBox 1"/>
-          <p:cNvSpPr txBox="1"/>
-          <p:nvPr/>
-        </p:nvSpPr>
-        <p:spPr>
-          <a:xfrm>
-            <a:off x="2293215" y="208762"/>
-            <a:ext cx="4080797" cy="784830"/>
-          </a:xfrm>
-          <a:prstGeom prst="rect">
-            <a:avLst/>
-          </a:prstGeom>
-          <a:noFill/>
-        </p:spPr>
-        <p:txBody>
-          <a:bodyPr wrap="none" rtlCol="0">
-            <a:spAutoFit/>
-          </a:bodyPr>
-          <a:lstStyle/>
-          <a:p>
-            <a:pPr algn="ctr"/>
-            <a:r>
-              <a:rPr lang="en-US" sz="4500" b="1" spc="-113" dirty="0" smtClean="0">
-                <a:solidFill>
-                  <a:srgbClr val="FFFFFF"/>
-                </a:solidFill>
-              </a:rPr>
-              <a:t>JavaScript v/s JSX</a:t>
-            </a:r>
-            <a:endParaRPr lang="en-US" sz="4500" b="1" spc="-113" dirty="0">
-              <a:solidFill>
-                <a:srgbClr val="FFFFFF"/>
-              </a:solidFill>
-            </a:endParaRPr>
-          </a:p>
-        </p:txBody>
-      </p:sp>
-      <p:pic>
-        <p:nvPicPr>
-          <p:cNvPr id="3" name="Picture 2"/>
-          <p:cNvPicPr>
-            <a:picLocks noChangeAspect="1"/>
-          </p:cNvPicPr>
-          <p:nvPr/>
-        </p:nvPicPr>
-        <p:blipFill>
-          <a:blip r:embed="rId2">
-            <a:extLst>
-              <a:ext uri="{28A0092B-C50C-407E-A947-70E740481C1C}">
-                <a14:useLocalDpi xmlns:a14="http://schemas.microsoft.com/office/drawing/2010/main" val="0"/>
-              </a:ext>
-            </a:extLst>
-          </a:blip>
-          <a:stretch>
-            <a:fillRect/>
-          </a:stretch>
-        </p:blipFill>
-        <p:spPr>
-          <a:xfrm>
-            <a:off x="800100" y="1104900"/>
-            <a:ext cx="7067028" cy="2527300"/>
-          </a:xfrm>
-          <a:prstGeom prst="rect">
-            <a:avLst/>
-          </a:prstGeom>
-        </p:spPr>
-      </p:pic>
-      <p:pic>
-        <p:nvPicPr>
-          <p:cNvPr id="4" name="Picture 3"/>
-          <p:cNvPicPr>
-            <a:picLocks noChangeAspect="1"/>
-          </p:cNvPicPr>
-          <p:nvPr/>
-        </p:nvPicPr>
-        <p:blipFill>
-          <a:blip r:embed="rId3">
-            <a:extLst>
-              <a:ext uri="{28A0092B-C50C-407E-A947-70E740481C1C}">
-                <a14:useLocalDpi xmlns:a14="http://schemas.microsoft.com/office/drawing/2010/main" val="0"/>
-              </a:ext>
-            </a:extLst>
-          </a:blip>
-          <a:stretch>
-            <a:fillRect/>
-          </a:stretch>
-        </p:blipFill>
-        <p:spPr>
-          <a:xfrm>
-            <a:off x="800100" y="3854817"/>
-            <a:ext cx="7067028" cy="2799983"/>
-          </a:xfrm>
-          <a:prstGeom prst="rect">
-            <a:avLst/>
-          </a:prstGeom>
-        </p:spPr>
-      </p:pic>
-    </p:spTree>
-    <p:extLst>
-      <p:ext uri="{BB962C8B-B14F-4D97-AF65-F5344CB8AC3E}">
-        <p14:creationId xmlns:p14="http://schemas.microsoft.com/office/powerpoint/2010/main" val="3785254529"/>
-      </p:ext>
-    </p:extLst>
-  </p:cSld>
-  <p:clrMapOvr>
-    <a:masterClrMapping/>
-  </p:clrMapOvr>
-  <p:timing>
-    <p:tnLst>
-      <p:par>
-        <p:cTn id="1" dur="indefinite" restart="never" nodeType="tmRoot"/>
-      </p:par>
-    </p:tnLst>
-  </p:timing>
-</p:sld>
-</file>
-
-<file path=ppt/slides/slide15.xml><?xml version="1.0" encoding="utf-8"?>
-<p:sld xmlns:a="http://schemas.openxmlformats.org/drawingml/2006/main" xmlns:r="http://schemas.openxmlformats.org/officeDocument/2006/relationships" xmlns:p="http://schemas.openxmlformats.org/presentationml/2006/main">
-  <p:cSld>
-    <p:spTree>
-      <p:nvGrpSpPr>
-        <p:cNvPr id="1" name=""/>
-        <p:cNvGrpSpPr/>
-        <p:nvPr/>
-      </p:nvGrpSpPr>
-      <p:grpSpPr>
-        <a:xfrm>
-          <a:off x="0" y="0"/>
-          <a:ext cx="0" cy="0"/>
-          <a:chOff x="0" y="0"/>
-          <a:chExt cx="0" cy="0"/>
-        </a:xfrm>
-      </p:grpSpPr>
-      <p:sp>
-        <p:nvSpPr>
-          <p:cNvPr id="2" name="TextBox 1"/>
-          <p:cNvSpPr txBox="1"/>
-          <p:nvPr/>
-        </p:nvSpPr>
-        <p:spPr>
-          <a:xfrm>
-            <a:off x="3016834" y="202489"/>
-            <a:ext cx="3037306" cy="784830"/>
-          </a:xfrm>
-          <a:prstGeom prst="rect">
-            <a:avLst/>
-          </a:prstGeom>
-          <a:noFill/>
-        </p:spPr>
-        <p:txBody>
-          <a:bodyPr wrap="none" rtlCol="0">
-            <a:spAutoFit/>
-          </a:bodyPr>
-          <a:lstStyle/>
-          <a:p>
-            <a:pPr algn="ctr"/>
-            <a:r>
-              <a:rPr lang="en-US" sz="4500" b="1" spc="-113" dirty="0">
-                <a:solidFill>
-                  <a:srgbClr val="FFFFFF"/>
-                </a:solidFill>
-              </a:rPr>
-              <a:t>Virtual DOM</a:t>
-            </a:r>
-          </a:p>
-        </p:txBody>
-      </p:sp>
-      <p:sp>
-        <p:nvSpPr>
-          <p:cNvPr id="3" name="TextBox 2"/>
-          <p:cNvSpPr txBox="1"/>
-          <p:nvPr/>
-        </p:nvSpPr>
-        <p:spPr>
-          <a:xfrm>
-            <a:off x="520700" y="1192836"/>
-            <a:ext cx="8029575" cy="3046988"/>
-          </a:xfrm>
-          <a:prstGeom prst="rect">
-            <a:avLst/>
-          </a:prstGeom>
-          <a:noFill/>
-        </p:spPr>
-        <p:txBody>
-          <a:bodyPr wrap="square" rtlCol="0">
-            <a:spAutoFit/>
-          </a:bodyPr>
-          <a:lstStyle/>
-          <a:p>
-            <a:pPr marL="214313" indent="-214313">
-              <a:buFont typeface="Arial" panose="020B0604020202020204" pitchFamily="34" charset="0"/>
-              <a:buChar char="•"/>
-            </a:pPr>
-            <a:r>
-              <a:rPr lang="en-US" sz="2400" dirty="0"/>
-              <a:t>Modification within </a:t>
-            </a:r>
-            <a:r>
-              <a:rPr lang="en-US" sz="2400" dirty="0">
-                <a:solidFill>
-                  <a:srgbClr val="61DAFB"/>
-                </a:solidFill>
-              </a:rPr>
-              <a:t>real DOM</a:t>
-            </a:r>
-            <a:r>
-              <a:rPr lang="en-US" sz="2400" dirty="0"/>
-              <a:t> tree is very </a:t>
-            </a:r>
-            <a:r>
-              <a:rPr lang="en-US" sz="2400" dirty="0" smtClean="0">
-                <a:solidFill>
-                  <a:srgbClr val="61DAFB"/>
-                </a:solidFill>
-              </a:rPr>
-              <a:t>slow</a:t>
-            </a:r>
-            <a:r>
-              <a:rPr lang="en-US" sz="2400" dirty="0" smtClean="0"/>
-              <a:t> and </a:t>
-            </a:r>
-            <a:r>
-              <a:rPr lang="en-US" sz="2400" dirty="0" smtClean="0">
-                <a:solidFill>
-                  <a:srgbClr val="61DAFB"/>
-                </a:solidFill>
-              </a:rPr>
-              <a:t>expensive</a:t>
-            </a:r>
-          </a:p>
-          <a:p>
-            <a:pPr marL="214313" indent="-214313">
-              <a:buFont typeface="Arial" panose="020B0604020202020204" pitchFamily="34" charset="0"/>
-              <a:buChar char="•"/>
-            </a:pPr>
-            <a:r>
-              <a:rPr lang="en-US" sz="2400" dirty="0"/>
-              <a:t>To speed up things </a:t>
-            </a:r>
-            <a:r>
-              <a:rPr lang="en-US" sz="2400" dirty="0" smtClean="0"/>
-              <a:t>Facebook created </a:t>
-            </a:r>
-            <a:r>
-              <a:rPr lang="en-US" sz="2400" dirty="0">
-                <a:solidFill>
-                  <a:srgbClr val="61DAFB"/>
-                </a:solidFill>
-              </a:rPr>
-              <a:t>Virtual DOM </a:t>
-            </a:r>
-            <a:r>
-              <a:rPr lang="en-US" sz="2400" dirty="0"/>
-              <a:t>which consist from </a:t>
-            </a:r>
-            <a:r>
-              <a:rPr lang="en-US" sz="2400" dirty="0">
-                <a:solidFill>
-                  <a:srgbClr val="61DAFB"/>
-                </a:solidFill>
-              </a:rPr>
-              <a:t>lightweight JavaScript objects </a:t>
-            </a:r>
-            <a:r>
-              <a:rPr lang="en-US" sz="2400" dirty="0"/>
-              <a:t>which represent Widgets DOM tree </a:t>
-            </a:r>
-            <a:endParaRPr lang="en-US" sz="2400" dirty="0" smtClean="0"/>
-          </a:p>
-          <a:p>
-            <a:pPr marL="214313" indent="-214313">
-              <a:buFont typeface="Arial" panose="020B0604020202020204" pitchFamily="34" charset="0"/>
-              <a:buChar char="•"/>
-            </a:pPr>
-            <a:r>
-              <a:rPr lang="en-US" sz="2400" dirty="0" smtClean="0"/>
-              <a:t>It’s a pure JavaScript representation of the DOM</a:t>
-            </a:r>
-          </a:p>
-          <a:p>
-            <a:pPr marL="214313" indent="-214313">
-              <a:buFont typeface="Arial" panose="020B0604020202020204" pitchFamily="34" charset="0"/>
-              <a:buChar char="•"/>
-            </a:pPr>
-            <a:r>
-              <a:rPr lang="en-US" sz="2400" dirty="0" smtClean="0"/>
-              <a:t>Render() is called whenever state of a component changes</a:t>
-            </a:r>
-          </a:p>
-          <a:p>
-            <a:pPr marL="214313" indent="-214313">
-              <a:buFont typeface="Arial" panose="020B0604020202020204" pitchFamily="34" charset="0"/>
-              <a:buChar char="•"/>
-            </a:pPr>
-            <a:r>
-              <a:rPr lang="en-US" sz="2400" dirty="0"/>
-              <a:t>When state changed </a:t>
-            </a:r>
-            <a:r>
-              <a:rPr lang="en-US" sz="2400" dirty="0">
-                <a:solidFill>
-                  <a:srgbClr val="61DAFB"/>
-                </a:solidFill>
-              </a:rPr>
-              <a:t>Virtual and real DOM trees are compared</a:t>
-            </a:r>
-            <a:r>
-              <a:rPr lang="en-US" sz="2400" dirty="0"/>
-              <a:t> and real DOM modified only where it’s required</a:t>
-            </a:r>
-            <a:endParaRPr lang="en-US" sz="2400" dirty="0" smtClean="0"/>
-          </a:p>
-        </p:txBody>
-      </p:sp>
-    </p:spTree>
-    <p:extLst>
-      <p:ext uri="{BB962C8B-B14F-4D97-AF65-F5344CB8AC3E}">
-        <p14:creationId xmlns:p14="http://schemas.microsoft.com/office/powerpoint/2010/main" val="2843255451"/>
-      </p:ext>
-    </p:extLst>
-  </p:cSld>
-  <p:clrMapOvr>
-    <a:masterClrMapping/>
-  </p:clrMapOvr>
-  <p:timing>
-    <p:tnLst>
-      <p:par>
-        <p:cTn id="1" dur="indefinite" restart="never" nodeType="tmRoot"/>
-      </p:par>
-    </p:tnLst>
-  </p:timing>
-</p:sld>
-</file>
-
-<file path=ppt/slides/slide16.xml><?xml version="1.0" encoding="utf-8"?>
-<p:sld xmlns:a="http://schemas.openxmlformats.org/drawingml/2006/main" xmlns:r="http://schemas.openxmlformats.org/officeDocument/2006/relationships" xmlns:p="http://schemas.openxmlformats.org/presentationml/2006/main">
-  <p:cSld>
-    <p:spTree>
-      <p:nvGrpSpPr>
-        <p:cNvPr id="1" name=""/>
-        <p:cNvGrpSpPr/>
-        <p:nvPr/>
-      </p:nvGrpSpPr>
-      <p:grpSpPr>
-        <a:xfrm>
-          <a:off x="0" y="0"/>
-          <a:ext cx="0" cy="0"/>
-          <a:chOff x="0" y="0"/>
-          <a:chExt cx="0" cy="0"/>
-        </a:xfrm>
-      </p:grpSpPr>
-      <p:sp>
-        <p:nvSpPr>
-          <p:cNvPr id="2" name="TextBox 1"/>
-          <p:cNvSpPr txBox="1"/>
-          <p:nvPr/>
-        </p:nvSpPr>
-        <p:spPr>
-          <a:xfrm>
-            <a:off x="3156534" y="164389"/>
-            <a:ext cx="3037306" cy="784830"/>
-          </a:xfrm>
-          <a:prstGeom prst="rect">
-            <a:avLst/>
-          </a:prstGeom>
-          <a:noFill/>
-        </p:spPr>
-        <p:txBody>
-          <a:bodyPr wrap="none" rtlCol="0">
-            <a:spAutoFit/>
-          </a:bodyPr>
-          <a:lstStyle/>
-          <a:p>
-            <a:pPr algn="ctr"/>
-            <a:r>
-              <a:rPr lang="en-US" sz="4500" b="1" spc="-113" dirty="0">
-                <a:solidFill>
-                  <a:srgbClr val="FFFFFF"/>
-                </a:solidFill>
-              </a:rPr>
-              <a:t>Virtual DOM</a:t>
-            </a:r>
-          </a:p>
-        </p:txBody>
-      </p:sp>
-      <p:pic>
-        <p:nvPicPr>
-          <p:cNvPr id="3" name="Picture 2"/>
-          <p:cNvPicPr>
-            <a:picLocks noChangeAspect="1"/>
-          </p:cNvPicPr>
-          <p:nvPr/>
-        </p:nvPicPr>
-        <p:blipFill>
-          <a:blip r:embed="rId2">
-            <a:extLst>
-              <a:ext uri="{28A0092B-C50C-407E-A947-70E740481C1C}">
-                <a14:useLocalDpi xmlns:a14="http://schemas.microsoft.com/office/drawing/2010/main" val="0"/>
-              </a:ext>
-            </a:extLst>
-          </a:blip>
-          <a:stretch>
-            <a:fillRect/>
-          </a:stretch>
-        </p:blipFill>
-        <p:spPr>
-          <a:xfrm>
-            <a:off x="1366041" y="1217224"/>
-            <a:ext cx="5839640" cy="2524477"/>
-          </a:xfrm>
-          <a:prstGeom prst="rect">
-            <a:avLst/>
-          </a:prstGeom>
-        </p:spPr>
-      </p:pic>
-      <p:sp>
-        <p:nvSpPr>
-          <p:cNvPr id="6" name="TextBox 5"/>
-          <p:cNvSpPr txBox="1"/>
-          <p:nvPr/>
-        </p:nvSpPr>
-        <p:spPr>
-          <a:xfrm>
-            <a:off x="660400" y="3821736"/>
-            <a:ext cx="8029575" cy="1200329"/>
-          </a:xfrm>
-          <a:prstGeom prst="rect">
-            <a:avLst/>
-          </a:prstGeom>
-          <a:noFill/>
-        </p:spPr>
-        <p:txBody>
-          <a:bodyPr wrap="square" rtlCol="0">
-            <a:spAutoFit/>
-          </a:bodyPr>
-          <a:lstStyle/>
-          <a:p>
-            <a:pPr marL="214313" indent="-214313">
-              <a:buFont typeface="Arial" panose="020B0604020202020204" pitchFamily="34" charset="0"/>
-              <a:buChar char="•"/>
-            </a:pPr>
-            <a:r>
-              <a:rPr lang="en-US" sz="2400" dirty="0"/>
-              <a:t>Complexity to compare two trees is </a:t>
-            </a:r>
-            <a:r>
-              <a:rPr lang="en-US" sz="2400" dirty="0" smtClean="0"/>
-              <a:t>O(n^3) complexity</a:t>
-            </a:r>
-          </a:p>
-          <a:p>
-            <a:pPr marL="214313" indent="-214313">
-              <a:buFont typeface="Arial" panose="020B0604020202020204" pitchFamily="34" charset="0"/>
-              <a:buChar char="•"/>
-            </a:pPr>
-            <a:r>
-              <a:rPr lang="en-US" sz="2400" dirty="0" smtClean="0">
-                <a:solidFill>
-                  <a:srgbClr val="61DAFB"/>
-                </a:solidFill>
-              </a:rPr>
-              <a:t>React</a:t>
-            </a:r>
-            <a:r>
-              <a:rPr lang="en-US" sz="2400" dirty="0" smtClean="0"/>
-              <a:t> managed </a:t>
-            </a:r>
-            <a:r>
-              <a:rPr lang="en-US" sz="2400" dirty="0"/>
-              <a:t>to turn O(n^3) problem into linear O(n) </a:t>
-            </a:r>
-            <a:endParaRPr lang="en-US" sz="2400" dirty="0" smtClean="0"/>
-          </a:p>
-          <a:p>
-            <a:pPr marL="214313" indent="-214313">
-              <a:buFont typeface="Arial" panose="020B0604020202020204" pitchFamily="34" charset="0"/>
-              <a:buChar char="•"/>
-            </a:pPr>
-            <a:r>
-              <a:rPr lang="en-US" sz="2400" dirty="0"/>
-              <a:t> So </a:t>
-            </a:r>
-            <a:r>
-              <a:rPr lang="en-US" sz="2400" dirty="0">
-                <a:solidFill>
-                  <a:srgbClr val="61DAFB"/>
-                </a:solidFill>
-              </a:rPr>
-              <a:t>it’s really fast.</a:t>
-            </a:r>
-            <a:endParaRPr lang="en-US" sz="2400" dirty="0" smtClean="0">
-              <a:solidFill>
-                <a:srgbClr val="61DAFB"/>
-              </a:solidFill>
-            </a:endParaRPr>
-          </a:p>
-        </p:txBody>
-      </p:sp>
-    </p:spTree>
-    <p:extLst>
-      <p:ext uri="{BB962C8B-B14F-4D97-AF65-F5344CB8AC3E}">
-        <p14:creationId xmlns:p14="http://schemas.microsoft.com/office/powerpoint/2010/main" val="4101913888"/>
-      </p:ext>
-    </p:extLst>
-  </p:cSld>
-  <p:clrMapOvr>
-    <a:masterClrMapping/>
-  </p:clrMapOvr>
-  <p:timing>
-    <p:tnLst>
-      <p:par>
-        <p:cTn id="1" dur="indefinite" restart="never" nodeType="tmRoot"/>
-      </p:par>
-    </p:tnLst>
-  </p:timing>
-</p:sld>
-</file>
-
-<file path=ppt/slides/slide17.xml><?xml version="1.0" encoding="utf-8"?>
-<p:sld xmlns:a="http://schemas.openxmlformats.org/drawingml/2006/main" xmlns:r="http://schemas.openxmlformats.org/officeDocument/2006/relationships" xmlns:p="http://schemas.openxmlformats.org/presentationml/2006/main">
-  <p:cSld>
-    <p:spTree>
-      <p:nvGrpSpPr>
-        <p:cNvPr id="1" name=""/>
-        <p:cNvGrpSpPr/>
-        <p:nvPr/>
-      </p:nvGrpSpPr>
-      <p:grpSpPr>
-        <a:xfrm>
-          <a:off x="0" y="0"/>
-          <a:ext cx="0" cy="0"/>
-          <a:chOff x="0" y="0"/>
-          <a:chExt cx="0" cy="0"/>
-        </a:xfrm>
-      </p:grpSpPr>
-      <p:sp>
-        <p:nvSpPr>
-          <p:cNvPr id="3" name="TextBox 2"/>
-          <p:cNvSpPr txBox="1"/>
-          <p:nvPr/>
-        </p:nvSpPr>
-        <p:spPr>
-          <a:xfrm>
-            <a:off x="1940899" y="151689"/>
-            <a:ext cx="5287602" cy="784830"/>
-          </a:xfrm>
-          <a:prstGeom prst="rect">
-            <a:avLst/>
-          </a:prstGeom>
-          <a:noFill/>
-        </p:spPr>
-        <p:txBody>
-          <a:bodyPr wrap="none" rtlCol="0">
-            <a:spAutoFit/>
-          </a:bodyPr>
-          <a:lstStyle/>
-          <a:p>
-            <a:pPr algn="ctr"/>
-            <a:r>
-              <a:rPr lang="en-US" sz="4500" b="1" spc="-113" dirty="0">
-                <a:solidFill>
-                  <a:srgbClr val="FFFFFF"/>
-                </a:solidFill>
-              </a:rPr>
-              <a:t>Virtual </a:t>
-            </a:r>
-            <a:r>
-              <a:rPr lang="en-US" sz="4500" b="1" spc="-113" dirty="0" smtClean="0">
-                <a:solidFill>
-                  <a:srgbClr val="FFFFFF"/>
-                </a:solidFill>
-              </a:rPr>
-              <a:t>DOM Mutation</a:t>
-            </a:r>
-            <a:endParaRPr lang="en-US" sz="4500" b="1" spc="-113" dirty="0">
-              <a:solidFill>
-                <a:srgbClr val="FFFFFF"/>
-              </a:solidFill>
-            </a:endParaRPr>
-          </a:p>
-        </p:txBody>
-      </p:sp>
-      <p:pic>
-        <p:nvPicPr>
-          <p:cNvPr id="4" name="Picture 3"/>
-          <p:cNvPicPr>
-            <a:picLocks noChangeAspect="1"/>
-          </p:cNvPicPr>
-          <p:nvPr/>
-        </p:nvPicPr>
-        <p:blipFill>
-          <a:blip r:embed="rId2">
-            <a:extLst>
-              <a:ext uri="{28A0092B-C50C-407E-A947-70E740481C1C}">
-                <a14:useLocalDpi xmlns:a14="http://schemas.microsoft.com/office/drawing/2010/main" val="0"/>
-              </a:ext>
-            </a:extLst>
-          </a:blip>
-          <a:stretch>
-            <a:fillRect/>
-          </a:stretch>
-        </p:blipFill>
-        <p:spPr>
-          <a:xfrm>
-            <a:off x="717010" y="1815818"/>
-            <a:ext cx="7735380" cy="4039164"/>
-          </a:xfrm>
-          <a:prstGeom prst="rect">
-            <a:avLst/>
-          </a:prstGeom>
-        </p:spPr>
-      </p:pic>
-    </p:spTree>
-    <p:extLst>
-      <p:ext uri="{BB962C8B-B14F-4D97-AF65-F5344CB8AC3E}">
-        <p14:creationId xmlns:p14="http://schemas.microsoft.com/office/powerpoint/2010/main" val="507833953"/>
-      </p:ext>
-    </p:extLst>
-  </p:cSld>
-  <p:clrMapOvr>
-    <a:masterClrMapping/>
-  </p:clrMapOvr>
-  <p:timing>
-    <p:tnLst>
-      <p:par>
-        <p:cTn id="1" dur="indefinite" restart="never" nodeType="tmRoot"/>
-      </p:par>
-    </p:tnLst>
-  </p:timing>
-</p:sld>
-</file>
-
-<file path=ppt/slides/slide18.xml><?xml version="1.0" encoding="utf-8"?>
+<file path=ppt/slides/slide4.xml><?xml version="1.0" encoding="utf-8"?>
 <p:sld xmlns:a="http://schemas.openxmlformats.org/drawingml/2006/main" xmlns:r="http://schemas.openxmlformats.org/officeDocument/2006/relationships" xmlns:p="http://schemas.openxmlformats.org/presentationml/2006/main">
   <p:cSld>
     <p:spTree>
@@ -4895,7 +4075,7 @@
 </p:sld>
 </file>
 
-<file path=ppt/slides/slide19.xml><?xml version="1.0" encoding="utf-8"?>
+<file path=ppt/slides/slide5.xml><?xml version="1.0" encoding="utf-8"?>
 <p:sld xmlns:a="http://schemas.openxmlformats.org/drawingml/2006/main" xmlns:r="http://schemas.openxmlformats.org/officeDocument/2006/relationships" xmlns:p="http://schemas.openxmlformats.org/presentationml/2006/main">
   <p:cSld>
     <p:spTree>
@@ -5027,423 +4207,7 @@
 </p:sld>
 </file>
 
-<file path=ppt/slides/slide2.xml><?xml version="1.0" encoding="utf-8"?>
-<p:sld xmlns:a="http://schemas.openxmlformats.org/drawingml/2006/main" xmlns:r="http://schemas.openxmlformats.org/officeDocument/2006/relationships" xmlns:p="http://schemas.openxmlformats.org/presentationml/2006/main">
-  <p:cSld>
-    <p:spTree>
-      <p:nvGrpSpPr>
-        <p:cNvPr id="1" name=""/>
-        <p:cNvGrpSpPr/>
-        <p:nvPr/>
-      </p:nvGrpSpPr>
-      <p:grpSpPr>
-        <a:xfrm>
-          <a:off x="0" y="0"/>
-          <a:ext cx="0" cy="0"/>
-          <a:chOff x="0" y="0"/>
-          <a:chExt cx="0" cy="0"/>
-        </a:xfrm>
-      </p:grpSpPr>
-      <p:sp>
-        <p:nvSpPr>
-          <p:cNvPr id="2" name="TextBox 1"/>
-          <p:cNvSpPr txBox="1"/>
-          <p:nvPr/>
-        </p:nvSpPr>
-        <p:spPr>
-          <a:xfrm>
-            <a:off x="3035076" y="177089"/>
-            <a:ext cx="3000822" cy="784830"/>
-          </a:xfrm>
-          <a:prstGeom prst="rect">
-            <a:avLst/>
-          </a:prstGeom>
-          <a:noFill/>
-        </p:spPr>
-        <p:txBody>
-          <a:bodyPr wrap="none" rtlCol="0">
-            <a:spAutoFit/>
-          </a:bodyPr>
-          <a:lstStyle/>
-          <a:p>
-            <a:pPr algn="ctr"/>
-            <a:r>
-              <a:rPr lang="en-US" sz="4500" b="1" spc="-113" dirty="0">
-                <a:solidFill>
-                  <a:srgbClr val="FFFFFF"/>
-                </a:solidFill>
-              </a:rPr>
-              <a:t>Introduction</a:t>
-            </a:r>
-          </a:p>
-        </p:txBody>
-      </p:sp>
-      <p:sp>
-        <p:nvSpPr>
-          <p:cNvPr id="3" name="TextBox 2"/>
-          <p:cNvSpPr txBox="1"/>
-          <p:nvPr/>
-        </p:nvSpPr>
-        <p:spPr>
-          <a:xfrm>
-            <a:off x="520700" y="1192836"/>
-            <a:ext cx="8029575" cy="4154984"/>
-          </a:xfrm>
-          <a:prstGeom prst="rect">
-            <a:avLst/>
-          </a:prstGeom>
-          <a:noFill/>
-        </p:spPr>
-        <p:txBody>
-          <a:bodyPr wrap="square" rtlCol="0">
-            <a:spAutoFit/>
-          </a:bodyPr>
-          <a:lstStyle/>
-          <a:p>
-            <a:pPr marL="214313" indent="-214313">
-              <a:buFont typeface="Arial" panose="020B0604020202020204" pitchFamily="34" charset="0"/>
-              <a:buChar char="•"/>
-            </a:pPr>
-            <a:r>
-              <a:rPr lang="en-US" sz="2400" spc="-113" dirty="0">
-                <a:solidFill>
-                  <a:srgbClr val="FFFFFF"/>
-                </a:solidFill>
-              </a:rPr>
-              <a:t>This is the era of </a:t>
-            </a:r>
-            <a:r>
-              <a:rPr lang="en-US" sz="2400" b="1" spc="-113" dirty="0">
-                <a:solidFill>
-                  <a:srgbClr val="61DAFB"/>
-                </a:solidFill>
-              </a:rPr>
-              <a:t>Single Page Web Applications </a:t>
-            </a:r>
-            <a:endParaRPr lang="en-US" sz="2400" b="1" dirty="0">
-              <a:solidFill>
-                <a:srgbClr val="61DAFB"/>
-              </a:solidFill>
-            </a:endParaRPr>
-          </a:p>
-          <a:p>
-            <a:pPr marL="214313" indent="-214313">
-              <a:buFont typeface="Arial" panose="020B0604020202020204" pitchFamily="34" charset="0"/>
-              <a:buChar char="•"/>
-            </a:pPr>
-            <a:r>
-              <a:rPr lang="en-US" sz="2400" spc="-113" dirty="0">
-                <a:solidFill>
-                  <a:srgbClr val="FFFFFF"/>
-                </a:solidFill>
-              </a:rPr>
-              <a:t>Pages are rendered in </a:t>
-            </a:r>
-            <a:r>
-              <a:rPr lang="en-US" sz="2400" b="1" spc="-113" dirty="0">
-                <a:solidFill>
-                  <a:srgbClr val="61DAFB"/>
-                </a:solidFill>
-              </a:rPr>
-              <a:t>real time </a:t>
-            </a:r>
-            <a:r>
-              <a:rPr lang="en-US" sz="2400" spc="-113" dirty="0">
-                <a:solidFill>
-                  <a:srgbClr val="FFFFFF"/>
-                </a:solidFill>
-              </a:rPr>
-              <a:t>which makes them </a:t>
-            </a:r>
-            <a:r>
-              <a:rPr lang="en-US" sz="2400" b="1" spc="-113" dirty="0">
-                <a:solidFill>
-                  <a:srgbClr val="61DAFB"/>
-                </a:solidFill>
-              </a:rPr>
-              <a:t>interactive and performant </a:t>
-            </a:r>
-            <a:r>
-              <a:rPr lang="en-US" sz="2400" b="1" u="sng" spc="-113" dirty="0">
-                <a:solidFill>
-                  <a:srgbClr val="61DAFB"/>
-                </a:solidFill>
-              </a:rPr>
-              <a:t>e.g.</a:t>
-            </a:r>
-            <a:r>
-              <a:rPr lang="en-US" sz="2400" b="1" spc="-113" dirty="0">
-                <a:solidFill>
-                  <a:srgbClr val="61DAFB"/>
-                </a:solidFill>
-              </a:rPr>
-              <a:t> Facebook Chat</a:t>
-            </a:r>
-          </a:p>
-          <a:p>
-            <a:pPr marL="214313" indent="-214313">
-              <a:buFont typeface="Arial" panose="020B0604020202020204" pitchFamily="34" charset="0"/>
-              <a:buChar char="•"/>
-            </a:pPr>
-            <a:r>
-              <a:rPr lang="en-US" sz="2400" spc="-113" dirty="0">
-                <a:solidFill>
-                  <a:srgbClr val="FFFFFF"/>
-                </a:solidFill>
-              </a:rPr>
-              <a:t>With added </a:t>
-            </a:r>
-            <a:r>
-              <a:rPr lang="en-US" sz="2400" b="1" spc="-113" dirty="0">
-                <a:solidFill>
-                  <a:srgbClr val="61DAFB"/>
-                </a:solidFill>
-              </a:rPr>
-              <a:t>difficulty in developing </a:t>
-            </a:r>
-            <a:r>
-              <a:rPr lang="en-US" sz="2400" spc="-113" dirty="0">
-                <a:solidFill>
-                  <a:srgbClr val="FFFFFF"/>
-                </a:solidFill>
-              </a:rPr>
-              <a:t>these web application </a:t>
-            </a:r>
-          </a:p>
-          <a:p>
-            <a:pPr marL="214313" indent="-214313">
-              <a:buFont typeface="Arial" panose="020B0604020202020204" pitchFamily="34" charset="0"/>
-              <a:buChar char="•"/>
-            </a:pPr>
-            <a:r>
-              <a:rPr lang="en-US" sz="2400" spc="-113" dirty="0">
-                <a:solidFill>
-                  <a:srgbClr val="FFFFFF"/>
-                </a:solidFill>
-              </a:rPr>
-              <a:t>Programming Enthusiasts started </a:t>
-            </a:r>
-            <a:r>
-              <a:rPr lang="en-US" sz="2400" b="1" spc="-113" dirty="0">
-                <a:solidFill>
-                  <a:srgbClr val="61DAFB"/>
-                </a:solidFill>
-              </a:rPr>
-              <a:t>abstracting common features</a:t>
-            </a:r>
-            <a:r>
-              <a:rPr lang="en-US" sz="2400" spc="-113" dirty="0">
-                <a:solidFill>
-                  <a:srgbClr val="61DAFB"/>
-                </a:solidFill>
-              </a:rPr>
-              <a:t> </a:t>
-            </a:r>
-            <a:r>
-              <a:rPr lang="en-US" sz="2400" spc="-113" dirty="0">
-                <a:solidFill>
-                  <a:srgbClr val="FFFFFF"/>
-                </a:solidFill>
-              </a:rPr>
-              <a:t>that every Web Application requires and Open-sourced them so its available for  everyone to develop applications easily.</a:t>
-            </a:r>
-          </a:p>
-          <a:p>
-            <a:pPr marL="214313" indent="-214313">
-              <a:buFont typeface="Arial" panose="020B0604020202020204" pitchFamily="34" charset="0"/>
-              <a:buChar char="•"/>
-            </a:pPr>
-            <a:r>
-              <a:rPr lang="en-US" sz="2400" spc="-113" dirty="0">
-                <a:solidFill>
-                  <a:srgbClr val="FFFFFF"/>
-                </a:solidFill>
-              </a:rPr>
-              <a:t>The common patterns were </a:t>
-            </a:r>
-            <a:r>
-              <a:rPr lang="en-US" sz="2400" b="1" spc="-113" dirty="0">
-                <a:solidFill>
-                  <a:srgbClr val="61DAFB"/>
-                </a:solidFill>
-              </a:rPr>
-              <a:t>MVC</a:t>
-            </a:r>
-            <a:r>
-              <a:rPr lang="en-US" sz="2400" spc="-113" dirty="0">
-                <a:solidFill>
-                  <a:srgbClr val="61DAFB"/>
-                </a:solidFill>
-              </a:rPr>
-              <a:t> , </a:t>
-            </a:r>
-            <a:r>
-              <a:rPr lang="en-US" sz="2400" b="1" spc="-113" dirty="0">
-                <a:solidFill>
-                  <a:srgbClr val="61DAFB"/>
-                </a:solidFill>
-              </a:rPr>
-              <a:t>MVVM</a:t>
-            </a:r>
-            <a:r>
-              <a:rPr lang="en-US" sz="2400" spc="-113" dirty="0">
-                <a:solidFill>
-                  <a:srgbClr val="61DAFB"/>
-                </a:solidFill>
-              </a:rPr>
-              <a:t> , </a:t>
-            </a:r>
-            <a:r>
-              <a:rPr lang="en-US" sz="2400" b="1" spc="-113" dirty="0" smtClean="0">
-                <a:solidFill>
-                  <a:srgbClr val="61DAFB"/>
-                </a:solidFill>
-              </a:rPr>
-              <a:t>MVW</a:t>
-            </a:r>
-          </a:p>
-          <a:p>
-            <a:pPr marL="214313" indent="-214313">
-              <a:buFont typeface="Arial" panose="020B0604020202020204" pitchFamily="34" charset="0"/>
-              <a:buChar char="•"/>
-            </a:pPr>
-            <a:r>
-              <a:rPr lang="en-US" sz="2400" b="1" spc="-113" dirty="0" smtClean="0">
-                <a:solidFill>
-                  <a:srgbClr val="61DAFB"/>
-                </a:solidFill>
-              </a:rPr>
-              <a:t>React</a:t>
-            </a:r>
-            <a:r>
-              <a:rPr lang="en-US" sz="2400" spc="-113" dirty="0" smtClean="0">
-                <a:solidFill>
-                  <a:srgbClr val="61DAFB"/>
-                </a:solidFill>
-              </a:rPr>
-              <a:t> </a:t>
-            </a:r>
-            <a:r>
-              <a:rPr lang="en-US" sz="2400" spc="-113" dirty="0">
-                <a:solidFill>
-                  <a:srgbClr val="FFFFFF"/>
-                </a:solidFill>
-              </a:rPr>
-              <a:t>was one of them introduced by </a:t>
-            </a:r>
-            <a:r>
-              <a:rPr lang="en-US" sz="2400" b="1" spc="-113" dirty="0" smtClean="0">
-                <a:solidFill>
-                  <a:srgbClr val="61DAFB"/>
-                </a:solidFill>
-              </a:rPr>
-              <a:t>Facebook</a:t>
-            </a:r>
-          </a:p>
-          <a:p>
-            <a:pPr marL="214313" indent="-214313">
-              <a:buFont typeface="Arial" panose="020B0604020202020204" pitchFamily="34" charset="0"/>
-              <a:buChar char="•"/>
-            </a:pPr>
-            <a:r>
-              <a:rPr lang="en-US" sz="2400" spc="-113" dirty="0" smtClean="0">
-                <a:solidFill>
-                  <a:srgbClr val="FFFFFF"/>
-                </a:solidFill>
-              </a:rPr>
-              <a:t>Many </a:t>
-            </a:r>
-            <a:r>
-              <a:rPr lang="en-US" sz="2400" spc="-113" dirty="0">
-                <a:solidFill>
-                  <a:srgbClr val="FFFFFF"/>
-                </a:solidFill>
-              </a:rPr>
-              <a:t>people choose to think of </a:t>
-            </a:r>
-            <a:r>
-              <a:rPr lang="en-US" sz="2400" b="1" spc="-113" dirty="0">
-                <a:solidFill>
-                  <a:srgbClr val="61DAFB"/>
-                </a:solidFill>
-              </a:rPr>
-              <a:t>React</a:t>
-            </a:r>
-            <a:r>
-              <a:rPr lang="en-US" sz="2400" spc="-113" dirty="0">
-                <a:solidFill>
-                  <a:srgbClr val="FFFFFF"/>
-                </a:solidFill>
-              </a:rPr>
-              <a:t> as the </a:t>
-            </a:r>
-            <a:r>
-              <a:rPr lang="en-US" sz="2400" b="1" spc="-113" dirty="0">
-                <a:solidFill>
-                  <a:srgbClr val="61DAFB"/>
-                </a:solidFill>
-              </a:rPr>
-              <a:t>V</a:t>
-            </a:r>
-            <a:r>
-              <a:rPr lang="en-US" sz="2400" spc="-113" dirty="0">
-                <a:solidFill>
-                  <a:srgbClr val="FFFFFF"/>
-                </a:solidFill>
-              </a:rPr>
-              <a:t> in </a:t>
-            </a:r>
-            <a:r>
-              <a:rPr lang="en-US" sz="2400" spc="-113" dirty="0">
-                <a:solidFill>
-                  <a:srgbClr val="61DAFB"/>
-                </a:solidFill>
-              </a:rPr>
-              <a:t>MVC</a:t>
-            </a:r>
-          </a:p>
-          <a:p>
-            <a:pPr marL="214313" indent="-214313">
-              <a:buFont typeface="Arial" panose="020B0604020202020204" pitchFamily="34" charset="0"/>
-              <a:buChar char="•"/>
-            </a:pPr>
-            <a:endParaRPr lang="en-US" sz="2400" b="1" spc="-113" dirty="0">
-              <a:solidFill>
-                <a:srgbClr val="FFFFFF"/>
-              </a:solidFill>
-            </a:endParaRPr>
-          </a:p>
-        </p:txBody>
-      </p:sp>
-    </p:spTree>
-    <p:extLst>
-      <p:ext uri="{BB962C8B-B14F-4D97-AF65-F5344CB8AC3E}">
-        <p14:creationId xmlns:p14="http://schemas.microsoft.com/office/powerpoint/2010/main" val="147994076"/>
-      </p:ext>
-    </p:extLst>
-  </p:cSld>
-  <p:clrMapOvr>
-    <a:masterClrMapping/>
-  </p:clrMapOvr>
-  <mc:AlternateContent xmlns:mc="http://schemas.openxmlformats.org/markup-compatibility/2006" xmlns:p14="http://schemas.microsoft.com/office/powerpoint/2010/main">
-    <mc:Choice Requires="p14">
-      <p:transition p14:dur="0"/>
-    </mc:Choice>
-    <mc:Fallback xmlns="">
-      <p:transition/>
-    </mc:Fallback>
-  </mc:AlternateContent>
-  <p:timing>
-    <p:tnLst>
-      <p:par>
-        <p:cTn id="1" dur="indefinite" restart="never" nodeType="tmRoot"/>
-      </p:par>
-    </p:tnLst>
-  </p:timing>
-</p:sld>
-</file>
-
-<file path=ppt/slides/slide20.xml><?xml version="1.0" encoding="utf-8"?>
+<file path=ppt/slides/slide6.xml><?xml version="1.0" encoding="utf-8"?>
 <p:sld xmlns:a="http://schemas.openxmlformats.org/drawingml/2006/main" xmlns:r="http://schemas.openxmlformats.org/officeDocument/2006/relationships" xmlns:p="http://schemas.openxmlformats.org/presentationml/2006/main">
   <p:cSld>
     <p:spTree>
@@ -5571,1200 +4335,6 @@
 </p:sld>
 </file>
 
-<file path=ppt/slides/slide21.xml><?xml version="1.0" encoding="utf-8"?>
-<p:sld xmlns:a="http://schemas.openxmlformats.org/drawingml/2006/main" xmlns:r="http://schemas.openxmlformats.org/officeDocument/2006/relationships" xmlns:p="http://schemas.openxmlformats.org/presentationml/2006/main">
-  <p:cSld>
-    <p:spTree>
-      <p:nvGrpSpPr>
-        <p:cNvPr id="1" name=""/>
-        <p:cNvGrpSpPr/>
-        <p:nvPr/>
-      </p:nvGrpSpPr>
-      <p:grpSpPr>
-        <a:xfrm>
-          <a:off x="0" y="0"/>
-          <a:ext cx="0" cy="0"/>
-          <a:chOff x="0" y="0"/>
-          <a:chExt cx="0" cy="0"/>
-        </a:xfrm>
-      </p:grpSpPr>
-      <p:sp>
-        <p:nvSpPr>
-          <p:cNvPr id="2" name="TextBox 1"/>
-          <p:cNvSpPr txBox="1"/>
-          <p:nvPr/>
-        </p:nvSpPr>
-        <p:spPr>
-          <a:xfrm>
-            <a:off x="3052548" y="164389"/>
-            <a:ext cx="2965877" cy="830997"/>
-          </a:xfrm>
-          <a:prstGeom prst="rect">
-            <a:avLst/>
-          </a:prstGeom>
-          <a:noFill/>
-        </p:spPr>
-        <p:txBody>
-          <a:bodyPr wrap="none" rtlCol="0">
-            <a:spAutoFit/>
-          </a:bodyPr>
-          <a:lstStyle/>
-          <a:p>
-            <a:r>
-              <a:rPr lang="en-US" sz="4800" b="1" dirty="0" smtClean="0"/>
-              <a:t>Conclusion</a:t>
-            </a:r>
-            <a:endParaRPr lang="en-US" sz="4800" b="1" dirty="0"/>
-          </a:p>
-        </p:txBody>
-      </p:sp>
-      <p:sp>
-        <p:nvSpPr>
-          <p:cNvPr id="3" name="TextBox 2"/>
-          <p:cNvSpPr txBox="1"/>
-          <p:nvPr/>
-        </p:nvSpPr>
-        <p:spPr>
-          <a:xfrm>
-            <a:off x="520700" y="1192836"/>
-            <a:ext cx="8029575" cy="3416320"/>
-          </a:xfrm>
-          <a:prstGeom prst="rect">
-            <a:avLst/>
-          </a:prstGeom>
-          <a:noFill/>
-        </p:spPr>
-        <p:txBody>
-          <a:bodyPr wrap="square" rtlCol="0">
-            <a:spAutoFit/>
-          </a:bodyPr>
-          <a:lstStyle/>
-          <a:p>
-            <a:pPr marL="342900" lvl="0" indent="-342900">
-              <a:buFont typeface="Arial" panose="020B0604020202020204" pitchFamily="34" charset="0"/>
-              <a:buChar char="•"/>
-            </a:pPr>
-            <a:r>
-              <a:rPr lang="en-US" sz="2400" dirty="0" smtClean="0"/>
-              <a:t>We </a:t>
-            </a:r>
-            <a:r>
-              <a:rPr lang="en-US" sz="2400" dirty="0"/>
-              <a:t>have attempted to design and implement a simple Single Page Application using </a:t>
-            </a:r>
-            <a:r>
-              <a:rPr lang="en-US" sz="2400" dirty="0">
-                <a:solidFill>
-                  <a:srgbClr val="61DAFB"/>
-                </a:solidFill>
-              </a:rPr>
-              <a:t>React and its built in JSX support. </a:t>
-            </a:r>
-            <a:endParaRPr lang="en-US" sz="2400" dirty="0" smtClean="0">
-              <a:solidFill>
-                <a:srgbClr val="61DAFB"/>
-              </a:solidFill>
-            </a:endParaRPr>
-          </a:p>
-          <a:p>
-            <a:pPr marL="342900" lvl="0" indent="-342900">
-              <a:buFont typeface="Arial" panose="020B0604020202020204" pitchFamily="34" charset="0"/>
-              <a:buChar char="•"/>
-            </a:pPr>
-            <a:r>
-              <a:rPr lang="en-US" sz="2400" dirty="0"/>
-              <a:t>found that the </a:t>
-            </a:r>
-            <a:r>
-              <a:rPr lang="en-US" sz="2400" dirty="0">
-                <a:solidFill>
-                  <a:srgbClr val="61DAFB"/>
-                </a:solidFill>
-              </a:rPr>
-              <a:t>creation of a UI component is fairly fast and efficient </a:t>
-            </a:r>
-            <a:r>
-              <a:rPr lang="en-US" sz="2400" dirty="0"/>
-              <a:t>and the rendering of UI is </a:t>
-            </a:r>
-            <a:r>
-              <a:rPr lang="en-US" sz="2400" dirty="0">
-                <a:solidFill>
-                  <a:srgbClr val="61DAFB"/>
-                </a:solidFill>
-              </a:rPr>
-              <a:t>optimized by the Virtual DOM that React </a:t>
-            </a:r>
-            <a:r>
-              <a:rPr lang="en-US" sz="2400" dirty="0" smtClean="0">
-                <a:solidFill>
-                  <a:srgbClr val="61DAFB"/>
-                </a:solidFill>
-              </a:rPr>
-              <a:t>supports</a:t>
-            </a:r>
-          </a:p>
-          <a:p>
-            <a:pPr marL="342900" lvl="0" indent="-342900">
-              <a:buFont typeface="Arial" panose="020B0604020202020204" pitchFamily="34" charset="0"/>
-              <a:buChar char="•"/>
-            </a:pPr>
-            <a:r>
-              <a:rPr lang="en-US" sz="2400" dirty="0"/>
-              <a:t>Also we can use a single UI component </a:t>
-            </a:r>
-            <a:r>
-              <a:rPr lang="en-US" sz="2400" dirty="0">
-                <a:solidFill>
-                  <a:srgbClr val="61DAFB"/>
-                </a:solidFill>
-              </a:rPr>
-              <a:t>can be used at multiple </a:t>
-            </a:r>
-            <a:r>
-              <a:rPr lang="en-US" sz="2400" dirty="0" smtClean="0">
-                <a:solidFill>
-                  <a:srgbClr val="61DAFB"/>
-                </a:solidFill>
-              </a:rPr>
-              <a:t>instances</a:t>
-            </a:r>
-          </a:p>
-          <a:p>
-            <a:pPr marL="342900" lvl="0" indent="-342900">
-              <a:buFont typeface="Arial" panose="020B0604020202020204" pitchFamily="34" charset="0"/>
-              <a:buChar char="•"/>
-            </a:pPr>
-            <a:r>
-              <a:rPr lang="en-US" sz="2400" dirty="0" smtClean="0"/>
-              <a:t>Code is available </a:t>
-            </a:r>
-            <a:r>
-              <a:rPr lang="en-US" sz="2400" dirty="0"/>
-              <a:t>on </a:t>
-            </a:r>
-            <a:r>
-              <a:rPr lang="en-US" sz="2400" dirty="0">
-                <a:solidFill>
-                  <a:srgbClr val="61DAFB"/>
-                </a:solidFill>
-              </a:rPr>
-              <a:t>https://github.com/LadwaAditya/ReactJSNoteApp</a:t>
-            </a:r>
-          </a:p>
-        </p:txBody>
-      </p:sp>
-    </p:spTree>
-    <p:extLst>
-      <p:ext uri="{BB962C8B-B14F-4D97-AF65-F5344CB8AC3E}">
-        <p14:creationId xmlns:p14="http://schemas.microsoft.com/office/powerpoint/2010/main" val="2349814252"/>
-      </p:ext>
-    </p:extLst>
-  </p:cSld>
-  <p:clrMapOvr>
-    <a:masterClrMapping/>
-  </p:clrMapOvr>
-  <p:timing>
-    <p:tnLst>
-      <p:par>
-        <p:cTn id="1" dur="indefinite" restart="never" nodeType="tmRoot"/>
-      </p:par>
-    </p:tnLst>
-  </p:timing>
-</p:sld>
-</file>
-
-<file path=ppt/slides/slide22.xml><?xml version="1.0" encoding="utf-8"?>
-<p:sld xmlns:a="http://schemas.openxmlformats.org/drawingml/2006/main" xmlns:r="http://schemas.openxmlformats.org/officeDocument/2006/relationships" xmlns:p="http://schemas.openxmlformats.org/presentationml/2006/main">
-  <p:cSld>
-    <p:spTree>
-      <p:nvGrpSpPr>
-        <p:cNvPr id="1" name=""/>
-        <p:cNvGrpSpPr/>
-        <p:nvPr/>
-      </p:nvGrpSpPr>
-      <p:grpSpPr>
-        <a:xfrm>
-          <a:off x="0" y="0"/>
-          <a:ext cx="0" cy="0"/>
-          <a:chOff x="0" y="0"/>
-          <a:chExt cx="0" cy="0"/>
-        </a:xfrm>
-      </p:grpSpPr>
-      <p:sp>
-        <p:nvSpPr>
-          <p:cNvPr id="2" name="TextBox 1"/>
-          <p:cNvSpPr txBox="1"/>
-          <p:nvPr/>
-        </p:nvSpPr>
-        <p:spPr>
-          <a:xfrm>
-            <a:off x="2528174" y="361839"/>
-            <a:ext cx="4014625" cy="830997"/>
-          </a:xfrm>
-          <a:prstGeom prst="rect">
-            <a:avLst/>
-          </a:prstGeom>
-          <a:noFill/>
-        </p:spPr>
-        <p:txBody>
-          <a:bodyPr wrap="none" rtlCol="0">
-            <a:spAutoFit/>
-          </a:bodyPr>
-          <a:lstStyle/>
-          <a:p>
-            <a:r>
-              <a:rPr lang="en-US" sz="4800" b="1" dirty="0"/>
-              <a:t>BIBILOGRAPHY</a:t>
-            </a:r>
-          </a:p>
-        </p:txBody>
-      </p:sp>
-      <p:sp>
-        <p:nvSpPr>
-          <p:cNvPr id="4" name="TextBox 3"/>
-          <p:cNvSpPr txBox="1"/>
-          <p:nvPr/>
-        </p:nvSpPr>
-        <p:spPr>
-          <a:xfrm>
-            <a:off x="520698" y="1599236"/>
-            <a:ext cx="8029575" cy="1569660"/>
-          </a:xfrm>
-          <a:prstGeom prst="rect">
-            <a:avLst/>
-          </a:prstGeom>
-          <a:noFill/>
-        </p:spPr>
-        <p:txBody>
-          <a:bodyPr wrap="square" rtlCol="0">
-            <a:spAutoFit/>
-          </a:bodyPr>
-          <a:lstStyle/>
-          <a:p>
-            <a:pPr marL="342900" lvl="0" indent="-342900">
-              <a:buFont typeface="Arial" panose="020B0604020202020204" pitchFamily="34" charset="0"/>
-              <a:buChar char="•"/>
-            </a:pPr>
-            <a:r>
-              <a:rPr lang="en-US" sz="2400" dirty="0" smtClean="0">
-                <a:solidFill>
-                  <a:srgbClr val="61DAFB"/>
-                </a:solidFill>
-              </a:rPr>
-              <a:t>https</a:t>
-            </a:r>
-            <a:r>
-              <a:rPr lang="en-US" sz="2400" dirty="0">
-                <a:solidFill>
-                  <a:srgbClr val="61DAFB"/>
-                </a:solidFill>
-              </a:rPr>
-              <a:t>://facebook.github.io/react/</a:t>
-            </a:r>
-          </a:p>
-          <a:p>
-            <a:pPr marL="342900" lvl="0" indent="-342900">
-              <a:buFont typeface="Arial" panose="020B0604020202020204" pitchFamily="34" charset="0"/>
-              <a:buChar char="•"/>
-            </a:pPr>
-            <a:r>
-              <a:rPr lang="en-US" sz="2400" dirty="0" smtClean="0">
-                <a:solidFill>
-                  <a:srgbClr val="61DAFB"/>
-                </a:solidFill>
-              </a:rPr>
-              <a:t>https</a:t>
-            </a:r>
-            <a:r>
-              <a:rPr lang="en-US" sz="2400" dirty="0">
-                <a:solidFill>
-                  <a:srgbClr val="61DAFB"/>
-                </a:solidFill>
-              </a:rPr>
-              <a:t>://github.com/facebook/react</a:t>
-            </a:r>
-          </a:p>
-          <a:p>
-            <a:pPr marL="342900" lvl="0" indent="-342900">
-              <a:buFont typeface="Arial" panose="020B0604020202020204" pitchFamily="34" charset="0"/>
-              <a:buChar char="•"/>
-            </a:pPr>
-            <a:r>
-              <a:rPr lang="en-US" sz="2400" dirty="0" smtClean="0">
-                <a:solidFill>
-                  <a:srgbClr val="61DAFB"/>
-                </a:solidFill>
-              </a:rPr>
-              <a:t>https</a:t>
-            </a:r>
-            <a:r>
-              <a:rPr lang="en-US" sz="2400" dirty="0">
-                <a:solidFill>
-                  <a:srgbClr val="61DAFB"/>
-                </a:solidFill>
-              </a:rPr>
-              <a:t>://en.wikipedia.org/wiki/React_(JavaScript_library)</a:t>
-            </a:r>
-          </a:p>
-          <a:p>
-            <a:pPr marL="342900" lvl="0" indent="-342900">
-              <a:buFont typeface="Arial" panose="020B0604020202020204" pitchFamily="34" charset="0"/>
-              <a:buChar char="•"/>
-            </a:pPr>
-            <a:r>
-              <a:rPr lang="en-US" sz="2400" dirty="0" smtClean="0">
-                <a:solidFill>
-                  <a:srgbClr val="61DAFB"/>
-                </a:solidFill>
-              </a:rPr>
-              <a:t>https</a:t>
-            </a:r>
-            <a:r>
-              <a:rPr lang="en-US" sz="2400" dirty="0">
-                <a:solidFill>
-                  <a:srgbClr val="61DAFB"/>
-                </a:solidFill>
-              </a:rPr>
-              <a:t>://github.com/facebook/react/wiki/Examples</a:t>
-            </a:r>
-          </a:p>
-        </p:txBody>
-      </p:sp>
-    </p:spTree>
-    <p:extLst>
-      <p:ext uri="{BB962C8B-B14F-4D97-AF65-F5344CB8AC3E}">
-        <p14:creationId xmlns:p14="http://schemas.microsoft.com/office/powerpoint/2010/main" val="2900492542"/>
-      </p:ext>
-    </p:extLst>
-  </p:cSld>
-  <p:clrMapOvr>
-    <a:masterClrMapping/>
-  </p:clrMapOvr>
-  <p:timing>
-    <p:tnLst>
-      <p:par>
-        <p:cTn id="1" dur="indefinite" restart="never" nodeType="tmRoot"/>
-      </p:par>
-    </p:tnLst>
-  </p:timing>
-</p:sld>
-</file>
-
-<file path=ppt/slides/slide23.xml><?xml version="1.0" encoding="utf-8"?>
-<p:sld xmlns:a="http://schemas.openxmlformats.org/drawingml/2006/main" xmlns:r="http://schemas.openxmlformats.org/officeDocument/2006/relationships" xmlns:p="http://schemas.openxmlformats.org/presentationml/2006/main">
-  <p:cSld>
-    <p:spTree>
-      <p:nvGrpSpPr>
-        <p:cNvPr id="1" name=""/>
-        <p:cNvGrpSpPr/>
-        <p:nvPr/>
-      </p:nvGrpSpPr>
-      <p:grpSpPr>
-        <a:xfrm>
-          <a:off x="0" y="0"/>
-          <a:ext cx="0" cy="0"/>
-          <a:chOff x="0" y="0"/>
-          <a:chExt cx="0" cy="0"/>
-        </a:xfrm>
-      </p:grpSpPr>
-      <p:sp>
-        <p:nvSpPr>
-          <p:cNvPr id="2" name="TextBox 1"/>
-          <p:cNvSpPr txBox="1"/>
-          <p:nvPr/>
-        </p:nvSpPr>
-        <p:spPr>
-          <a:xfrm>
-            <a:off x="3338280" y="2684486"/>
-            <a:ext cx="3761158" cy="1131079"/>
-          </a:xfrm>
-          <a:prstGeom prst="rect">
-            <a:avLst/>
-          </a:prstGeom>
-          <a:noFill/>
-        </p:spPr>
-        <p:txBody>
-          <a:bodyPr wrap="none" rtlCol="0">
-            <a:spAutoFit/>
-          </a:bodyPr>
-          <a:lstStyle/>
-          <a:p>
-            <a:pPr algn="ctr"/>
-            <a:r>
-              <a:rPr lang="en-US" sz="6750" b="1" spc="-113" dirty="0" smtClean="0">
-                <a:solidFill>
-                  <a:srgbClr val="61DAFB"/>
-                </a:solidFill>
-              </a:rPr>
-              <a:t>Thank You</a:t>
-            </a:r>
-            <a:endParaRPr lang="en-US" sz="6750" b="1" spc="-113" dirty="0">
-              <a:solidFill>
-                <a:srgbClr val="61DAFB"/>
-              </a:solidFill>
-            </a:endParaRPr>
-          </a:p>
-        </p:txBody>
-      </p:sp>
-      <p:pic>
-        <p:nvPicPr>
-          <p:cNvPr id="3" name="Picture 2"/>
-          <p:cNvPicPr>
-            <a:picLocks noChangeAspect="1"/>
-          </p:cNvPicPr>
-          <p:nvPr/>
-        </p:nvPicPr>
-        <p:blipFill>
-          <a:blip r:embed="rId2" cstate="print">
-            <a:extLst>
-              <a:ext uri="{28A0092B-C50C-407E-A947-70E740481C1C}">
-                <a14:useLocalDpi xmlns:a14="http://schemas.microsoft.com/office/drawing/2010/main" val="0"/>
-              </a:ext>
-            </a:extLst>
-          </a:blip>
-          <a:stretch>
-            <a:fillRect/>
-          </a:stretch>
-        </p:blipFill>
-        <p:spPr>
-          <a:xfrm>
-            <a:off x="2119841" y="2684486"/>
-            <a:ext cx="1218440" cy="1218440"/>
-          </a:xfrm>
-          <a:prstGeom prst="rect">
-            <a:avLst/>
-          </a:prstGeom>
-        </p:spPr>
-      </p:pic>
-    </p:spTree>
-    <p:extLst>
-      <p:ext uri="{BB962C8B-B14F-4D97-AF65-F5344CB8AC3E}">
-        <p14:creationId xmlns:p14="http://schemas.microsoft.com/office/powerpoint/2010/main" val="3902577910"/>
-      </p:ext>
-    </p:extLst>
-  </p:cSld>
-  <p:clrMapOvr>
-    <a:masterClrMapping/>
-  </p:clrMapOvr>
-  <p:timing>
-    <p:tnLst>
-      <p:par>
-        <p:cTn id="1" dur="indefinite" restart="never" nodeType="tmRoot"/>
-      </p:par>
-    </p:tnLst>
-  </p:timing>
-</p:sld>
-</file>
-
-<file path=ppt/slides/slide3.xml><?xml version="1.0" encoding="utf-8"?>
-<p:sld xmlns:a="http://schemas.openxmlformats.org/drawingml/2006/main" xmlns:r="http://schemas.openxmlformats.org/officeDocument/2006/relationships" xmlns:p="http://schemas.openxmlformats.org/presentationml/2006/main">
-  <p:cSld>
-    <p:spTree>
-      <p:nvGrpSpPr>
-        <p:cNvPr id="1" name=""/>
-        <p:cNvGrpSpPr/>
-        <p:nvPr/>
-      </p:nvGrpSpPr>
-      <p:grpSpPr>
-        <a:xfrm>
-          <a:off x="0" y="0"/>
-          <a:ext cx="0" cy="0"/>
-          <a:chOff x="0" y="0"/>
-          <a:chExt cx="0" cy="0"/>
-        </a:xfrm>
-      </p:grpSpPr>
-      <p:sp>
-        <p:nvSpPr>
-          <p:cNvPr id="3" name="TextBox 2"/>
-          <p:cNvSpPr txBox="1"/>
-          <p:nvPr/>
-        </p:nvSpPr>
-        <p:spPr>
-          <a:xfrm>
-            <a:off x="609600" y="974619"/>
-            <a:ext cx="8029575" cy="5693866"/>
-          </a:xfrm>
-          <a:prstGeom prst="rect">
-            <a:avLst/>
-          </a:prstGeom>
-          <a:noFill/>
-        </p:spPr>
-        <p:txBody>
-          <a:bodyPr wrap="square" rtlCol="0">
-            <a:spAutoFit/>
-          </a:bodyPr>
-          <a:lstStyle/>
-          <a:p>
-            <a:pPr marL="428625" indent="-428625">
-              <a:buFont typeface="Arial" panose="020B0604020202020204" pitchFamily="34" charset="0"/>
-              <a:buChar char="•"/>
-            </a:pPr>
-            <a:r>
-              <a:rPr lang="en-US" sz="2400" spc="-113" dirty="0" smtClean="0">
-                <a:solidFill>
-                  <a:srgbClr val="FFFFFF"/>
-                </a:solidFill>
-              </a:rPr>
-              <a:t>What makes </a:t>
-            </a:r>
-            <a:r>
-              <a:rPr lang="en-US" sz="2400" spc="-113" dirty="0" smtClean="0">
-                <a:solidFill>
-                  <a:srgbClr val="61DAFB"/>
-                </a:solidFill>
-              </a:rPr>
-              <a:t>React</a:t>
-            </a:r>
-            <a:r>
-              <a:rPr lang="en-US" sz="2400" spc="-113" dirty="0" smtClean="0">
-                <a:solidFill>
-                  <a:srgbClr val="FFFFFF"/>
-                </a:solidFill>
-              </a:rPr>
-              <a:t> different from other Frameworks?</a:t>
-            </a:r>
-          </a:p>
-          <a:p>
-            <a:pPr marL="914400" lvl="1" indent="-457200">
-              <a:buFont typeface="+mj-lt"/>
-              <a:buAutoNum type="arabicPeriod"/>
-            </a:pPr>
-            <a:r>
-              <a:rPr lang="en-US" sz="2000" u="sng" dirty="0">
-                <a:solidFill>
-                  <a:srgbClr val="61DAFB"/>
-                </a:solidFill>
-              </a:rPr>
-              <a:t>Simple</a:t>
-            </a:r>
-            <a:r>
-              <a:rPr lang="en-US" sz="2000" dirty="0"/>
-              <a:t>: Simply express how your app should look at any given point in time, and React will automatically manage all UI updates when your underlying data changes</a:t>
-            </a:r>
-            <a:r>
-              <a:rPr lang="en-US" sz="2000" dirty="0" smtClean="0"/>
-              <a:t>.</a:t>
-            </a:r>
-          </a:p>
-          <a:p>
-            <a:pPr marL="914400" lvl="1" indent="-457200">
-              <a:buFont typeface="+mj-lt"/>
-              <a:buAutoNum type="arabicPeriod"/>
-            </a:pPr>
-            <a:r>
-              <a:rPr lang="en-US" sz="2000" u="sng" dirty="0" smtClean="0">
-                <a:solidFill>
-                  <a:srgbClr val="61DAFB"/>
-                </a:solidFill>
-              </a:rPr>
-              <a:t>Declarative</a:t>
-            </a:r>
-            <a:r>
-              <a:rPr lang="en-US" sz="2000" dirty="0" smtClean="0"/>
-              <a:t>: </a:t>
-            </a:r>
-            <a:r>
-              <a:rPr lang="en-US" sz="2000" dirty="0"/>
-              <a:t>When the data changes, React conceptually hits the "refresh" button, and knows to only update the changed parts</a:t>
-            </a:r>
-            <a:r>
-              <a:rPr lang="en-US" sz="2000" dirty="0" smtClean="0"/>
-              <a:t>.</a:t>
-            </a:r>
-          </a:p>
-          <a:p>
-            <a:pPr marL="914400" lvl="1" indent="-457200">
-              <a:buFont typeface="+mj-lt"/>
-              <a:buAutoNum type="arabicPeriod"/>
-            </a:pPr>
-            <a:r>
-              <a:rPr lang="en-US" sz="2000" u="sng" dirty="0">
-                <a:solidFill>
-                  <a:srgbClr val="61DAFB"/>
-                </a:solidFill>
-              </a:rPr>
-              <a:t>Build Composable Components</a:t>
-            </a:r>
-            <a:r>
-              <a:rPr lang="en-US" sz="2000" dirty="0"/>
-              <a:t>: React is all about building reusable components. In fact, with React the only thing you do is build components. Since they're so encapsulated, components make code reuse, testing, and separation of concerns easy.</a:t>
-            </a:r>
-          </a:p>
-          <a:p>
-            <a:pPr marL="914400" lvl="1" indent="-457200">
-              <a:buFont typeface="+mj-lt"/>
-              <a:buAutoNum type="arabicPeriod"/>
-            </a:pPr>
-            <a:r>
-              <a:rPr lang="en-US" sz="2000" u="sng" dirty="0">
-                <a:solidFill>
-                  <a:srgbClr val="61DAFB"/>
-                </a:solidFill>
-              </a:rPr>
-              <a:t>Architecture Beyond HTML</a:t>
-            </a:r>
-            <a:r>
-              <a:rPr lang="en-US" sz="2000" dirty="0"/>
-              <a:t>: The basic architecture of React applies beyond rendering HTML in the browser. For example, Facebook has dynamic charts that render to &lt;canvas&gt; </a:t>
-            </a:r>
-            <a:r>
-              <a:rPr lang="en-US" sz="2000" dirty="0" smtClean="0"/>
-              <a:t>tags.</a:t>
-            </a:r>
-          </a:p>
-          <a:p>
-            <a:pPr marL="914400" lvl="1" indent="-457200">
-              <a:buFont typeface="+mj-lt"/>
-              <a:buAutoNum type="arabicPeriod"/>
-            </a:pPr>
-            <a:r>
-              <a:rPr lang="en-US" sz="2000" u="sng" dirty="0">
-                <a:solidFill>
-                  <a:srgbClr val="61DAFB"/>
-                </a:solidFill>
-              </a:rPr>
-              <a:t>Isomorphic JavaScript</a:t>
-            </a:r>
-            <a:r>
-              <a:rPr lang="en-US" sz="2000" dirty="0"/>
-              <a:t>: React enabled us to build JavaScript UI code that can be executed in both server (e.g. Node.js) and client contexts. </a:t>
-            </a:r>
-          </a:p>
-          <a:p>
-            <a:pPr marL="914400" lvl="1" indent="-457200">
-              <a:buFont typeface="+mj-lt"/>
-              <a:buAutoNum type="arabicPeriod"/>
-            </a:pPr>
-            <a:endParaRPr lang="en-US" sz="2000" dirty="0"/>
-          </a:p>
-          <a:p>
-            <a:pPr marL="914400" lvl="1" indent="-457200">
-              <a:buFont typeface="+mj-lt"/>
-              <a:buAutoNum type="arabicPeriod"/>
-            </a:pPr>
-            <a:endParaRPr lang="en-US" sz="2000" dirty="0"/>
-          </a:p>
-        </p:txBody>
-      </p:sp>
-      <p:sp>
-        <p:nvSpPr>
-          <p:cNvPr id="5" name="TextBox 4"/>
-          <p:cNvSpPr txBox="1"/>
-          <p:nvPr/>
-        </p:nvSpPr>
-        <p:spPr>
-          <a:xfrm>
-            <a:off x="3123976" y="189789"/>
-            <a:ext cx="3000822" cy="784830"/>
-          </a:xfrm>
-          <a:prstGeom prst="rect">
-            <a:avLst/>
-          </a:prstGeom>
-          <a:noFill/>
-        </p:spPr>
-        <p:txBody>
-          <a:bodyPr wrap="none" rtlCol="0">
-            <a:spAutoFit/>
-          </a:bodyPr>
-          <a:lstStyle/>
-          <a:p>
-            <a:pPr algn="ctr"/>
-            <a:r>
-              <a:rPr lang="en-US" sz="4500" b="1" spc="-113" dirty="0">
-                <a:solidFill>
-                  <a:srgbClr val="FFFFFF"/>
-                </a:solidFill>
-              </a:rPr>
-              <a:t>Introduction</a:t>
-            </a:r>
-          </a:p>
-        </p:txBody>
-      </p:sp>
-    </p:spTree>
-    <p:extLst>
-      <p:ext uri="{BB962C8B-B14F-4D97-AF65-F5344CB8AC3E}">
-        <p14:creationId xmlns:p14="http://schemas.microsoft.com/office/powerpoint/2010/main" val="3973181513"/>
-      </p:ext>
-    </p:extLst>
-  </p:cSld>
-  <p:clrMapOvr>
-    <a:masterClrMapping/>
-  </p:clrMapOvr>
-  <p:timing>
-    <p:tnLst>
-      <p:par>
-        <p:cTn id="1" dur="indefinite" restart="never" nodeType="tmRoot"/>
-      </p:par>
-    </p:tnLst>
-  </p:timing>
-</p:sld>
-</file>
-
-<file path=ppt/slides/slide4.xml><?xml version="1.0" encoding="utf-8"?>
-<p:sld xmlns:a="http://schemas.openxmlformats.org/drawingml/2006/main" xmlns:r="http://schemas.openxmlformats.org/officeDocument/2006/relationships" xmlns:p="http://schemas.openxmlformats.org/presentationml/2006/main">
-  <p:cSld>
-    <p:spTree>
-      <p:nvGrpSpPr>
-        <p:cNvPr id="1" name=""/>
-        <p:cNvGrpSpPr/>
-        <p:nvPr/>
-      </p:nvGrpSpPr>
-      <p:grpSpPr>
-        <a:xfrm>
-          <a:off x="0" y="0"/>
-          <a:ext cx="0" cy="0"/>
-          <a:chOff x="0" y="0"/>
-          <a:chExt cx="0" cy="0"/>
-        </a:xfrm>
-      </p:grpSpPr>
-      <p:sp>
-        <p:nvSpPr>
-          <p:cNvPr id="2" name="TextBox 1"/>
-          <p:cNvSpPr txBox="1"/>
-          <p:nvPr/>
-        </p:nvSpPr>
-        <p:spPr>
-          <a:xfrm>
-            <a:off x="2494383" y="177089"/>
-            <a:ext cx="4082208" cy="784830"/>
-          </a:xfrm>
-          <a:prstGeom prst="rect">
-            <a:avLst/>
-          </a:prstGeom>
-          <a:noFill/>
-        </p:spPr>
-        <p:txBody>
-          <a:bodyPr wrap="none" rtlCol="0">
-            <a:spAutoFit/>
-          </a:bodyPr>
-          <a:lstStyle/>
-          <a:p>
-            <a:pPr algn="ctr"/>
-            <a:r>
-              <a:rPr lang="en-US" sz="4500" b="1" spc="-113" dirty="0" smtClean="0">
-                <a:solidFill>
-                  <a:srgbClr val="FFFFFF"/>
-                </a:solidFill>
-              </a:rPr>
-              <a:t>Features of React</a:t>
-            </a:r>
-            <a:endParaRPr lang="en-US" sz="4500" b="1" spc="-113" dirty="0">
-              <a:solidFill>
-                <a:srgbClr val="FFFFFF"/>
-              </a:solidFill>
-            </a:endParaRPr>
-          </a:p>
-        </p:txBody>
-      </p:sp>
-      <p:sp>
-        <p:nvSpPr>
-          <p:cNvPr id="3" name="TextBox 2"/>
-          <p:cNvSpPr txBox="1"/>
-          <p:nvPr/>
-        </p:nvSpPr>
-        <p:spPr>
-          <a:xfrm>
-            <a:off x="520700" y="1192836"/>
-            <a:ext cx="8029575" cy="1569660"/>
-          </a:xfrm>
-          <a:prstGeom prst="rect">
-            <a:avLst/>
-          </a:prstGeom>
-          <a:noFill/>
-        </p:spPr>
-        <p:txBody>
-          <a:bodyPr wrap="square" rtlCol="0">
-            <a:spAutoFit/>
-          </a:bodyPr>
-          <a:lstStyle/>
-          <a:p>
-            <a:pPr marL="214313" indent="-214313">
-              <a:buFont typeface="Arial" panose="020B0604020202020204" pitchFamily="34" charset="0"/>
-              <a:buChar char="•"/>
-            </a:pPr>
-            <a:r>
-              <a:rPr lang="en-US" sz="2400" dirty="0" smtClean="0"/>
-              <a:t>React Components</a:t>
-            </a:r>
-          </a:p>
-          <a:p>
-            <a:pPr marL="214313" indent="-214313">
-              <a:buFont typeface="Arial" panose="020B0604020202020204" pitchFamily="34" charset="0"/>
-              <a:buChar char="•"/>
-            </a:pPr>
-            <a:r>
-              <a:rPr lang="en-US" sz="2400" dirty="0" smtClean="0"/>
-              <a:t>Prop and State</a:t>
-            </a:r>
-          </a:p>
-          <a:p>
-            <a:pPr marL="214313" indent="-214313">
-              <a:buFont typeface="Arial" panose="020B0604020202020204" pitchFamily="34" charset="0"/>
-              <a:buChar char="•"/>
-            </a:pPr>
-            <a:r>
-              <a:rPr lang="en-US" sz="2400" dirty="0" smtClean="0"/>
-              <a:t>JSX</a:t>
-            </a:r>
-          </a:p>
-          <a:p>
-            <a:pPr marL="214313" indent="-214313">
-              <a:buFont typeface="Arial" panose="020B0604020202020204" pitchFamily="34" charset="0"/>
-              <a:buChar char="•"/>
-            </a:pPr>
-            <a:r>
-              <a:rPr lang="en-US" sz="2400" dirty="0" smtClean="0"/>
-              <a:t>Virtual DOM</a:t>
-            </a:r>
-            <a:endParaRPr lang="en-US" sz="2400" b="1" spc="-113" dirty="0">
-              <a:solidFill>
-                <a:srgbClr val="FFFFFF"/>
-              </a:solidFill>
-            </a:endParaRPr>
-          </a:p>
-        </p:txBody>
-      </p:sp>
-    </p:spTree>
-    <p:extLst>
-      <p:ext uri="{BB962C8B-B14F-4D97-AF65-F5344CB8AC3E}">
-        <p14:creationId xmlns:p14="http://schemas.microsoft.com/office/powerpoint/2010/main" val="1918223042"/>
-      </p:ext>
-    </p:extLst>
-  </p:cSld>
-  <p:clrMapOvr>
-    <a:masterClrMapping/>
-  </p:clrMapOvr>
-  <p:timing>
-    <p:tnLst>
-      <p:par>
-        <p:cTn id="1" dur="indefinite" restart="never" nodeType="tmRoot"/>
-      </p:par>
-    </p:tnLst>
-  </p:timing>
-</p:sld>
-</file>
-
-<file path=ppt/slides/slide5.xml><?xml version="1.0" encoding="utf-8"?>
-<p:sld xmlns:a="http://schemas.openxmlformats.org/drawingml/2006/main" xmlns:r="http://schemas.openxmlformats.org/officeDocument/2006/relationships" xmlns:p="http://schemas.openxmlformats.org/presentationml/2006/main">
-  <p:cSld>
-    <p:spTree>
-      <p:nvGrpSpPr>
-        <p:cNvPr id="1" name=""/>
-        <p:cNvGrpSpPr/>
-        <p:nvPr/>
-      </p:nvGrpSpPr>
-      <p:grpSpPr>
-        <a:xfrm>
-          <a:off x="0" y="0"/>
-          <a:ext cx="0" cy="0"/>
-          <a:chOff x="0" y="0"/>
-          <a:chExt cx="0" cy="0"/>
-        </a:xfrm>
-      </p:grpSpPr>
-      <p:sp>
-        <p:nvSpPr>
-          <p:cNvPr id="2" name="TextBox 1"/>
-          <p:cNvSpPr txBox="1"/>
-          <p:nvPr/>
-        </p:nvSpPr>
-        <p:spPr>
-          <a:xfrm>
-            <a:off x="2042817" y="189789"/>
-            <a:ext cx="4985339" cy="830997"/>
-          </a:xfrm>
-          <a:prstGeom prst="rect">
-            <a:avLst/>
-          </a:prstGeom>
-          <a:noFill/>
-        </p:spPr>
-        <p:txBody>
-          <a:bodyPr wrap="none" rtlCol="0">
-            <a:spAutoFit/>
-          </a:bodyPr>
-          <a:lstStyle/>
-          <a:p>
-            <a:r>
-              <a:rPr lang="en-US" sz="4800" b="1" dirty="0"/>
-              <a:t>React Components</a:t>
-            </a:r>
-          </a:p>
-        </p:txBody>
-      </p:sp>
-      <p:sp>
-        <p:nvSpPr>
-          <p:cNvPr id="5" name="TextBox 4"/>
-          <p:cNvSpPr txBox="1"/>
-          <p:nvPr/>
-        </p:nvSpPr>
-        <p:spPr>
-          <a:xfrm>
-            <a:off x="520700" y="1192836"/>
-            <a:ext cx="8029575" cy="2308324"/>
-          </a:xfrm>
-          <a:prstGeom prst="rect">
-            <a:avLst/>
-          </a:prstGeom>
-          <a:noFill/>
-        </p:spPr>
-        <p:txBody>
-          <a:bodyPr wrap="square" rtlCol="0">
-            <a:spAutoFit/>
-          </a:bodyPr>
-          <a:lstStyle/>
-          <a:p>
-            <a:pPr marL="214313" indent="-214313">
-              <a:buFont typeface="Arial" panose="020B0604020202020204" pitchFamily="34" charset="0"/>
-              <a:buChar char="•"/>
-            </a:pPr>
-            <a:r>
-              <a:rPr lang="en-US" sz="2400" dirty="0"/>
-              <a:t>Object-oriented widgets </a:t>
-            </a:r>
-            <a:r>
-              <a:rPr lang="en-US" sz="2400" dirty="0" smtClean="0"/>
-              <a:t>definition i.e. using the java scripts </a:t>
-            </a:r>
-            <a:r>
-              <a:rPr lang="en-US" sz="2400" dirty="0" smtClean="0">
-                <a:solidFill>
-                  <a:srgbClr val="61DAFB"/>
-                </a:solidFill>
-              </a:rPr>
-              <a:t>OOP concepts</a:t>
-            </a:r>
-            <a:r>
-              <a:rPr lang="en-US" sz="2400" dirty="0" smtClean="0"/>
-              <a:t> </a:t>
-            </a:r>
-          </a:p>
-          <a:p>
-            <a:pPr marL="214313" indent="-214313">
-              <a:buFont typeface="Arial" panose="020B0604020202020204" pitchFamily="34" charset="0"/>
-              <a:buChar char="•"/>
-            </a:pPr>
-            <a:r>
-              <a:rPr lang="en-US" sz="2400" dirty="0">
-                <a:solidFill>
-                  <a:srgbClr val="61DAFB"/>
-                </a:solidFill>
-              </a:rPr>
-              <a:t>Nested widgets </a:t>
-            </a:r>
-            <a:r>
-              <a:rPr lang="en-US" sz="2400" dirty="0"/>
-              <a:t>support </a:t>
-            </a:r>
-            <a:r>
-              <a:rPr lang="en-US" sz="2400" dirty="0" smtClean="0"/>
-              <a:t>i.e. multiple components can be nested and a more complex UI widget can be created</a:t>
-            </a:r>
-          </a:p>
-          <a:p>
-            <a:pPr marL="214313" indent="-214313">
-              <a:buFont typeface="Arial" panose="020B0604020202020204" pitchFamily="34" charset="0"/>
-              <a:buChar char="•"/>
-            </a:pPr>
-            <a:r>
-              <a:rPr lang="en-US" sz="2400" dirty="0"/>
-              <a:t>HTML-Like Widget DOM definition </a:t>
-            </a:r>
-            <a:r>
-              <a:rPr lang="en-US" sz="2400" dirty="0" smtClean="0"/>
-              <a:t>(Virtual DOM) </a:t>
-            </a:r>
-          </a:p>
-          <a:p>
-            <a:pPr marL="214313" indent="-214313">
-              <a:buFont typeface="Arial" panose="020B0604020202020204" pitchFamily="34" charset="0"/>
-              <a:buChar char="•"/>
-            </a:pPr>
-            <a:r>
-              <a:rPr lang="en-US" sz="2400" spc="-113" dirty="0" smtClean="0">
-                <a:solidFill>
-                  <a:srgbClr val="61DAFB"/>
-                </a:solidFill>
-              </a:rPr>
-              <a:t>Optimized </a:t>
-            </a:r>
-            <a:r>
-              <a:rPr lang="en-US" sz="2400" spc="-113" dirty="0">
-                <a:solidFill>
-                  <a:srgbClr val="61DAFB"/>
-                </a:solidFill>
-              </a:rPr>
-              <a:t>rendering </a:t>
-            </a:r>
-            <a:r>
-              <a:rPr lang="en-US" sz="2400" spc="-113" dirty="0">
-                <a:solidFill>
-                  <a:srgbClr val="FFFFFF"/>
-                </a:solidFill>
-              </a:rPr>
-              <a:t>to the real DOM tree </a:t>
-            </a:r>
-            <a:endParaRPr lang="en-US" sz="2400" spc="-113" dirty="0" smtClean="0">
-              <a:solidFill>
-                <a:srgbClr val="FFFFFF"/>
-              </a:solidFill>
-            </a:endParaRPr>
-          </a:p>
-        </p:txBody>
-      </p:sp>
-    </p:spTree>
-    <p:extLst>
-      <p:ext uri="{BB962C8B-B14F-4D97-AF65-F5344CB8AC3E}">
-        <p14:creationId xmlns:p14="http://schemas.microsoft.com/office/powerpoint/2010/main" val="1704104683"/>
-      </p:ext>
-    </p:extLst>
-  </p:cSld>
-  <p:clrMapOvr>
-    <a:masterClrMapping/>
-  </p:clrMapOvr>
-  <p:timing>
-    <p:tnLst>
-      <p:par>
-        <p:cTn id="1" dur="indefinite" restart="never" nodeType="tmRoot"/>
-      </p:par>
-    </p:tnLst>
-  </p:timing>
-</p:sld>
-</file>
-
-<file path=ppt/slides/slide6.xml><?xml version="1.0" encoding="utf-8"?>
-<p:sld xmlns:a="http://schemas.openxmlformats.org/drawingml/2006/main" xmlns:r="http://schemas.openxmlformats.org/officeDocument/2006/relationships" xmlns:p="http://schemas.openxmlformats.org/presentationml/2006/main">
-  <p:cSld>
-    <p:spTree>
-      <p:nvGrpSpPr>
-        <p:cNvPr id="1" name=""/>
-        <p:cNvGrpSpPr/>
-        <p:nvPr/>
-      </p:nvGrpSpPr>
-      <p:grpSpPr>
-        <a:xfrm>
-          <a:off x="0" y="0"/>
-          <a:ext cx="0" cy="0"/>
-          <a:chOff x="0" y="0"/>
-          <a:chExt cx="0" cy="0"/>
-        </a:xfrm>
-      </p:grpSpPr>
-      <p:pic>
-        <p:nvPicPr>
-          <p:cNvPr id="2" name="Picture 1"/>
-          <p:cNvPicPr>
-            <a:picLocks noChangeAspect="1"/>
-          </p:cNvPicPr>
-          <p:nvPr/>
-        </p:nvPicPr>
-        <p:blipFill>
-          <a:blip r:embed="rId2">
-            <a:extLst>
-              <a:ext uri="{28A0092B-C50C-407E-A947-70E740481C1C}">
-                <a14:useLocalDpi xmlns:a14="http://schemas.microsoft.com/office/drawing/2010/main" val="0"/>
-              </a:ext>
-            </a:extLst>
-          </a:blip>
-          <a:stretch>
-            <a:fillRect/>
-          </a:stretch>
-        </p:blipFill>
-        <p:spPr>
-          <a:xfrm>
-            <a:off x="0" y="1717010"/>
-            <a:ext cx="9144000" cy="5140990"/>
-          </a:xfrm>
-          <a:prstGeom prst="rect">
-            <a:avLst/>
-          </a:prstGeom>
-        </p:spPr>
-      </p:pic>
-      <p:sp>
-        <p:nvSpPr>
-          <p:cNvPr id="3" name="TextBox 2"/>
-          <p:cNvSpPr txBox="1"/>
-          <p:nvPr/>
-        </p:nvSpPr>
-        <p:spPr>
-          <a:xfrm>
-            <a:off x="2079330" y="177089"/>
-            <a:ext cx="4985339" cy="830997"/>
-          </a:xfrm>
-          <a:prstGeom prst="rect">
-            <a:avLst/>
-          </a:prstGeom>
-          <a:noFill/>
-        </p:spPr>
-        <p:txBody>
-          <a:bodyPr wrap="none" rtlCol="0">
-            <a:spAutoFit/>
-          </a:bodyPr>
-          <a:lstStyle/>
-          <a:p>
-            <a:r>
-              <a:rPr lang="en-US" sz="4800" b="1" dirty="0"/>
-              <a:t>React Components</a:t>
-            </a:r>
-          </a:p>
-        </p:txBody>
-      </p:sp>
-      <p:sp>
-        <p:nvSpPr>
-          <p:cNvPr id="4" name="TextBox 3"/>
-          <p:cNvSpPr txBox="1"/>
-          <p:nvPr/>
-        </p:nvSpPr>
-        <p:spPr>
-          <a:xfrm>
-            <a:off x="520700" y="1192836"/>
-            <a:ext cx="8029575" cy="461665"/>
-          </a:xfrm>
-          <a:prstGeom prst="rect">
-            <a:avLst/>
-          </a:prstGeom>
-          <a:noFill/>
-        </p:spPr>
-        <p:txBody>
-          <a:bodyPr wrap="square" rtlCol="0">
-            <a:spAutoFit/>
-          </a:bodyPr>
-          <a:lstStyle/>
-          <a:p>
-            <a:pPr marL="214313" indent="-214313">
-              <a:buFont typeface="Arial" panose="020B0604020202020204" pitchFamily="34" charset="0"/>
-              <a:buChar char="•"/>
-            </a:pPr>
-            <a:r>
-              <a:rPr lang="en-US" sz="2400" dirty="0" smtClean="0"/>
-              <a:t>Our main focus is on the view</a:t>
-            </a:r>
-            <a:endParaRPr lang="en-US" sz="2400" spc="-113" dirty="0" smtClean="0">
-              <a:solidFill>
-                <a:srgbClr val="FFFFFF"/>
-              </a:solidFill>
-            </a:endParaRPr>
-          </a:p>
-        </p:txBody>
-      </p:sp>
-    </p:spTree>
-    <p:extLst>
-      <p:ext uri="{BB962C8B-B14F-4D97-AF65-F5344CB8AC3E}">
-        <p14:creationId xmlns:p14="http://schemas.microsoft.com/office/powerpoint/2010/main" val="3440158756"/>
-      </p:ext>
-    </p:extLst>
-  </p:cSld>
-  <p:clrMapOvr>
-    <a:masterClrMapping/>
-  </p:clrMapOvr>
-  <p:timing>
-    <p:tnLst>
-      <p:par>
-        <p:cTn id="1" dur="indefinite" restart="never" nodeType="tmRoot"/>
-      </p:par>
-    </p:tnLst>
-  </p:timing>
-</p:sld>
-</file>
-
 <file path=ppt/slides/slide7.xml><?xml version="1.0" encoding="utf-8"?>
 <p:sld xmlns:a="http://schemas.openxmlformats.org/drawingml/2006/main" xmlns:r="http://schemas.openxmlformats.org/officeDocument/2006/relationships" xmlns:p="http://schemas.openxmlformats.org/presentationml/2006/main">
   <p:cSld>
@@ -6784,72 +4354,14 @@
       </p:grpSpPr>
       <p:sp>
         <p:nvSpPr>
-          <p:cNvPr id="4" name="Rectangle 3"/>
-          <p:cNvSpPr/>
+          <p:cNvPr id="2" name="TextBox 1"/>
+          <p:cNvSpPr txBox="1"/>
           <p:nvPr/>
         </p:nvSpPr>
         <p:spPr>
           <a:xfrm>
-            <a:off x="1168954" y="1606033"/>
-            <a:ext cx="1084721" cy="646331"/>
-          </a:xfrm>
-          <a:prstGeom prst="rect">
-            <a:avLst/>
-          </a:prstGeom>
-        </p:spPr>
-        <p:txBody>
-          <a:bodyPr wrap="none">
-            <a:spAutoFit/>
-          </a:bodyPr>
-          <a:lstStyle/>
-          <a:p>
-            <a:r>
-              <a:rPr lang="en-US" sz="3600" b="1" dirty="0"/>
-              <a:t>Prop</a:t>
-            </a:r>
-            <a:endParaRPr lang="en-US" dirty="0"/>
-          </a:p>
-        </p:txBody>
-      </p:sp>
-      <p:sp>
-        <p:nvSpPr>
-          <p:cNvPr id="5" name="Rectangle 4"/>
-          <p:cNvSpPr/>
-          <p:nvPr/>
-        </p:nvSpPr>
-        <p:spPr>
-          <a:xfrm>
-            <a:off x="7027990" y="1606033"/>
-            <a:ext cx="1168910" cy="646331"/>
-          </a:xfrm>
-          <a:prstGeom prst="rect">
-            <a:avLst/>
-          </a:prstGeom>
-        </p:spPr>
-        <p:txBody>
-          <a:bodyPr wrap="none">
-            <a:spAutoFit/>
-          </a:bodyPr>
-          <a:lstStyle/>
-          <a:p>
-            <a:r>
-              <a:rPr lang="en-US" sz="3600" b="1" dirty="0"/>
-              <a:t>State</a:t>
-            </a:r>
-            <a:endParaRPr lang="en-US" dirty="0"/>
-          </a:p>
-        </p:txBody>
-      </p:sp>
-      <p:sp>
-        <p:nvSpPr>
-          <p:cNvPr id="7" name="TextBox 6"/>
-          <p:cNvSpPr txBox="1"/>
-          <p:nvPr/>
-        </p:nvSpPr>
-        <p:spPr>
-          <a:xfrm>
-            <a:off x="419101" y="2678736"/>
-            <a:ext cx="4127500" cy="1569660"/>
+            <a:off x="3052548" y="164389"/>
+            <a:ext cx="2965877" cy="830997"/>
           </a:xfrm>
           <a:prstGeom prst="rect">
             <a:avLst/>
@@ -6857,82 +4369,29 @@
           <a:noFill/>
         </p:spPr>
         <p:txBody>
-          <a:bodyPr wrap="square" rtlCol="0">
+          <a:bodyPr wrap="none" rtlCol="0">
             <a:spAutoFit/>
           </a:bodyPr>
           <a:lstStyle/>
           <a:p>
-            <a:pPr marL="285750" indent="-285750">
-              <a:buFont typeface="Arial" panose="020B0604020202020204" pitchFamily="34" charset="0"/>
-              <a:buChar char="•"/>
-            </a:pPr>
-            <a:r>
-              <a:rPr lang="en-US" sz="2400" dirty="0"/>
-              <a:t>passed in from parent  </a:t>
-            </a:r>
-          </a:p>
-          <a:p>
-            <a:pPr marL="285750" indent="-285750">
-              <a:buFont typeface="Arial" panose="020B0604020202020204" pitchFamily="34" charset="0"/>
-              <a:buChar char="•"/>
-            </a:pPr>
-            <a:r>
-              <a:rPr lang="en-US" sz="2400" dirty="0"/>
-              <a:t>&lt;MyComp </a:t>
-            </a:r>
-            <a:r>
-              <a:rPr lang="en-US" sz="2400" dirty="0">
-                <a:solidFill>
-                  <a:srgbClr val="61DAFB"/>
-                </a:solidFill>
-              </a:rPr>
-              <a:t>foo="bar</a:t>
-            </a:r>
-            <a:r>
-              <a:rPr lang="en-US" sz="2400" dirty="0"/>
-              <a:t>" /&gt;</a:t>
-            </a:r>
-          </a:p>
-          <a:p>
-            <a:pPr marL="285750" indent="-285750">
-              <a:buFont typeface="Arial" panose="020B0604020202020204" pitchFamily="34" charset="0"/>
-              <a:buChar char="•"/>
-            </a:pPr>
-            <a:r>
-              <a:rPr lang="en-US" sz="2400" dirty="0">
-                <a:solidFill>
-                  <a:srgbClr val="61DAFB"/>
-                </a:solidFill>
-              </a:rPr>
-              <a:t>this.props</a:t>
-            </a:r>
-            <a:r>
-              <a:rPr lang="en-US" sz="2400" dirty="0"/>
-              <a:t> read-only within</a:t>
-            </a:r>
-          </a:p>
-          <a:p>
-            <a:pPr marL="285750" indent="-285750">
-              <a:buFont typeface="Arial" panose="020B0604020202020204" pitchFamily="34" charset="0"/>
-              <a:buChar char="•"/>
-            </a:pPr>
-            <a:r>
-              <a:rPr lang="en-US" sz="2400" dirty="0"/>
-              <a:t>can be defaulted &amp; validated</a:t>
-            </a:r>
-          </a:p>
-        </p:txBody>
-      </p:sp>
-      <p:sp>
-        <p:nvSpPr>
-          <p:cNvPr id="9" name="TextBox 8"/>
+            <a:r>
+              <a:rPr lang="en-US" sz="4800" b="1" dirty="0" smtClean="0"/>
+              <a:t>Conclusion</a:t>
+            </a:r>
+            <a:endParaRPr lang="en-US" sz="4800" b="1" dirty="0"/>
+          </a:p>
+        </p:txBody>
+      </p:sp>
+      <p:sp>
+        <p:nvSpPr>
+          <p:cNvPr id="3" name="TextBox 2"/>
           <p:cNvSpPr txBox="1"/>
           <p:nvPr/>
         </p:nvSpPr>
         <p:spPr>
           <a:xfrm>
-            <a:off x="4964240" y="2678736"/>
-            <a:ext cx="4127500" cy="1569660"/>
+            <a:off x="520700" y="1192836"/>
+            <a:ext cx="8029575" cy="3416320"/>
           </a:xfrm>
           <a:prstGeom prst="rect">
             <a:avLst/>
@@ -6945,114 +4404,124 @@
           </a:bodyPr>
           <a:lstStyle/>
           <a:p>
-            <a:pPr marL="285750" indent="-285750">
+            <a:pPr marL="342900" lvl="0" indent="-342900">
               <a:buFont typeface="Arial" panose="020B0604020202020204" pitchFamily="34" charset="0"/>
               <a:buChar char="•"/>
             </a:pPr>
             <a:r>
+              <a:rPr lang="en-US" sz="2400" dirty="0" smtClean="0"/>
+              <a:t>We </a:t>
+            </a:r>
+            <a:r>
               <a:rPr lang="en-US" sz="2400" dirty="0"/>
-              <a:t>created within component </a:t>
-            </a:r>
-          </a:p>
-          <a:p>
-            <a:pPr marL="285750" indent="-285750">
-              <a:buFont typeface="Arial" panose="020B0604020202020204" pitchFamily="34" charset="0"/>
-              <a:buChar char="•"/>
-            </a:pPr>
+              <a:t>have attempted to design and implement a simple Single Page Application using </a:t>
+            </a:r>
             <a:r>
               <a:rPr lang="en-US" sz="2400" dirty="0">
                 <a:solidFill>
                   <a:srgbClr val="61DAFB"/>
                 </a:solidFill>
               </a:rPr>
-              <a:t> </a:t>
-            </a:r>
-            <a:r>
-              <a:rPr lang="en-US" sz="2400" dirty="0" smtClean="0">
-                <a:solidFill>
-                  <a:srgbClr val="61DAFB"/>
-                </a:solidFill>
-              </a:rPr>
-              <a:t>getInitialState()</a:t>
-            </a:r>
-            <a:endParaRPr lang="en-US" sz="2400" dirty="0">
+              <a:t>React and its built in JSX support. </a:t>
+            </a:r>
+            <a:endParaRPr lang="en-US" sz="2400" dirty="0" smtClean="0">
               <a:solidFill>
                 <a:srgbClr val="61DAFB"/>
               </a:solidFill>
             </a:endParaRPr>
           </a:p>
           <a:p>
-            <a:pPr marL="285750" indent="-285750">
+            <a:pPr marL="342900" lvl="0" indent="-342900">
               <a:buFont typeface="Arial" panose="020B0604020202020204" pitchFamily="34" charset="0"/>
               <a:buChar char="•"/>
             </a:pPr>
             <a:r>
+              <a:rPr lang="en-US" sz="2400" dirty="0"/>
+              <a:t>found that the </a:t>
+            </a:r>
+            <a:r>
               <a:rPr lang="en-US" sz="2400" dirty="0">
                 <a:solidFill>
                   <a:srgbClr val="61DAFB"/>
                 </a:solidFill>
               </a:rPr>
-              <a:t>this.state</a:t>
+              <a:t>creation of a UI component is fairly fast and efficient </a:t>
             </a:r>
             <a:r>
               <a:rPr lang="en-US" sz="2400" dirty="0"/>
-              <a:t> to read</a:t>
-            </a:r>
-          </a:p>
-          <a:p>
-            <a:pPr marL="285750" indent="-285750">
+              <a:t>and the rendering of UI is </a:t>
+            </a:r>
+            <a:r>
+              <a:rPr lang="en-US" sz="2400" dirty="0">
+                <a:solidFill>
+                  <a:srgbClr val="61DAFB"/>
+                </a:solidFill>
+              </a:rPr>
+              <a:t>optimized by the Virtual DOM that React </a:t>
+            </a:r>
+            <a:r>
+              <a:rPr lang="en-US" sz="2400" dirty="0" smtClean="0">
+                <a:solidFill>
+                  <a:srgbClr val="61DAFB"/>
+                </a:solidFill>
+              </a:rPr>
+              <a:t>supports</a:t>
+            </a:r>
+          </a:p>
+          <a:p>
+            <a:pPr marL="342900" lvl="0" indent="-342900">
               <a:buFont typeface="Arial" panose="020B0604020202020204" pitchFamily="34" charset="0"/>
               <a:buChar char="•"/>
             </a:pPr>
             <a:r>
+              <a:rPr lang="en-US" sz="2400" dirty="0"/>
+              <a:t>Also we can use a single UI component </a:t>
+            </a:r>
+            <a:r>
               <a:rPr lang="en-US" sz="2400" dirty="0">
                 <a:solidFill>
                   <a:srgbClr val="61DAFB"/>
                 </a:solidFill>
               </a:rPr>
-              <a:t>this.setState()</a:t>
+              <a:t>can be used at multiple </a:t>
+            </a:r>
+            <a:r>
+              <a:rPr lang="en-US" sz="2400" dirty="0" smtClean="0">
+                <a:solidFill>
+                  <a:srgbClr val="61DAFB"/>
+                </a:solidFill>
+              </a:rPr>
+              <a:t>instances</a:t>
+            </a:r>
+          </a:p>
+          <a:p>
+            <a:pPr marL="342900" lvl="0" indent="-342900">
+              <a:buFont typeface="Arial" panose="020B0604020202020204" pitchFamily="34" charset="0"/>
+              <a:buChar char="•"/>
+            </a:pPr>
+            <a:r>
+              <a:rPr lang="en-US" sz="2400" dirty="0" smtClean="0"/>
+              <a:t>Code is available </a:t>
             </a:r>
             <a:r>
               <a:rPr lang="en-US" sz="2400" dirty="0"/>
-              <a:t> to update</a:t>
-            </a:r>
-          </a:p>
-        </p:txBody>
-      </p:sp>
-      <p:sp>
-        <p:nvSpPr>
-          <p:cNvPr id="11" name="TextBox 10"/>
-          <p:cNvSpPr txBox="1"/>
-          <p:nvPr/>
-        </p:nvSpPr>
-        <p:spPr>
-          <a:xfrm>
-            <a:off x="2647375" y="184452"/>
-            <a:ext cx="4080476" cy="830997"/>
-          </a:xfrm>
-          <a:prstGeom prst="rect">
-            <a:avLst/>
-          </a:prstGeom>
-          <a:noFill/>
-        </p:spPr>
-        <p:txBody>
-          <a:bodyPr wrap="none" rtlCol="0">
-            <a:spAutoFit/>
-          </a:bodyPr>
-          <a:lstStyle/>
-          <a:p>
-            <a:r>
-              <a:rPr lang="en-US" sz="4800" b="1" dirty="0" smtClean="0"/>
-              <a:t>Prop and State</a:t>
-            </a:r>
-            <a:endParaRPr lang="en-US" sz="4800" b="1" dirty="0"/>
+              <a:t>on </a:t>
+            </a:r>
+            <a:r>
+              <a:rPr lang="en-US" sz="2400" dirty="0">
+                <a:solidFill>
+                  <a:srgbClr val="61DAFB"/>
+                </a:solidFill>
+              </a:rPr>
+              <a:t>https://github.com/LadwaAditya/ReactJSNoteApp</a:t>
+            </a:r>
           </a:p>
         </p:txBody>
       </p:sp>
     </p:spTree>
     <p:extLst>
       <p:ext uri="{BB962C8B-B14F-4D97-AF65-F5344CB8AC3E}">
-        <p14:creationId xmlns:p14="http://schemas.microsoft.com/office/powerpoint/2010/main" val="4234162015"/>
+        <p14:creationId xmlns:p14="http://schemas.microsoft.com/office/powerpoint/2010/main" val="2349814252"/>
       </p:ext>
     </p:extLst>
   </p:cSld>
@@ -7094,8 +4563,8 @@
         </p:nvSpPr>
         <p:spPr>
           <a:xfrm>
-            <a:off x="2601492" y="164389"/>
-            <a:ext cx="3941015" cy="830997"/>
+            <a:off x="2528174" y="361839"/>
+            <a:ext cx="4014625" cy="830997"/>
           </a:xfrm>
           <a:prstGeom prst="rect">
             <a:avLst/>
@@ -7109,23 +4578,22 @@
           <a:lstStyle/>
           <a:p>
             <a:r>
-              <a:rPr lang="en-US" sz="4800" b="1" dirty="0" smtClean="0"/>
-              <a:t>Prop and State</a:t>
-            </a:r>
-            <a:endParaRPr lang="en-US" sz="4800" b="1" dirty="0"/>
-          </a:p>
-        </p:txBody>
-      </p:sp>
-      <p:sp>
-        <p:nvSpPr>
-          <p:cNvPr id="3" name="TextBox 2"/>
+              <a:rPr lang="en-US" sz="4800" b="1" dirty="0"/>
+              <a:t>BIBILOGRAPHY</a:t>
+            </a:r>
+          </a:p>
+        </p:txBody>
+      </p:sp>
+      <p:sp>
+        <p:nvSpPr>
+          <p:cNvPr id="4" name="TextBox 3"/>
           <p:cNvSpPr txBox="1"/>
           <p:nvPr/>
         </p:nvSpPr>
         <p:spPr>
           <a:xfrm>
-            <a:off x="520700" y="1192836"/>
-            <a:ext cx="8029575" cy="461665"/>
+            <a:off x="520698" y="1599236"/>
+            <a:ext cx="8029575" cy="1569660"/>
           </a:xfrm>
           <a:prstGeom prst="rect">
             <a:avLst/>
@@ -7138,51 +4606,99 @@
           </a:bodyPr>
           <a:lstStyle/>
           <a:p>
-            <a:pPr marL="214313" indent="-214313">
+            <a:pPr marL="342900" lvl="0" indent="-342900">
               <a:buFont typeface="Arial" panose="020B0604020202020204" pitchFamily="34" charset="0"/>
               <a:buChar char="•"/>
             </a:pPr>
             <a:r>
-              <a:rPr lang="en-US" sz="2400" dirty="0" smtClean="0"/>
-              <a:t>How to access properties?</a:t>
-            </a:r>
-          </a:p>
-        </p:txBody>
-      </p:sp>
-      <p:pic>
-        <p:nvPicPr>
-          <p:cNvPr id="4" name="Picture 3"/>
-          <p:cNvPicPr>
-            <a:picLocks noChangeAspect="1"/>
-          </p:cNvPicPr>
-          <p:nvPr/>
-        </p:nvPicPr>
-        <p:blipFill>
-          <a:blip r:embed="rId2">
-            <a:extLst>
-              <a:ext uri="{28A0092B-C50C-407E-A947-70E740481C1C}">
-                <a14:useLocalDpi xmlns:a14="http://schemas.microsoft.com/office/drawing/2010/main" val="0"/>
-              </a:ext>
-            </a:extLst>
-          </a:blip>
-          <a:stretch>
-            <a:fillRect/>
-          </a:stretch>
-        </p:blipFill>
-        <p:spPr>
-          <a:xfrm>
-            <a:off x="0" y="1717010"/>
-            <a:ext cx="9144000" cy="5140990"/>
-          </a:xfrm>
-          <a:prstGeom prst="rect">
-            <a:avLst/>
-          </a:prstGeom>
-        </p:spPr>
-      </p:pic>
+              <a:rPr lang="en-US" sz="2400" dirty="0" smtClean="0">
+                <a:solidFill>
+                  <a:srgbClr val="61DAFB"/>
+                </a:solidFill>
+              </a:rPr>
+              <a:t>https</a:t>
+            </a:r>
+            <a:r>
+              <a:rPr lang="en-US" sz="2400" dirty="0">
+                <a:solidFill>
+                  <a:srgbClr val="61DAFB"/>
+                </a:solidFill>
+              </a:rPr>
+              <a:t>://facebook.github.io/react/</a:t>
+            </a:r>
+          </a:p>
+          <a:p>
+            <a:pPr marL="342900" lvl="0" indent="-342900">
+              <a:buFont typeface="Arial" panose="020B0604020202020204" pitchFamily="34" charset="0"/>
+              <a:buChar char="•"/>
+            </a:pPr>
+            <a:r>
+              <a:rPr lang="en-US" sz="2400" dirty="0" smtClean="0">
+                <a:solidFill>
+                  <a:srgbClr val="61DAFB"/>
+                </a:solidFill>
+              </a:rPr>
+              <a:t>https</a:t>
+            </a:r>
+            <a:r>
+              <a:rPr lang="en-US" sz="2400" dirty="0">
+                <a:solidFill>
+                  <a:srgbClr val="61DAFB"/>
+                </a:solidFill>
+              </a:rPr>
+              <a:t>://github.com/facebook/react</a:t>
+            </a:r>
+          </a:p>
+          <a:p>
+            <a:pPr marL="342900" lvl="0" indent="-342900">
+              <a:buFont typeface="Arial" panose="020B0604020202020204" pitchFamily="34" charset="0"/>
+              <a:buChar char="•"/>
+            </a:pPr>
+            <a:r>
+              <a:rPr lang="en-US" sz="2400" dirty="0" smtClean="0">
+                <a:solidFill>
+                  <a:srgbClr val="61DAFB"/>
+                </a:solidFill>
+              </a:rPr>
+              <a:t>https</a:t>
+            </a:r>
+            <a:r>
+              <a:rPr lang="en-US" sz="2400" dirty="0">
+                <a:solidFill>
+                  <a:srgbClr val="61DAFB"/>
+                </a:solidFill>
+              </a:rPr>
+              <a:t>://en.wikipedia.org/wiki/React_(JavaScript_library)</a:t>
+            </a:r>
+          </a:p>
+          <a:p>
+            <a:pPr marL="342900" lvl="0" indent="-342900">
+              <a:buFont typeface="Arial" panose="020B0604020202020204" pitchFamily="34" charset="0"/>
+              <a:buChar char="•"/>
+            </a:pPr>
+            <a:r>
+              <a:rPr lang="en-US" sz="2400" dirty="0" smtClean="0">
+                <a:solidFill>
+                  <a:srgbClr val="61DAFB"/>
+                </a:solidFill>
+              </a:rPr>
+              <a:t>https</a:t>
+            </a:r>
+            <a:r>
+              <a:rPr lang="en-US" sz="2400" dirty="0">
+                <a:solidFill>
+                  <a:srgbClr val="61DAFB"/>
+                </a:solidFill>
+              </a:rPr>
+              <a:t>://github.com/facebook/react/wiki/Examples</a:t>
+            </a:r>
+          </a:p>
+        </p:txBody>
+      </p:sp>
     </p:spTree>
     <p:extLst>
       <p:ext uri="{BB962C8B-B14F-4D97-AF65-F5344CB8AC3E}">
-        <p14:creationId xmlns:p14="http://schemas.microsoft.com/office/powerpoint/2010/main" val="704410328"/>
+        <p14:creationId xmlns:p14="http://schemas.microsoft.com/office/powerpoint/2010/main" val="2900492542"/>
       </p:ext>
     </p:extLst>
   </p:cSld>
@@ -7218,14 +4734,14 @@
       </p:grpSpPr>
       <p:sp>
         <p:nvSpPr>
-          <p:cNvPr id="5" name="TextBox 4"/>
+          <p:cNvPr id="2" name="TextBox 1"/>
           <p:cNvSpPr txBox="1"/>
           <p:nvPr/>
         </p:nvSpPr>
         <p:spPr>
           <a:xfrm>
-            <a:off x="520700" y="1192836"/>
-            <a:ext cx="8029575" cy="461665"/>
+            <a:off x="2802703" y="2815114"/>
+            <a:ext cx="3761158" cy="1131079"/>
           </a:xfrm>
           <a:prstGeom prst="rect">
             <a:avLst/>
@@ -7233,86 +4749,32 @@
           <a:noFill/>
         </p:spPr>
         <p:txBody>
-          <a:bodyPr wrap="square" rtlCol="0">
-            <a:spAutoFit/>
-          </a:bodyPr>
-          <a:lstStyle/>
-          <a:p>
-            <a:pPr marL="214313" indent="-214313">
-              <a:buFont typeface="Arial" panose="020B0604020202020204" pitchFamily="34" charset="0"/>
-              <a:buChar char="•"/>
-            </a:pPr>
-            <a:r>
-              <a:rPr lang="en-US" sz="2400" dirty="0" smtClean="0"/>
-              <a:t>How to access properties?</a:t>
-            </a:r>
-          </a:p>
-        </p:txBody>
-      </p:sp>
-      <p:pic>
-        <p:nvPicPr>
-          <p:cNvPr id="7" name="Picture 6"/>
-          <p:cNvPicPr>
-            <a:picLocks noChangeAspect="1"/>
-          </p:cNvPicPr>
-          <p:nvPr/>
-        </p:nvPicPr>
-        <p:blipFill>
-          <a:blip r:embed="rId2">
-            <a:extLst>
-              <a:ext uri="{28A0092B-C50C-407E-A947-70E740481C1C}">
-                <a14:useLocalDpi xmlns:a14="http://schemas.microsoft.com/office/drawing/2010/main" val="0"/>
-              </a:ext>
-            </a:extLst>
-          </a:blip>
-          <a:stretch>
-            <a:fillRect/>
-          </a:stretch>
-        </p:blipFill>
-        <p:spPr>
-          <a:xfrm>
-            <a:off x="0" y="1717010"/>
-            <a:ext cx="9144000" cy="5140990"/>
-          </a:xfrm>
-          <a:prstGeom prst="rect">
-            <a:avLst/>
-          </a:prstGeom>
-        </p:spPr>
-      </p:pic>
-      <p:sp>
-        <p:nvSpPr>
-          <p:cNvPr id="9" name="TextBox 8"/>
-          <p:cNvSpPr txBox="1"/>
-          <p:nvPr/>
-        </p:nvSpPr>
-        <p:spPr>
-          <a:xfrm>
-            <a:off x="2601492" y="330584"/>
-            <a:ext cx="3941015" cy="830997"/>
-          </a:xfrm>
-          <a:prstGeom prst="rect">
-            <a:avLst/>
-          </a:prstGeom>
-          <a:noFill/>
-        </p:spPr>
-        <p:txBody>
           <a:bodyPr wrap="none" rtlCol="0">
             <a:spAutoFit/>
           </a:bodyPr>
           <a:lstStyle/>
           <a:p>
-            <a:r>
-              <a:rPr lang="en-US" sz="4800" b="1" dirty="0" smtClean="0"/>
-              <a:t>Prop and State</a:t>
-            </a:r>
-            <a:endParaRPr lang="en-US" sz="4800" b="1" dirty="0"/>
+            <a:pPr algn="ctr"/>
+            <a:r>
+              <a:rPr lang="en-US" sz="6750" b="1" spc="-113" dirty="0" smtClean="0">
+                <a:solidFill>
+                  <a:srgbClr val="61DAFB"/>
+                </a:solidFill>
+              </a:rPr>
+              <a:t>Thank You</a:t>
+            </a:r>
+            <a:endParaRPr lang="en-US" sz="6750" b="1" spc="-113" dirty="0">
+              <a:solidFill>
+                <a:srgbClr val="61DAFB"/>
+              </a:solidFill>
+            </a:endParaRPr>
           </a:p>
         </p:txBody>
       </p:sp>
     </p:spTree>
     <p:extLst>
       <p:ext uri="{BB962C8B-B14F-4D97-AF65-F5344CB8AC3E}">
-        <p14:creationId xmlns:p14="http://schemas.microsoft.com/office/powerpoint/2010/main" val="1441814877"/>
+        <p14:creationId xmlns:p14="http://schemas.microsoft.com/office/powerpoint/2010/main" val="3902577910"/>
       </p:ext>
     </p:extLst>
   </p:cSld>

--- a/Presentation.pptx
+++ b/Presentation.pptx
@@ -10,10 +10,9 @@
     <p:sldId id="262" r:id="rId5"/>
     <p:sldId id="277" r:id="rId6"/>
     <p:sldId id="264" r:id="rId7"/>
-    <p:sldId id="278" r:id="rId8"/>
-    <p:sldId id="283" r:id="rId9"/>
-    <p:sldId id="284" r:id="rId10"/>
-    <p:sldId id="285" r:id="rId11"/>
+    <p:sldId id="283" r:id="rId8"/>
+    <p:sldId id="284" r:id="rId9"/>
+    <p:sldId id="285" r:id="rId10"/>
   </p:sldIdLst>
   <p:sldSz cx="9144000" cy="6858000" type="screen4x3"/>
   <p:notesSz cx="6858000" cy="9144000"/>
@@ -3502,7 +3501,7 @@
         <p:spPr>
           <a:xfrm>
             <a:off x="520700" y="1192836"/>
-            <a:ext cx="8029575" cy="4524315"/>
+            <a:ext cx="8029575" cy="5262979"/>
           </a:xfrm>
           <a:prstGeom prst="rect">
             <a:avLst/>
@@ -3675,8 +3674,50 @@
             </a:r>
             <a:r>
               <a:rPr lang="en-US" sz="2400" spc="-113" dirty="0" smtClean="0"/>
-              <a:t>services are used from bluemix</a:t>
-            </a:r>
+              <a:t>services are used from </a:t>
+            </a:r>
+            <a:r>
+              <a:rPr lang="en-US" sz="2400" spc="-113" dirty="0" err="1" smtClean="0"/>
+              <a:t>bluemix</a:t>
+            </a:r>
+            <a:endParaRPr lang="en-US" sz="2400" spc="-113" dirty="0" smtClean="0"/>
+          </a:p>
+          <a:p>
+            <a:pPr marL="214313" indent="-214313">
+              <a:buFont typeface="Arial" panose="020B0604020202020204" pitchFamily="34" charset="0"/>
+              <a:buChar char="•"/>
+            </a:pPr>
+            <a:r>
+              <a:rPr lang="en-US" sz="2400" spc="-113" dirty="0" smtClean="0">
+                <a:solidFill>
+                  <a:srgbClr val="61DAFB"/>
+                </a:solidFill>
+              </a:rPr>
+              <a:t>Canvas.js</a:t>
+            </a:r>
+            <a:r>
+              <a:rPr lang="en-US" sz="2400" spc="-113" dirty="0" smtClean="0"/>
+              <a:t> for plotting various graphs</a:t>
+            </a:r>
+          </a:p>
+          <a:p>
+            <a:pPr marL="214313" indent="-214313">
+              <a:buFont typeface="Arial" panose="020B0604020202020204" pitchFamily="34" charset="0"/>
+              <a:buChar char="•"/>
+            </a:pPr>
+            <a:r>
+              <a:rPr lang="en-US" sz="2400" spc="-113" dirty="0" smtClean="0">
+                <a:solidFill>
+                  <a:srgbClr val="61DAFB"/>
+                </a:solidFill>
+              </a:rPr>
+              <a:t>Twitter Bootstrap </a:t>
+            </a:r>
+            <a:r>
+              <a:rPr lang="en-US" sz="2400" spc="-113" dirty="0" smtClean="0"/>
+              <a:t>for providing CSS</a:t>
+            </a:r>
+            <a:endParaRPr lang="en-US" sz="2400" spc="-113" dirty="0" smtClean="0"/>
           </a:p>
           <a:p>
             <a:pPr marL="214313" indent="-214313">
@@ -3772,15 +3813,7 @@
                   <a:srgbClr val="FFFFFF"/>
                 </a:solidFill>
               </a:rPr>
-              <a:t>Features of </a:t>
-            </a:r>
-            <a:r>
-              <a:rPr lang="en-US" sz="4500" b="1" spc="-113" dirty="0" smtClean="0">
-                <a:solidFill>
-                  <a:srgbClr val="FFFFFF"/>
-                </a:solidFill>
-              </a:rPr>
-              <a:t>TwiTone</a:t>
+              <a:t>Features of TwiTone</a:t>
             </a:r>
             <a:endParaRPr lang="en-US" sz="4500" b="1" spc="-113" dirty="0">
               <a:solidFill>
@@ -3799,7 +3832,7 @@
         <p:spPr>
           <a:xfrm>
             <a:off x="520700" y="1192836"/>
-            <a:ext cx="8029575" cy="1200329"/>
+            <a:ext cx="8029575" cy="4893647"/>
           </a:xfrm>
           <a:prstGeom prst="rect">
             <a:avLst/>
@@ -3817,8 +3850,16 @@
               <a:buChar char="•"/>
             </a:pPr>
             <a:r>
+              <a:rPr lang="en-US" sz="2400" dirty="0" smtClean="0">
+                <a:solidFill>
+                  <a:srgbClr val="61DAFB"/>
+                </a:solidFill>
+              </a:rPr>
+              <a:t>Display tweets </a:t>
+            </a:r>
+            <a:r>
               <a:rPr lang="en-US" sz="2400" dirty="0" smtClean="0"/>
-              <a:t>Display tweets of a user</a:t>
+              <a:t>of a user</a:t>
             </a:r>
           </a:p>
           <a:p>
@@ -3832,16 +3873,189 @@
                   <a:srgbClr val="FFFFFF"/>
                 </a:solidFill>
               </a:rPr>
-              <a:t>Analyze Tone of Tweets using IBM Watson </a:t>
-            </a:r>
-            <a:r>
-              <a:rPr lang="en-US" sz="2400" spc="-113" smtClean="0">
+              <a:t>Analyze </a:t>
+            </a:r>
+            <a:r>
+              <a:rPr lang="en-US" sz="2400" spc="-113" dirty="0" smtClean="0">
+                <a:solidFill>
+                  <a:srgbClr val="61DAFB"/>
+                </a:solidFill>
+              </a:rPr>
+              <a:t>Tone of Tweets </a:t>
+            </a:r>
+            <a:r>
+              <a:rPr lang="en-US" sz="2400" spc="-113" dirty="0" smtClean="0">
                 <a:solidFill>
                   <a:srgbClr val="FFFFFF"/>
                 </a:solidFill>
               </a:rPr>
-              <a:t>Tone Analyzer</a:t>
-            </a:r>
+              <a:t>using IBM Watson Tone </a:t>
+            </a:r>
+            <a:r>
+              <a:rPr lang="en-US" sz="2400" spc="-113" dirty="0" smtClean="0">
+                <a:solidFill>
+                  <a:srgbClr val="FFFFFF"/>
+                </a:solidFill>
+              </a:rPr>
+              <a:t>Analyzer</a:t>
+            </a:r>
+          </a:p>
+          <a:p>
+            <a:pPr marL="914400" lvl="1" indent="-457200">
+              <a:buFont typeface="+mj-lt"/>
+              <a:buAutoNum type="arabicPeriod"/>
+            </a:pPr>
+            <a:r>
+              <a:rPr lang="en-US" sz="2400" spc="-113" dirty="0" smtClean="0">
+                <a:solidFill>
+                  <a:srgbClr val="FFFFFF"/>
+                </a:solidFill>
+              </a:rPr>
+              <a:t>Provide </a:t>
+            </a:r>
+            <a:r>
+              <a:rPr lang="en-US" sz="2400" spc="-113" dirty="0" smtClean="0">
+                <a:solidFill>
+                  <a:srgbClr val="61DAFB"/>
+                </a:solidFill>
+              </a:rPr>
+              <a:t>Emotional Summery </a:t>
+            </a:r>
+            <a:r>
+              <a:rPr lang="en-US" sz="2400" spc="-113" dirty="0" smtClean="0">
+                <a:solidFill>
+                  <a:srgbClr val="FFFFFF"/>
+                </a:solidFill>
+              </a:rPr>
+              <a:t>such as Sadness, joy, Fear, Disgust, Anger in a Tweet.</a:t>
+            </a:r>
+          </a:p>
+          <a:p>
+            <a:pPr marL="914400" lvl="1" indent="-457200">
+              <a:buFont typeface="+mj-lt"/>
+              <a:buAutoNum type="arabicPeriod"/>
+            </a:pPr>
+            <a:r>
+              <a:rPr lang="en-US" sz="2400" spc="-113" dirty="0" smtClean="0">
+                <a:solidFill>
+                  <a:srgbClr val="FFFFFF"/>
+                </a:solidFill>
+              </a:rPr>
+              <a:t>Provide </a:t>
+            </a:r>
+            <a:r>
+              <a:rPr lang="en-US" sz="2400" spc="-113" dirty="0" smtClean="0">
+                <a:solidFill>
+                  <a:srgbClr val="61DAFB"/>
+                </a:solidFill>
+              </a:rPr>
+              <a:t>Social Summery </a:t>
+            </a:r>
+            <a:r>
+              <a:rPr lang="en-US" sz="2400" spc="-113" dirty="0" smtClean="0">
+                <a:solidFill>
+                  <a:srgbClr val="FFFFFF"/>
+                </a:solidFill>
+              </a:rPr>
+              <a:t>such as Emotional Range, Agreeableness, Extraversion, Consciousness, Openness in a tweet.</a:t>
+            </a:r>
+          </a:p>
+          <a:p>
+            <a:pPr marL="914400" lvl="1" indent="-457200">
+              <a:buFont typeface="+mj-lt"/>
+              <a:buAutoNum type="arabicPeriod"/>
+            </a:pPr>
+            <a:r>
+              <a:rPr lang="en-US" sz="2400" spc="-113" dirty="0" smtClean="0">
+                <a:solidFill>
+                  <a:srgbClr val="FFFFFF"/>
+                </a:solidFill>
+              </a:rPr>
+              <a:t>Provide </a:t>
+            </a:r>
+            <a:r>
+              <a:rPr lang="en-US" sz="2400" spc="-113" dirty="0" smtClean="0">
+                <a:solidFill>
+                  <a:srgbClr val="61DAFB"/>
+                </a:solidFill>
+              </a:rPr>
+              <a:t>Language Style Summery </a:t>
+            </a:r>
+            <a:r>
+              <a:rPr lang="en-US" sz="2400" spc="-113" dirty="0" smtClean="0">
+                <a:solidFill>
+                  <a:srgbClr val="FFFFFF"/>
+                </a:solidFill>
+              </a:rPr>
+              <a:t>such as Analytical, Confident, Tentative.</a:t>
+            </a:r>
+            <a:endParaRPr lang="en-US" sz="2400" spc="-113" dirty="0" smtClean="0">
+              <a:solidFill>
+                <a:srgbClr val="FFFFFF"/>
+              </a:solidFill>
+            </a:endParaRPr>
+          </a:p>
+          <a:p>
+            <a:pPr marL="214313" indent="-214313">
+              <a:buFont typeface="Arial" panose="020B0604020202020204" pitchFamily="34" charset="0"/>
+              <a:buChar char="•"/>
+            </a:pPr>
+            <a:endParaRPr lang="en-US" sz="2400" spc="-113" dirty="0" smtClean="0">
+              <a:solidFill>
+                <a:srgbClr val="FFFFFF"/>
+              </a:solidFill>
+            </a:endParaRPr>
+          </a:p>
+          <a:p>
+            <a:pPr marL="457200" indent="-457200">
+              <a:buFont typeface="Arial" panose="020B0604020202020204" pitchFamily="34" charset="0"/>
+              <a:buChar char="•"/>
+            </a:pPr>
+            <a:r>
+              <a:rPr lang="en-US" sz="2400" spc="-113" dirty="0" smtClean="0">
+                <a:solidFill>
+                  <a:srgbClr val="FFFFFF"/>
+                </a:solidFill>
+              </a:rPr>
+              <a:t>Provide </a:t>
+            </a:r>
+            <a:r>
+              <a:rPr lang="en-US" sz="2400" spc="-113" dirty="0" smtClean="0">
+                <a:solidFill>
+                  <a:srgbClr val="61DAFB"/>
+                </a:solidFill>
+              </a:rPr>
+              <a:t>Relationship Insight </a:t>
+            </a:r>
+            <a:r>
+              <a:rPr lang="en-US" sz="2400" spc="-113" dirty="0" smtClean="0">
+                <a:solidFill>
+                  <a:srgbClr val="FFFFFF"/>
+                </a:solidFill>
+              </a:rPr>
+              <a:t>of various </a:t>
+            </a:r>
+            <a:r>
+              <a:rPr lang="en-US" sz="2400" spc="-113" dirty="0" smtClean="0">
+                <a:solidFill>
+                  <a:srgbClr val="61DAFB"/>
+                </a:solidFill>
+              </a:rPr>
+              <a:t>linguistic components </a:t>
+            </a:r>
+            <a:r>
+              <a:rPr lang="en-US" sz="2400" spc="-113" dirty="0" smtClean="0">
+                <a:solidFill>
+                  <a:srgbClr val="FFFFFF"/>
+                </a:solidFill>
+              </a:rPr>
+              <a:t>of a Tweet such as nouns, verbs, pronouns, adjectives</a:t>
+            </a:r>
+            <a:endParaRPr lang="en-US" sz="2400" spc="-113" dirty="0" smtClean="0">
+              <a:solidFill>
+                <a:srgbClr val="FFFFFF"/>
+              </a:solidFill>
+            </a:endParaRPr>
           </a:p>
           <a:p>
             <a:pPr marL="457200" indent="-457200">
@@ -3932,7 +4146,7 @@
         <p:spPr>
           <a:xfrm>
             <a:off x="520700" y="1192836"/>
-            <a:ext cx="8029575" cy="4154984"/>
+            <a:ext cx="8029575" cy="5262979"/>
           </a:xfrm>
           <a:prstGeom prst="rect">
             <a:avLst/>
@@ -3945,112 +4159,210 @@
           </a:bodyPr>
           <a:lstStyle/>
           <a:p>
-            <a:pPr lvl="0"/>
-            <a:r>
-              <a:rPr lang="en-US" sz="2400" b="1" dirty="0"/>
-              <a:t>Software:</a:t>
-            </a:r>
-            <a:r>
-              <a:rPr lang="en-US" sz="2400" dirty="0"/>
-              <a:t> </a:t>
-            </a:r>
-          </a:p>
-          <a:p>
-            <a:pPr marL="914400" lvl="1" indent="-457200">
+            <a:pPr marL="342900" lvl="0" indent="-342900">
               <a:buFont typeface="Arial" panose="020B0604020202020204" pitchFamily="34" charset="0"/>
               <a:buChar char="•"/>
             </a:pPr>
             <a:r>
-              <a:rPr lang="en-US" sz="2400" dirty="0"/>
-              <a:t>Google Chrome or Mozilla FireFox</a:t>
-            </a:r>
-          </a:p>
-          <a:p>
-            <a:pPr marL="914400" lvl="1" indent="-457200">
+              <a:rPr lang="en-US" sz="2400" dirty="0" smtClean="0">
+                <a:solidFill>
+                  <a:srgbClr val="61DAFB"/>
+                </a:solidFill>
+              </a:rPr>
+              <a:t>Create a  Node.js Web </a:t>
+            </a:r>
+            <a:r>
+              <a:rPr lang="en-US" sz="2400" dirty="0" smtClean="0"/>
+              <a:t>App from Bluemix console</a:t>
+            </a:r>
+          </a:p>
+          <a:p>
+            <a:pPr marL="342900" lvl="0" indent="-342900">
               <a:buFont typeface="Arial" panose="020B0604020202020204" pitchFamily="34" charset="0"/>
               <a:buChar char="•"/>
             </a:pPr>
             <a:r>
-              <a:rPr lang="en-US" sz="2400" dirty="0"/>
-              <a:t>A text editor (Atom, Sublime Text 3)</a:t>
-            </a:r>
-          </a:p>
-          <a:p>
-            <a:pPr marL="914400" lvl="1" indent="-457200">
+              <a:rPr lang="en-US" sz="2400" dirty="0" smtClean="0"/>
+              <a:t>Get </a:t>
+            </a:r>
+            <a:r>
+              <a:rPr lang="en-US" sz="2400" dirty="0" smtClean="0">
+                <a:solidFill>
+                  <a:srgbClr val="61DAFB"/>
+                </a:solidFill>
+              </a:rPr>
+              <a:t>Twitter API key and Access token </a:t>
+            </a:r>
+            <a:r>
+              <a:rPr lang="en-US" sz="2400" dirty="0" smtClean="0"/>
+              <a:t>from </a:t>
+            </a:r>
+            <a:r>
+              <a:rPr lang="en-US" sz="2400" dirty="0" smtClean="0">
+                <a:solidFill>
+                  <a:srgbClr val="61DAFB"/>
+                </a:solidFill>
+              </a:rPr>
+              <a:t>apps.twitter.com</a:t>
+            </a:r>
+          </a:p>
+          <a:p>
+            <a:pPr marL="342900" lvl="0" indent="-342900">
               <a:buFont typeface="Arial" panose="020B0604020202020204" pitchFamily="34" charset="0"/>
               <a:buChar char="•"/>
             </a:pPr>
             <a:r>
+              <a:rPr lang="en-US" sz="2400" dirty="0" smtClean="0"/>
+              <a:t>Use </a:t>
+            </a:r>
+            <a:r>
+              <a:rPr lang="en-US" sz="2400" dirty="0" smtClean="0">
+                <a:solidFill>
+                  <a:srgbClr val="61DAFB"/>
+                </a:solidFill>
+              </a:rPr>
+              <a:t>node package manager </a:t>
+            </a:r>
+            <a:r>
+              <a:rPr lang="en-US" sz="2400" dirty="0" smtClean="0"/>
+              <a:t>to download these node modules</a:t>
+            </a:r>
+          </a:p>
+          <a:p>
+            <a:pPr marL="914400" lvl="1" indent="-457200">
+              <a:buFont typeface="+mj-lt"/>
+              <a:buAutoNum type="arabicPeriod"/>
+            </a:pPr>
+            <a:r>
+              <a:rPr lang="en-US" sz="2400" dirty="0">
+                <a:solidFill>
+                  <a:srgbClr val="61DAFB"/>
+                </a:solidFill>
+              </a:rPr>
+              <a:t>cfenv</a:t>
+            </a:r>
+            <a:r>
               <a:rPr lang="en-US" sz="2400" dirty="0"/>
-              <a:t>Reactjs, jquery, bootstrap </a:t>
+              <a:t> ( Provided by default from Bluemix)</a:t>
             </a:r>
           </a:p>
           <a:p>
             <a:pPr marL="914400" lvl="1" indent="-457200">
+              <a:buFont typeface="+mj-lt"/>
+              <a:buAutoNum type="arabicPeriod"/>
+            </a:pPr>
+            <a:r>
+              <a:rPr lang="en-US" sz="2400" dirty="0">
+                <a:solidFill>
+                  <a:srgbClr val="61DAFB"/>
+                </a:solidFill>
+              </a:rPr>
+              <a:t>Express</a:t>
+            </a:r>
+            <a:r>
+              <a:rPr lang="en-US" sz="2400" dirty="0"/>
+              <a:t> (For routing requests)</a:t>
+            </a:r>
+          </a:p>
+          <a:p>
+            <a:pPr marL="914400" lvl="1" indent="-457200">
+              <a:buFont typeface="+mj-lt"/>
+              <a:buAutoNum type="arabicPeriod"/>
+            </a:pPr>
+            <a:r>
+              <a:rPr lang="en-US" sz="2400" dirty="0">
+                <a:solidFill>
+                  <a:srgbClr val="61DAFB"/>
+                </a:solidFill>
+              </a:rPr>
+              <a:t>Twitter</a:t>
+            </a:r>
+            <a:r>
+              <a:rPr lang="en-US" sz="2400" dirty="0"/>
+              <a:t> (To communicate to Twitter API)</a:t>
+            </a:r>
+          </a:p>
+          <a:p>
+            <a:pPr marL="914400" lvl="1" indent="-457200">
+              <a:buFont typeface="+mj-lt"/>
+              <a:buAutoNum type="arabicPeriod"/>
+            </a:pPr>
+            <a:r>
+              <a:rPr lang="en-US" sz="2400" dirty="0">
+                <a:solidFill>
+                  <a:srgbClr val="61DAFB"/>
+                </a:solidFill>
+              </a:rPr>
+              <a:t>Watson-developer-cloud</a:t>
+            </a:r>
+            <a:r>
+              <a:rPr lang="en-US" sz="2400" dirty="0"/>
+              <a:t> (To communicate and use IBM Watson services </a:t>
+            </a:r>
+            <a:r>
+              <a:rPr lang="en-US" sz="2400" dirty="0" smtClean="0"/>
+              <a:t>)</a:t>
+            </a:r>
+            <a:endParaRPr lang="en-US" sz="2400" dirty="0" smtClean="0"/>
+          </a:p>
+          <a:p>
+            <a:pPr marL="342900" lvl="0" indent="-342900">
               <a:buFont typeface="Arial" panose="020B0604020202020204" pitchFamily="34" charset="0"/>
               <a:buChar char="•"/>
             </a:pPr>
             <a:r>
-              <a:rPr lang="en-US" sz="2400" dirty="0"/>
-              <a:t>Windows 7 or above operating system</a:t>
-            </a:r>
-          </a:p>
-          <a:p>
-            <a:pPr lvl="0"/>
-            <a:r>
-              <a:rPr lang="en-US" sz="2400" b="1" dirty="0"/>
-              <a:t>Hardware:</a:t>
-            </a:r>
-            <a:endParaRPr lang="en-US" sz="2400" dirty="0"/>
-          </a:p>
-          <a:p>
-            <a:pPr marL="800100" lvl="1" indent="-342900">
+              <a:rPr lang="en-US" sz="2400" dirty="0" smtClean="0"/>
+              <a:t>Create </a:t>
+            </a:r>
+            <a:r>
+              <a:rPr lang="en-US" sz="2400" dirty="0" smtClean="0">
+                <a:solidFill>
+                  <a:srgbClr val="61DAFB"/>
+                </a:solidFill>
+              </a:rPr>
+              <a:t>Tone Analyzer and Relationship insight services </a:t>
+            </a:r>
+            <a:r>
+              <a:rPr lang="en-US" sz="2400" dirty="0" smtClean="0"/>
+              <a:t>from Bluemix console and </a:t>
+            </a:r>
+            <a:r>
+              <a:rPr lang="en-US" sz="2400" dirty="0" smtClean="0">
+                <a:solidFill>
+                  <a:srgbClr val="61DAFB"/>
+                </a:solidFill>
+              </a:rPr>
+              <a:t>bind the services to our Node App</a:t>
+            </a:r>
+          </a:p>
+          <a:p>
+            <a:pPr marL="342900" lvl="0" indent="-342900">
               <a:buFont typeface="Arial" panose="020B0604020202020204" pitchFamily="34" charset="0"/>
               <a:buChar char="•"/>
             </a:pPr>
             <a:r>
-              <a:rPr lang="en-US" sz="2400" dirty="0"/>
-              <a:t> PENTIUM III processor</a:t>
-            </a:r>
-          </a:p>
-          <a:p>
-            <a:pPr marL="800100" lvl="1" indent="-342900">
-              <a:buFont typeface="Arial" panose="020B0604020202020204" pitchFamily="34" charset="0"/>
-              <a:buChar char="•"/>
-            </a:pPr>
-            <a:r>
-              <a:rPr lang="en-US" sz="2400" dirty="0"/>
-              <a:t> DDR RAM of 1GB</a:t>
-            </a:r>
-          </a:p>
-          <a:p>
-            <a:pPr marL="800100" lvl="1" indent="-342900">
-              <a:buFont typeface="Arial" panose="020B0604020202020204" pitchFamily="34" charset="0"/>
-              <a:buChar char="•"/>
-            </a:pPr>
-            <a:r>
-              <a:rPr lang="en-US" sz="2400" dirty="0"/>
-              <a:t> Standard qwerty serial or PS/2 keyboard</a:t>
-            </a:r>
-          </a:p>
-          <a:p>
-            <a:pPr marL="800100" lvl="1" indent="-342900">
-              <a:buFont typeface="Arial" panose="020B0604020202020204" pitchFamily="34" charset="0"/>
-              <a:buChar char="•"/>
-            </a:pPr>
-            <a:r>
-              <a:rPr lang="en-US" sz="2400" dirty="0"/>
-              <a:t> Standard serial or PS/2 mouse.</a:t>
-            </a:r>
-          </a:p>
-          <a:p>
-            <a:pPr marL="800100" lvl="1" indent="-342900">
-              <a:buFont typeface="Arial" panose="020B0604020202020204" pitchFamily="34" charset="0"/>
-              <a:buChar char="•"/>
-            </a:pPr>
-            <a:r>
-              <a:rPr lang="en-US" sz="2400" dirty="0"/>
-              <a:t> Cache memory 256 KB.</a:t>
+              <a:rPr lang="en-US" sz="2400" dirty="0" smtClean="0"/>
+              <a:t>Create </a:t>
+            </a:r>
+            <a:r>
+              <a:rPr lang="en-US" sz="2400" dirty="0" smtClean="0">
+                <a:solidFill>
+                  <a:srgbClr val="61DAFB"/>
+                </a:solidFill>
+              </a:rPr>
+              <a:t>credentials for Tone Analyzer and Relationship Insight </a:t>
+            </a:r>
+            <a:r>
+              <a:rPr lang="en-US" sz="2400" dirty="0" smtClean="0"/>
+              <a:t>in Bluemix console for </a:t>
+            </a:r>
+            <a:r>
+              <a:rPr lang="en-US" sz="2400" dirty="0" smtClean="0">
+                <a:solidFill>
+                  <a:srgbClr val="61DAFB"/>
+                </a:solidFill>
+              </a:rPr>
+              <a:t>authentication between Watson services and our application</a:t>
             </a:r>
           </a:p>
         </p:txBody>
@@ -4122,71 +4434,6 @@
           </a:p>
         </p:txBody>
       </p:sp>
-      <p:sp>
-        <p:nvSpPr>
-          <p:cNvPr id="3" name="TextBox 2"/>
-          <p:cNvSpPr txBox="1"/>
-          <p:nvPr/>
-        </p:nvSpPr>
-        <p:spPr>
-          <a:xfrm>
-            <a:off x="520700" y="1192836"/>
-            <a:ext cx="8029575" cy="461665"/>
-          </a:xfrm>
-          <a:prstGeom prst="rect">
-            <a:avLst/>
-          </a:prstGeom>
-          <a:noFill/>
-        </p:spPr>
-        <p:txBody>
-          <a:bodyPr wrap="square" rtlCol="0">
-            <a:spAutoFit/>
-          </a:bodyPr>
-          <a:lstStyle/>
-          <a:p>
-            <a:pPr algn="ctr"/>
-            <a:r>
-              <a:rPr lang="en-US" sz="2400" dirty="0" smtClean="0"/>
-              <a:t>Basic setup of a HTML document to declare a component </a:t>
-            </a:r>
-            <a:endParaRPr lang="en-US" sz="2400" spc="-113" dirty="0">
-              <a:solidFill>
-                <a:srgbClr val="FFFFFF"/>
-              </a:solidFill>
-            </a:endParaRPr>
-          </a:p>
-        </p:txBody>
-      </p:sp>
-      <p:pic>
-        <p:nvPicPr>
-          <p:cNvPr id="5" name="Picture 4"/>
-          <p:cNvPicPr>
-            <a:picLocks noChangeAspect="1"/>
-          </p:cNvPicPr>
-          <p:nvPr/>
-        </p:nvPicPr>
-        <p:blipFill>
-          <a:blip r:embed="rId2">
-            <a:extLst>
-              <a:ext uri="{28A0092B-C50C-407E-A947-70E740481C1C}">
-                <a14:useLocalDpi xmlns:a14="http://schemas.microsoft.com/office/drawing/2010/main" val="0"/>
-              </a:ext>
-            </a:extLst>
-          </a:blip>
-          <a:stretch>
-            <a:fillRect/>
-          </a:stretch>
-        </p:blipFill>
-        <p:spPr>
-          <a:xfrm>
-            <a:off x="266561" y="2220750"/>
-            <a:ext cx="8537851" cy="3240249"/>
-          </a:xfrm>
-          <a:prstGeom prst="rect">
-            <a:avLst/>
-          </a:prstGeom>
-        </p:spPr>
-      </p:pic>
     </p:spTree>
     <p:extLst>
       <p:ext uri="{BB962C8B-B14F-4D97-AF65-F5344CB8AC3E}">
@@ -4226,14 +4473,14 @@
       </p:grpSpPr>
       <p:sp>
         <p:nvSpPr>
-          <p:cNvPr id="3" name="TextBox 2"/>
+          <p:cNvPr id="2" name="TextBox 1"/>
           <p:cNvSpPr txBox="1"/>
           <p:nvPr/>
         </p:nvSpPr>
         <p:spPr>
           <a:xfrm>
-            <a:off x="2293512" y="118220"/>
-            <a:ext cx="4302973" cy="830997"/>
+            <a:off x="3052548" y="164389"/>
+            <a:ext cx="2965877" cy="830997"/>
           </a:xfrm>
           <a:prstGeom prst="rect">
             <a:avLst/>
@@ -4248,7 +4495,7 @@
           <a:p>
             <a:r>
               <a:rPr lang="en-US" sz="4800" b="1" dirty="0" smtClean="0"/>
-              <a:t>Implementation</a:t>
+              <a:t>Conclusion</a:t>
             </a:r>
             <a:endParaRPr lang="en-US" sz="4800" b="1" dirty="0"/>
           </a:p>
@@ -4256,14 +4503,14 @@
       </p:sp>
       <p:sp>
         <p:nvSpPr>
-          <p:cNvPr id="4" name="TextBox 3"/>
+          <p:cNvPr id="3" name="TextBox 2"/>
           <p:cNvSpPr txBox="1"/>
           <p:nvPr/>
         </p:nvSpPr>
         <p:spPr>
           <a:xfrm>
-            <a:off x="953601" y="1459126"/>
-            <a:ext cx="4926500" cy="461665"/>
+            <a:off x="520700" y="1192836"/>
+            <a:ext cx="8029575" cy="3416320"/>
           </a:xfrm>
           <a:prstGeom prst="rect">
             <a:avLst/>
@@ -4276,49 +4523,124 @@
           </a:bodyPr>
           <a:lstStyle/>
           <a:p>
-            <a:pPr lvl="0"/>
+            <a:pPr marL="342900" lvl="0" indent="-342900">
+              <a:buFont typeface="Arial" panose="020B0604020202020204" pitchFamily="34" charset="0"/>
+              <a:buChar char="•"/>
+            </a:pPr>
             <a:r>
               <a:rPr lang="en-US" sz="2400" dirty="0" smtClean="0"/>
-              <a:t>Object definition overview</a:t>
-            </a:r>
-            <a:endParaRPr lang="en-US" sz="2400" dirty="0"/>
-          </a:p>
-        </p:txBody>
-      </p:sp>
-      <p:pic>
-        <p:nvPicPr>
-          <p:cNvPr id="5" name="Picture 4"/>
-          <p:cNvPicPr>
-            <a:picLocks noChangeAspect="1"/>
-          </p:cNvPicPr>
-          <p:nvPr/>
-        </p:nvPicPr>
-        <p:blipFill>
-          <a:blip r:embed="rId2">
-            <a:extLst>
-              <a:ext uri="{28A0092B-C50C-407E-A947-70E740481C1C}">
-                <a14:useLocalDpi xmlns:a14="http://schemas.microsoft.com/office/drawing/2010/main" val="0"/>
-              </a:ext>
-            </a:extLst>
-          </a:blip>
-          <a:stretch>
-            <a:fillRect/>
-          </a:stretch>
-        </p:blipFill>
-        <p:spPr>
-          <a:xfrm>
-            <a:off x="0" y="1920791"/>
-            <a:ext cx="9144000" cy="4937209"/>
-          </a:xfrm>
-          <a:prstGeom prst="rect">
-            <a:avLst/>
-          </a:prstGeom>
-        </p:spPr>
-      </p:pic>
+              <a:t>We </a:t>
+            </a:r>
+            <a:r>
+              <a:rPr lang="en-US" sz="2400" dirty="0"/>
+              <a:t>have attempted to design and implement a simple Single Page Application using </a:t>
+            </a:r>
+            <a:r>
+              <a:rPr lang="en-US" sz="2400" dirty="0">
+                <a:solidFill>
+                  <a:srgbClr val="61DAFB"/>
+                </a:solidFill>
+              </a:rPr>
+              <a:t>React and its built in JSX support. </a:t>
+            </a:r>
+            <a:endParaRPr lang="en-US" sz="2400" dirty="0" smtClean="0">
+              <a:solidFill>
+                <a:srgbClr val="61DAFB"/>
+              </a:solidFill>
+            </a:endParaRPr>
+          </a:p>
+          <a:p>
+            <a:pPr marL="342900" lvl="0" indent="-342900">
+              <a:buFont typeface="Arial" panose="020B0604020202020204" pitchFamily="34" charset="0"/>
+              <a:buChar char="•"/>
+            </a:pPr>
+            <a:r>
+              <a:rPr lang="en-US" sz="2400" dirty="0"/>
+              <a:t>found that the </a:t>
+            </a:r>
+            <a:r>
+              <a:rPr lang="en-US" sz="2400" dirty="0">
+                <a:solidFill>
+                  <a:srgbClr val="61DAFB"/>
+                </a:solidFill>
+              </a:rPr>
+              <a:t>creation of a UI component is fairly fast and efficient </a:t>
+            </a:r>
+            <a:r>
+              <a:rPr lang="en-US" sz="2400" dirty="0"/>
+              <a:t>and the rendering of UI is </a:t>
+            </a:r>
+            <a:r>
+              <a:rPr lang="en-US" sz="2400" dirty="0">
+                <a:solidFill>
+                  <a:srgbClr val="61DAFB"/>
+                </a:solidFill>
+              </a:rPr>
+              <a:t>optimized by the Virtual DOM that React </a:t>
+            </a:r>
+            <a:r>
+              <a:rPr lang="en-US" sz="2400" dirty="0" smtClean="0">
+                <a:solidFill>
+                  <a:srgbClr val="61DAFB"/>
+                </a:solidFill>
+              </a:rPr>
+              <a:t>supports</a:t>
+            </a:r>
+          </a:p>
+          <a:p>
+            <a:pPr marL="342900" lvl="0" indent="-342900">
+              <a:buFont typeface="Arial" panose="020B0604020202020204" pitchFamily="34" charset="0"/>
+              <a:buChar char="•"/>
+            </a:pPr>
+            <a:r>
+              <a:rPr lang="en-US" sz="2400" dirty="0"/>
+              <a:t>Also we can use a single UI component </a:t>
+            </a:r>
+            <a:r>
+              <a:rPr lang="en-US" sz="2400" dirty="0">
+                <a:solidFill>
+                  <a:srgbClr val="61DAFB"/>
+                </a:solidFill>
+              </a:rPr>
+              <a:t>can be used at multiple </a:t>
+            </a:r>
+            <a:r>
+              <a:rPr lang="en-US" sz="2400" dirty="0" smtClean="0">
+                <a:solidFill>
+                  <a:srgbClr val="61DAFB"/>
+                </a:solidFill>
+              </a:rPr>
+              <a:t>instances</a:t>
+            </a:r>
+          </a:p>
+          <a:p>
+            <a:pPr marL="342900" lvl="0" indent="-342900">
+              <a:buFont typeface="Arial" panose="020B0604020202020204" pitchFamily="34" charset="0"/>
+              <a:buChar char="•"/>
+            </a:pPr>
+            <a:r>
+              <a:rPr lang="en-US" sz="2400" dirty="0" smtClean="0"/>
+              <a:t>Code is available </a:t>
+            </a:r>
+            <a:r>
+              <a:rPr lang="en-US" sz="2400" dirty="0"/>
+              <a:t>on </a:t>
+            </a:r>
+            <a:r>
+              <a:rPr lang="en-US" sz="2400" dirty="0">
+                <a:solidFill>
+                  <a:srgbClr val="61DAFB"/>
+                </a:solidFill>
+              </a:rPr>
+              <a:t>https://github.com/LadwaAditya/ReactJSNoteApp</a:t>
+            </a:r>
+          </a:p>
+        </p:txBody>
+      </p:sp>
     </p:spTree>
     <p:extLst>
       <p:ext uri="{BB962C8B-B14F-4D97-AF65-F5344CB8AC3E}">
-        <p14:creationId xmlns:p14="http://schemas.microsoft.com/office/powerpoint/2010/main" val="4215763058"/>
+        <p14:creationId xmlns:p14="http://schemas.microsoft.com/office/powerpoint/2010/main" val="2349814252"/>
       </p:ext>
     </p:extLst>
   </p:cSld>
@@ -4360,209 +4682,6 @@
         </p:nvSpPr>
         <p:spPr>
           <a:xfrm>
-            <a:off x="3052548" y="164389"/>
-            <a:ext cx="2965877" cy="830997"/>
-          </a:xfrm>
-          <a:prstGeom prst="rect">
-            <a:avLst/>
-          </a:prstGeom>
-          <a:noFill/>
-        </p:spPr>
-        <p:txBody>
-          <a:bodyPr wrap="none" rtlCol="0">
-            <a:spAutoFit/>
-          </a:bodyPr>
-          <a:lstStyle/>
-          <a:p>
-            <a:r>
-              <a:rPr lang="en-US" sz="4800" b="1" dirty="0" smtClean="0"/>
-              <a:t>Conclusion</a:t>
-            </a:r>
-            <a:endParaRPr lang="en-US" sz="4800" b="1" dirty="0"/>
-          </a:p>
-        </p:txBody>
-      </p:sp>
-      <p:sp>
-        <p:nvSpPr>
-          <p:cNvPr id="3" name="TextBox 2"/>
-          <p:cNvSpPr txBox="1"/>
-          <p:nvPr/>
-        </p:nvSpPr>
-        <p:spPr>
-          <a:xfrm>
-            <a:off x="520700" y="1192836"/>
-            <a:ext cx="8029575" cy="3416320"/>
-          </a:xfrm>
-          <a:prstGeom prst="rect">
-            <a:avLst/>
-          </a:prstGeom>
-          <a:noFill/>
-        </p:spPr>
-        <p:txBody>
-          <a:bodyPr wrap="square" rtlCol="0">
-            <a:spAutoFit/>
-          </a:bodyPr>
-          <a:lstStyle/>
-          <a:p>
-            <a:pPr marL="342900" lvl="0" indent="-342900">
-              <a:buFont typeface="Arial" panose="020B0604020202020204" pitchFamily="34" charset="0"/>
-              <a:buChar char="•"/>
-            </a:pPr>
-            <a:r>
-              <a:rPr lang="en-US" sz="2400" dirty="0" smtClean="0"/>
-              <a:t>We </a:t>
-            </a:r>
-            <a:r>
-              <a:rPr lang="en-US" sz="2400" dirty="0"/>
-              <a:t>have attempted to design and implement a simple Single Page Application using </a:t>
-            </a:r>
-            <a:r>
-              <a:rPr lang="en-US" sz="2400" dirty="0">
-                <a:solidFill>
-                  <a:srgbClr val="61DAFB"/>
-                </a:solidFill>
-              </a:rPr>
-              <a:t>React and its built in JSX support. </a:t>
-            </a:r>
-            <a:endParaRPr lang="en-US" sz="2400" dirty="0" smtClean="0">
-              <a:solidFill>
-                <a:srgbClr val="61DAFB"/>
-              </a:solidFill>
-            </a:endParaRPr>
-          </a:p>
-          <a:p>
-            <a:pPr marL="342900" lvl="0" indent="-342900">
-              <a:buFont typeface="Arial" panose="020B0604020202020204" pitchFamily="34" charset="0"/>
-              <a:buChar char="•"/>
-            </a:pPr>
-            <a:r>
-              <a:rPr lang="en-US" sz="2400" dirty="0"/>
-              <a:t>found that the </a:t>
-            </a:r>
-            <a:r>
-              <a:rPr lang="en-US" sz="2400" dirty="0">
-                <a:solidFill>
-                  <a:srgbClr val="61DAFB"/>
-                </a:solidFill>
-              </a:rPr>
-              <a:t>creation of a UI component is fairly fast and efficient </a:t>
-            </a:r>
-            <a:r>
-              <a:rPr lang="en-US" sz="2400" dirty="0"/>
-              <a:t>and the rendering of UI is </a:t>
-            </a:r>
-            <a:r>
-              <a:rPr lang="en-US" sz="2400" dirty="0">
-                <a:solidFill>
-                  <a:srgbClr val="61DAFB"/>
-                </a:solidFill>
-              </a:rPr>
-              <a:t>optimized by the Virtual DOM that React </a:t>
-            </a:r>
-            <a:r>
-              <a:rPr lang="en-US" sz="2400" dirty="0" smtClean="0">
-                <a:solidFill>
-                  <a:srgbClr val="61DAFB"/>
-                </a:solidFill>
-              </a:rPr>
-              <a:t>supports</a:t>
-            </a:r>
-          </a:p>
-          <a:p>
-            <a:pPr marL="342900" lvl="0" indent="-342900">
-              <a:buFont typeface="Arial" panose="020B0604020202020204" pitchFamily="34" charset="0"/>
-              <a:buChar char="•"/>
-            </a:pPr>
-            <a:r>
-              <a:rPr lang="en-US" sz="2400" dirty="0"/>
-              <a:t>Also we can use a single UI component </a:t>
-            </a:r>
-            <a:r>
-              <a:rPr lang="en-US" sz="2400" dirty="0">
-                <a:solidFill>
-                  <a:srgbClr val="61DAFB"/>
-                </a:solidFill>
-              </a:rPr>
-              <a:t>can be used at multiple </a:t>
-            </a:r>
-            <a:r>
-              <a:rPr lang="en-US" sz="2400" dirty="0" smtClean="0">
-                <a:solidFill>
-                  <a:srgbClr val="61DAFB"/>
-                </a:solidFill>
-              </a:rPr>
-              <a:t>instances</a:t>
-            </a:r>
-          </a:p>
-          <a:p>
-            <a:pPr marL="342900" lvl="0" indent="-342900">
-              <a:buFont typeface="Arial" panose="020B0604020202020204" pitchFamily="34" charset="0"/>
-              <a:buChar char="•"/>
-            </a:pPr>
-            <a:r>
-              <a:rPr lang="en-US" sz="2400" dirty="0" smtClean="0"/>
-              <a:t>Code is available </a:t>
-            </a:r>
-            <a:r>
-              <a:rPr lang="en-US" sz="2400" dirty="0"/>
-              <a:t>on </a:t>
-            </a:r>
-            <a:r>
-              <a:rPr lang="en-US" sz="2400" dirty="0">
-                <a:solidFill>
-                  <a:srgbClr val="61DAFB"/>
-                </a:solidFill>
-              </a:rPr>
-              <a:t>https://github.com/LadwaAditya/ReactJSNoteApp</a:t>
-            </a:r>
-          </a:p>
-        </p:txBody>
-      </p:sp>
-    </p:spTree>
-    <p:extLst>
-      <p:ext uri="{BB962C8B-B14F-4D97-AF65-F5344CB8AC3E}">
-        <p14:creationId xmlns:p14="http://schemas.microsoft.com/office/powerpoint/2010/main" val="2349814252"/>
-      </p:ext>
-    </p:extLst>
-  </p:cSld>
-  <p:clrMapOvr>
-    <a:masterClrMapping/>
-  </p:clrMapOvr>
-  <p:timing>
-    <p:tnLst>
-      <p:par>
-        <p:cTn id="1" dur="indefinite" restart="never" nodeType="tmRoot"/>
-      </p:par>
-    </p:tnLst>
-  </p:timing>
-</p:sld>
-</file>
-
-<file path=ppt/slides/slide8.xml><?xml version="1.0" encoding="utf-8"?>
-<p:sld xmlns:a="http://schemas.openxmlformats.org/drawingml/2006/main" xmlns:r="http://schemas.openxmlformats.org/officeDocument/2006/relationships" xmlns:p="http://schemas.openxmlformats.org/presentationml/2006/main">
-  <p:cSld>
-    <p:spTree>
-      <p:nvGrpSpPr>
-        <p:cNvPr id="1" name=""/>
-        <p:cNvGrpSpPr/>
-        <p:nvPr/>
-      </p:nvGrpSpPr>
-      <p:grpSpPr>
-        <a:xfrm>
-          <a:off x="0" y="0"/>
-          <a:ext cx="0" cy="0"/>
-          <a:chOff x="0" y="0"/>
-          <a:chExt cx="0" cy="0"/>
-        </a:xfrm>
-      </p:grpSpPr>
-      <p:sp>
-        <p:nvSpPr>
-          <p:cNvPr id="2" name="TextBox 1"/>
-          <p:cNvSpPr txBox="1"/>
-          <p:nvPr/>
-        </p:nvSpPr>
-        <p:spPr>
-          <a:xfrm>
             <a:off x="2528174" y="361839"/>
             <a:ext cx="4014625" cy="830997"/>
           </a:xfrm>
@@ -4715,7 +4834,7 @@
 </p:sld>
 </file>
 
-<file path=ppt/slides/slide9.xml><?xml version="1.0" encoding="utf-8"?>
+<file path=ppt/slides/slide8.xml><?xml version="1.0" encoding="utf-8"?>
 <p:sld xmlns:a="http://schemas.openxmlformats.org/drawingml/2006/main" xmlns:r="http://schemas.openxmlformats.org/officeDocument/2006/relationships" xmlns:p="http://schemas.openxmlformats.org/presentationml/2006/main">
   <p:cSld>
     <p:spTree>

--- a/Presentation.pptx
+++ b/Presentation.pptx
@@ -10,9 +10,12 @@
     <p:sldId id="262" r:id="rId5"/>
     <p:sldId id="277" r:id="rId6"/>
     <p:sldId id="264" r:id="rId7"/>
-    <p:sldId id="283" r:id="rId8"/>
-    <p:sldId id="284" r:id="rId9"/>
-    <p:sldId id="285" r:id="rId10"/>
+    <p:sldId id="286" r:id="rId8"/>
+    <p:sldId id="287" r:id="rId9"/>
+    <p:sldId id="288" r:id="rId10"/>
+    <p:sldId id="283" r:id="rId11"/>
+    <p:sldId id="284" r:id="rId12"/>
+    <p:sldId id="285" r:id="rId13"/>
   </p:sldIdLst>
   <p:sldSz cx="9144000" cy="6858000" type="screen4x3"/>
   <p:notesSz cx="6858000" cy="9144000"/>
@@ -3441,6 +3444,242 @@
 </p:sld>
 </file>
 
+<file path=ppt/slides/slide10.xml><?xml version="1.0" encoding="utf-8"?>
+<p:sld xmlns:a="http://schemas.openxmlformats.org/drawingml/2006/main" xmlns:r="http://schemas.openxmlformats.org/officeDocument/2006/relationships" xmlns:p="http://schemas.openxmlformats.org/presentationml/2006/main">
+  <p:cSld>
+    <p:spTree>
+      <p:nvGrpSpPr>
+        <p:cNvPr id="1" name=""/>
+        <p:cNvGrpSpPr/>
+        <p:nvPr/>
+      </p:nvGrpSpPr>
+      <p:grpSpPr>
+        <a:xfrm>
+          <a:off x="0" y="0"/>
+          <a:ext cx="0" cy="0"/>
+          <a:chOff x="0" y="0"/>
+          <a:chExt cx="0" cy="0"/>
+        </a:xfrm>
+      </p:grpSpPr>
+      <p:sp>
+        <p:nvSpPr>
+          <p:cNvPr id="2" name="TextBox 1"/>
+          <p:cNvSpPr txBox="1"/>
+          <p:nvPr/>
+        </p:nvSpPr>
+        <p:spPr>
+          <a:xfrm>
+            <a:off x="2528174" y="361839"/>
+            <a:ext cx="4014625" cy="830997"/>
+          </a:xfrm>
+          <a:prstGeom prst="rect">
+            <a:avLst/>
+          </a:prstGeom>
+          <a:noFill/>
+        </p:spPr>
+        <p:txBody>
+          <a:bodyPr wrap="none" rtlCol="0">
+            <a:spAutoFit/>
+          </a:bodyPr>
+          <a:lstStyle/>
+          <a:p>
+            <a:r>
+              <a:rPr lang="en-US" sz="4800" b="1" dirty="0"/>
+              <a:t>BIBILOGRAPHY</a:t>
+            </a:r>
+          </a:p>
+        </p:txBody>
+      </p:sp>
+      <p:sp>
+        <p:nvSpPr>
+          <p:cNvPr id="4" name="TextBox 3"/>
+          <p:cNvSpPr txBox="1"/>
+          <p:nvPr/>
+        </p:nvSpPr>
+        <p:spPr>
+          <a:xfrm>
+            <a:off x="520698" y="1599236"/>
+            <a:ext cx="8029575" cy="1200329"/>
+          </a:xfrm>
+          <a:prstGeom prst="rect">
+            <a:avLst/>
+          </a:prstGeom>
+          <a:noFill/>
+        </p:spPr>
+        <p:txBody>
+          <a:bodyPr wrap="square" rtlCol="0">
+            <a:spAutoFit/>
+          </a:bodyPr>
+          <a:lstStyle/>
+          <a:p>
+            <a:pPr marL="342900" lvl="0" indent="-342900">
+              <a:buFont typeface="Arial" panose="020B0604020202020204" pitchFamily="34" charset="0"/>
+              <a:buChar char="•"/>
+            </a:pPr>
+            <a:r>
+              <a:rPr lang="en-US" sz="2400" dirty="0" smtClean="0">
+                <a:solidFill>
+                  <a:srgbClr val="61DAFB"/>
+                </a:solidFill>
+              </a:rPr>
+              <a:t>https</a:t>
+            </a:r>
+            <a:r>
+              <a:rPr lang="en-US" sz="2400" dirty="0">
+                <a:solidFill>
+                  <a:srgbClr val="61DAFB"/>
+                </a:solidFill>
+              </a:rPr>
+              <a:t>://apps.twitter.com/</a:t>
+            </a:r>
+          </a:p>
+          <a:p>
+            <a:pPr marL="342900" lvl="0" indent="-342900">
+              <a:buFont typeface="Arial" panose="020B0604020202020204" pitchFamily="34" charset="0"/>
+              <a:buChar char="•"/>
+            </a:pPr>
+            <a:r>
+              <a:rPr lang="en-US" sz="2400" dirty="0">
+                <a:solidFill>
+                  <a:srgbClr val="61DAFB"/>
+                </a:solidFill>
+              </a:rPr>
+              <a:t>https://github.com/watson-developer-cloud/node-sdk</a:t>
+            </a:r>
+          </a:p>
+          <a:p>
+            <a:pPr marL="342900" lvl="0" indent="-342900">
+              <a:buFont typeface="Arial" panose="020B0604020202020204" pitchFamily="34" charset="0"/>
+              <a:buChar char="•"/>
+            </a:pPr>
+            <a:r>
+              <a:rPr lang="en-US" sz="2400" dirty="0">
+                <a:solidFill>
+                  <a:srgbClr val="61DAFB"/>
+                </a:solidFill>
+              </a:rPr>
+              <a:t>https://</a:t>
+            </a:r>
+            <a:r>
+              <a:rPr lang="en-US" sz="2400">
+                <a:solidFill>
+                  <a:srgbClr val="61DAFB"/>
+                </a:solidFill>
+              </a:rPr>
+              <a:t>console.ng.bluemix.net</a:t>
+            </a:r>
+            <a:r>
+              <a:rPr lang="en-US" sz="2400" smtClean="0">
+                <a:solidFill>
+                  <a:srgbClr val="61DAFB"/>
+                </a:solidFill>
+              </a:rPr>
+              <a:t>/</a:t>
+            </a:r>
+            <a:endParaRPr lang="en-US" sz="2400" dirty="0">
+              <a:solidFill>
+                <a:srgbClr val="61DAFB"/>
+              </a:solidFill>
+            </a:endParaRPr>
+          </a:p>
+        </p:txBody>
+      </p:sp>
+    </p:spTree>
+    <p:extLst>
+      <p:ext uri="{BB962C8B-B14F-4D97-AF65-F5344CB8AC3E}">
+        <p14:creationId xmlns:p14="http://schemas.microsoft.com/office/powerpoint/2010/main" val="2900492542"/>
+      </p:ext>
+    </p:extLst>
+  </p:cSld>
+  <p:clrMapOvr>
+    <a:masterClrMapping/>
+  </p:clrMapOvr>
+  <p:timing>
+    <p:tnLst>
+      <p:par>
+        <p:cTn id="1" dur="indefinite" restart="never" nodeType="tmRoot"/>
+      </p:par>
+    </p:tnLst>
+  </p:timing>
+</p:sld>
+</file>
+
+<file path=ppt/slides/slide11.xml><?xml version="1.0" encoding="utf-8"?>
+<p:sld xmlns:a="http://schemas.openxmlformats.org/drawingml/2006/main" xmlns:r="http://schemas.openxmlformats.org/officeDocument/2006/relationships" xmlns:p="http://schemas.openxmlformats.org/presentationml/2006/main">
+  <p:cSld>
+    <p:spTree>
+      <p:nvGrpSpPr>
+        <p:cNvPr id="1" name=""/>
+        <p:cNvGrpSpPr/>
+        <p:nvPr/>
+      </p:nvGrpSpPr>
+      <p:grpSpPr>
+        <a:xfrm>
+          <a:off x="0" y="0"/>
+          <a:ext cx="0" cy="0"/>
+          <a:chOff x="0" y="0"/>
+          <a:chExt cx="0" cy="0"/>
+        </a:xfrm>
+      </p:grpSpPr>
+      <p:sp>
+        <p:nvSpPr>
+          <p:cNvPr id="2" name="TextBox 1"/>
+          <p:cNvSpPr txBox="1"/>
+          <p:nvPr/>
+        </p:nvSpPr>
+        <p:spPr>
+          <a:xfrm>
+            <a:off x="2802703" y="2815114"/>
+            <a:ext cx="3761158" cy="1131079"/>
+          </a:xfrm>
+          <a:prstGeom prst="rect">
+            <a:avLst/>
+          </a:prstGeom>
+          <a:noFill/>
+        </p:spPr>
+        <p:txBody>
+          <a:bodyPr wrap="none" rtlCol="0">
+            <a:spAutoFit/>
+          </a:bodyPr>
+          <a:lstStyle/>
+          <a:p>
+            <a:pPr algn="ctr"/>
+            <a:r>
+              <a:rPr lang="en-US" sz="6750" b="1" spc="-113" dirty="0" smtClean="0">
+                <a:solidFill>
+                  <a:srgbClr val="61DAFB"/>
+                </a:solidFill>
+              </a:rPr>
+              <a:t>Thank You</a:t>
+            </a:r>
+            <a:endParaRPr lang="en-US" sz="6750" b="1" spc="-113" dirty="0">
+              <a:solidFill>
+                <a:srgbClr val="61DAFB"/>
+              </a:solidFill>
+            </a:endParaRPr>
+          </a:p>
+        </p:txBody>
+      </p:sp>
+    </p:spTree>
+    <p:extLst>
+      <p:ext uri="{BB962C8B-B14F-4D97-AF65-F5344CB8AC3E}">
+        <p14:creationId xmlns:p14="http://schemas.microsoft.com/office/powerpoint/2010/main" val="3902577910"/>
+      </p:ext>
+    </p:extLst>
+  </p:cSld>
+  <p:clrMapOvr>
+    <a:masterClrMapping/>
+  </p:clrMapOvr>
+  <p:timing>
+    <p:tnLst>
+      <p:par>
+        <p:cTn id="1" dur="indefinite" restart="never" nodeType="tmRoot"/>
+      </p:par>
+    </p:tnLst>
+  </p:timing>
+</p:sld>
+</file>
+
 <file path=ppt/slides/slide2.xml><?xml version="1.0" encoding="utf-8"?>
 <p:sld xmlns:a="http://schemas.openxmlformats.org/drawingml/2006/main" xmlns:r="http://schemas.openxmlformats.org/officeDocument/2006/relationships" xmlns:p="http://schemas.openxmlformats.org/presentationml/2006/main">
   <p:cSld>
@@ -3717,7 +3956,6 @@
               <a:rPr lang="en-US" sz="2400" spc="-113" dirty="0" smtClean="0"/>
               <a:t>for providing CSS</a:t>
             </a:r>
-            <a:endParaRPr lang="en-US" sz="2400" spc="-113" dirty="0" smtClean="0"/>
           </a:p>
           <a:p>
             <a:pPr marL="214313" indent="-214313">
@@ -3889,15 +4127,7 @@
                   <a:srgbClr val="FFFFFF"/>
                 </a:solidFill>
               </a:rPr>
-              <a:t>using IBM Watson Tone </a:t>
-            </a:r>
-            <a:r>
-              <a:rPr lang="en-US" sz="2400" spc="-113" dirty="0" smtClean="0">
-                <a:solidFill>
-                  <a:srgbClr val="FFFFFF"/>
-                </a:solidFill>
-              </a:rPr>
-              <a:t>Analyzer</a:t>
+              <a:t>using IBM Watson Tone Analyzer</a:t>
             </a:r>
           </a:p>
           <a:p>
@@ -3989,11 +4219,6 @@
               </a:rPr>
               <a:t>such as Analytical, Confident, Tentative.</a:t>
             </a:r>
-            <a:endParaRPr lang="en-US" sz="2400" spc="-113" dirty="0" smtClean="0">
-              <a:solidFill>
-                <a:srgbClr val="FFFFFF"/>
-              </a:solidFill>
-            </a:endParaRPr>
           </a:p>
           <a:p>
             <a:pPr marL="214313" indent="-214313">
@@ -4051,11 +4276,6 @@
               </a:rPr>
               <a:t>of a Tweet such as nouns, verbs, pronouns, adjectives</a:t>
             </a:r>
-            <a:endParaRPr lang="en-US" sz="2400" spc="-113" dirty="0" smtClean="0">
-              <a:solidFill>
-                <a:srgbClr val="FFFFFF"/>
-              </a:solidFill>
-            </a:endParaRPr>
           </a:p>
           <a:p>
             <a:pPr marL="457200" indent="-457200">
@@ -4303,7 +4523,6 @@
               <a:rPr lang="en-US" sz="2400" dirty="0" smtClean="0"/>
               <a:t>)</a:t>
             </a:r>
-            <a:endParaRPr lang="en-US" sz="2400" dirty="0" smtClean="0"/>
           </a:p>
           <a:p>
             <a:pPr marL="342900" lvl="0" indent="-342900">
@@ -4434,6 +4653,70 @@
           </a:p>
         </p:txBody>
       </p:sp>
+      <p:pic>
+        <p:nvPicPr>
+          <p:cNvPr id="3" name="Picture 2"/>
+          <p:cNvPicPr>
+            <a:picLocks noChangeAspect="1"/>
+          </p:cNvPicPr>
+          <p:nvPr/>
+        </p:nvPicPr>
+        <p:blipFill>
+          <a:blip r:embed="rId2">
+            <a:extLst>
+              <a:ext uri="{28A0092B-C50C-407E-A947-70E740481C1C}">
+                <a14:useLocalDpi xmlns:a14="http://schemas.microsoft.com/office/drawing/2010/main" val="0"/>
+              </a:ext>
+            </a:extLst>
+          </a:blip>
+          <a:stretch>
+            <a:fillRect/>
+          </a:stretch>
+        </p:blipFill>
+        <p:spPr>
+          <a:xfrm>
+            <a:off x="675368" y="2286000"/>
+            <a:ext cx="7720233" cy="4340512"/>
+          </a:xfrm>
+          <a:prstGeom prst="rect">
+            <a:avLst/>
+          </a:prstGeom>
+        </p:spPr>
+      </p:pic>
+      <p:sp>
+        <p:nvSpPr>
+          <p:cNvPr id="4" name="TextBox 3"/>
+          <p:cNvSpPr txBox="1"/>
+          <p:nvPr/>
+        </p:nvSpPr>
+        <p:spPr>
+          <a:xfrm>
+            <a:off x="572949" y="1429419"/>
+            <a:ext cx="8029575" cy="461665"/>
+          </a:xfrm>
+          <a:prstGeom prst="rect">
+            <a:avLst/>
+          </a:prstGeom>
+          <a:noFill/>
+        </p:spPr>
+        <p:txBody>
+          <a:bodyPr wrap="square" rtlCol="0">
+            <a:spAutoFit/>
+          </a:bodyPr>
+          <a:lstStyle/>
+          <a:p>
+            <a:pPr marL="342900" lvl="0" indent="-342900">
+              <a:buFont typeface="Arial" panose="020B0604020202020204" pitchFamily="34" charset="0"/>
+              <a:buChar char="•"/>
+            </a:pPr>
+            <a:r>
+              <a:rPr lang="en-US" sz="2400" dirty="0" smtClean="0"/>
+              <a:t>Displaying of Tweets</a:t>
+            </a:r>
+            <a:endParaRPr lang="en-US" sz="2400" dirty="0"/>
+          </a:p>
+        </p:txBody>
+      </p:sp>
     </p:spTree>
     <p:extLst>
       <p:ext uri="{BB962C8B-B14F-4D97-AF65-F5344CB8AC3E}">
@@ -4479,8 +4762,8 @@
         </p:nvSpPr>
         <p:spPr>
           <a:xfrm>
-            <a:off x="3052548" y="164389"/>
-            <a:ext cx="2965877" cy="830997"/>
+            <a:off x="2383999" y="211088"/>
+            <a:ext cx="4302973" cy="830997"/>
           </a:xfrm>
           <a:prstGeom prst="rect">
             <a:avLst/>
@@ -4495,22 +4778,52 @@
           <a:p>
             <a:r>
               <a:rPr lang="en-US" sz="4800" b="1" dirty="0" smtClean="0"/>
-              <a:t>Conclusion</a:t>
+              <a:t>Implementation</a:t>
             </a:r>
             <a:endParaRPr lang="en-US" sz="4800" b="1" dirty="0"/>
           </a:p>
         </p:txBody>
       </p:sp>
-      <p:sp>
-        <p:nvSpPr>
-          <p:cNvPr id="3" name="TextBox 2"/>
+      <p:pic>
+        <p:nvPicPr>
+          <p:cNvPr id="4" name="Picture 3"/>
+          <p:cNvPicPr>
+            <a:picLocks noChangeAspect="1"/>
+          </p:cNvPicPr>
+          <p:nvPr/>
+        </p:nvPicPr>
+        <p:blipFill>
+          <a:blip r:embed="rId2">
+            <a:extLst>
+              <a:ext uri="{28A0092B-C50C-407E-A947-70E740481C1C}">
+                <a14:useLocalDpi xmlns:a14="http://schemas.microsoft.com/office/drawing/2010/main" val="0"/>
+              </a:ext>
+            </a:extLst>
+          </a:blip>
+          <a:stretch>
+            <a:fillRect/>
+          </a:stretch>
+        </p:blipFill>
+        <p:spPr>
+          <a:xfrm>
+            <a:off x="505593" y="2199599"/>
+            <a:ext cx="8059783" cy="4531416"/>
+          </a:xfrm>
+          <a:prstGeom prst="rect">
+            <a:avLst/>
+          </a:prstGeom>
+        </p:spPr>
+      </p:pic>
+      <p:sp>
+        <p:nvSpPr>
+          <p:cNvPr id="5" name="TextBox 4"/>
           <p:cNvSpPr txBox="1"/>
           <p:nvPr/>
         </p:nvSpPr>
         <p:spPr>
           <a:xfrm>
-            <a:off x="520700" y="1192836"/>
-            <a:ext cx="8029575" cy="3416320"/>
+            <a:off x="572949" y="1429419"/>
+            <a:ext cx="8029575" cy="461665"/>
           </a:xfrm>
           <a:prstGeom prst="rect">
             <a:avLst/>
@@ -4529,118 +4842,16 @@
             </a:pPr>
             <a:r>
               <a:rPr lang="en-US" sz="2400" dirty="0" smtClean="0"/>
-              <a:t>We </a:t>
-            </a:r>
-            <a:r>
-              <a:rPr lang="en-US" sz="2400" dirty="0"/>
-              <a:t>have attempted to design and implement a simple Single Page Application using </a:t>
-            </a:r>
-            <a:r>
-              <a:rPr lang="en-US" sz="2400" dirty="0">
-                <a:solidFill>
-                  <a:srgbClr val="61DAFB"/>
-                </a:solidFill>
-              </a:rPr>
-              <a:t>React and its built in JSX support. </a:t>
-            </a:r>
-            <a:endParaRPr lang="en-US" sz="2400" dirty="0" smtClean="0">
-              <a:solidFill>
-                <a:srgbClr val="61DAFB"/>
-              </a:solidFill>
-            </a:endParaRPr>
-          </a:p>
-          <a:p>
-            <a:pPr marL="342900" lvl="0" indent="-342900">
-              <a:buFont typeface="Arial" panose="020B0604020202020204" pitchFamily="34" charset="0"/>
-              <a:buChar char="•"/>
-            </a:pPr>
-            <a:r>
-              <a:rPr lang="en-US" sz="2400" dirty="0"/>
-              <a:t>found that the </a:t>
-            </a:r>
-            <a:r>
-              <a:rPr lang="en-US" sz="2400" dirty="0">
-                <a:solidFill>
-                  <a:srgbClr val="61DAFB"/>
-                </a:solidFill>
-              </a:rPr>
-              <a:t>creation of a UI component is fairly fast and efficient </a:t>
-            </a:r>
-            <a:r>
-              <a:rPr lang="en-US" sz="2400" dirty="0"/>
-              <a:t>and the rendering of UI is </a:t>
-            </a:r>
-            <a:r>
-              <a:rPr lang="en-US" sz="2400" dirty="0">
-                <a:solidFill>
-                  <a:srgbClr val="61DAFB"/>
-                </a:solidFill>
-              </a:rPr>
-              <a:t>optimized by the Virtual DOM that React </a:t>
-            </a:r>
-            <a:r>
-              <a:rPr lang="en-US" sz="2400" dirty="0" smtClean="0">
-                <a:solidFill>
-                  <a:srgbClr val="61DAFB"/>
-                </a:solidFill>
-              </a:rPr>
-              <a:t>supports</a:t>
-            </a:r>
-          </a:p>
-          <a:p>
-            <a:pPr marL="342900" lvl="0" indent="-342900">
-              <a:buFont typeface="Arial" panose="020B0604020202020204" pitchFamily="34" charset="0"/>
-              <a:buChar char="•"/>
-            </a:pPr>
-            <a:r>
-              <a:rPr lang="en-US" sz="2400" dirty="0"/>
-              <a:t>Also we can use a single UI component </a:t>
-            </a:r>
-            <a:r>
-              <a:rPr lang="en-US" sz="2400" dirty="0">
-                <a:solidFill>
-                  <a:srgbClr val="61DAFB"/>
-                </a:solidFill>
-              </a:rPr>
-              <a:t>can be used at multiple </a:t>
-            </a:r>
-            <a:r>
-              <a:rPr lang="en-US" sz="2400" dirty="0" smtClean="0">
-                <a:solidFill>
-                  <a:srgbClr val="61DAFB"/>
-                </a:solidFill>
-              </a:rPr>
-              <a:t>instances</a:t>
-            </a:r>
-          </a:p>
-          <a:p>
-            <a:pPr marL="342900" lvl="0" indent="-342900">
-              <a:buFont typeface="Arial" panose="020B0604020202020204" pitchFamily="34" charset="0"/>
-              <a:buChar char="•"/>
-            </a:pPr>
-            <a:r>
-              <a:rPr lang="en-US" sz="2400" dirty="0" smtClean="0"/>
-              <a:t>Code is available </a:t>
-            </a:r>
-            <a:r>
-              <a:rPr lang="en-US" sz="2400" dirty="0"/>
-              <a:t>on </a:t>
-            </a:r>
-            <a:r>
-              <a:rPr lang="en-US" sz="2400" dirty="0">
-                <a:solidFill>
-                  <a:srgbClr val="61DAFB"/>
-                </a:solidFill>
-              </a:rPr>
-              <a:t>https://github.com/LadwaAditya/ReactJSNoteApp</a:t>
-            </a:r>
+              <a:t>Summery of Tone in a Tweet</a:t>
+            </a:r>
+            <a:endParaRPr lang="en-US" sz="2400" dirty="0"/>
           </a:p>
         </p:txBody>
       </p:sp>
     </p:spTree>
     <p:extLst>
       <p:ext uri="{BB962C8B-B14F-4D97-AF65-F5344CB8AC3E}">
-        <p14:creationId xmlns:p14="http://schemas.microsoft.com/office/powerpoint/2010/main" val="2349814252"/>
+        <p14:creationId xmlns:p14="http://schemas.microsoft.com/office/powerpoint/2010/main" val="1924987364"/>
       </p:ext>
     </p:extLst>
   </p:cSld>
@@ -4682,8 +4893,8 @@
         </p:nvSpPr>
         <p:spPr>
           <a:xfrm>
-            <a:off x="2528174" y="361839"/>
-            <a:ext cx="4014625" cy="830997"/>
+            <a:off x="2383999" y="211088"/>
+            <a:ext cx="4302973" cy="830997"/>
           </a:xfrm>
           <a:prstGeom prst="rect">
             <a:avLst/>
@@ -4697,22 +4908,53 @@
           <a:lstStyle/>
           <a:p>
             <a:r>
-              <a:rPr lang="en-US" sz="4800" b="1" dirty="0"/>
-              <a:t>BIBILOGRAPHY</a:t>
-            </a:r>
-          </a:p>
-        </p:txBody>
-      </p:sp>
-      <p:sp>
-        <p:nvSpPr>
-          <p:cNvPr id="4" name="TextBox 3"/>
+              <a:rPr lang="en-US" sz="4800" b="1" dirty="0" smtClean="0"/>
+              <a:t>Implementation</a:t>
+            </a:r>
+            <a:endParaRPr lang="en-US" sz="4800" b="1" dirty="0"/>
+          </a:p>
+        </p:txBody>
+      </p:sp>
+      <p:pic>
+        <p:nvPicPr>
+          <p:cNvPr id="4" name="Picture 3"/>
+          <p:cNvPicPr>
+            <a:picLocks noChangeAspect="1"/>
+          </p:cNvPicPr>
+          <p:nvPr/>
+        </p:nvPicPr>
+        <p:blipFill>
+          <a:blip r:embed="rId2">
+            <a:extLst>
+              <a:ext uri="{28A0092B-C50C-407E-A947-70E740481C1C}">
+                <a14:useLocalDpi xmlns:a14="http://schemas.microsoft.com/office/drawing/2010/main" val="0"/>
+              </a:ext>
+            </a:extLst>
+          </a:blip>
+          <a:stretch>
+            <a:fillRect/>
+          </a:stretch>
+        </p:blipFill>
+        <p:spPr>
+          <a:xfrm>
+            <a:off x="617283" y="2129246"/>
+            <a:ext cx="7836404" cy="4405826"/>
+          </a:xfrm>
+          <a:prstGeom prst="rect">
+            <a:avLst/>
+          </a:prstGeom>
+        </p:spPr>
+      </p:pic>
+      <p:sp>
+        <p:nvSpPr>
+          <p:cNvPr id="5" name="TextBox 4"/>
           <p:cNvSpPr txBox="1"/>
           <p:nvPr/>
         </p:nvSpPr>
         <p:spPr>
           <a:xfrm>
-            <a:off x="520698" y="1599236"/>
-            <a:ext cx="8029575" cy="1569660"/>
+            <a:off x="572949" y="1429419"/>
+            <a:ext cx="8029575" cy="461665"/>
           </a:xfrm>
           <a:prstGeom prst="rect">
             <a:avLst/>
@@ -4730,94 +4972,17 @@
               <a:buChar char="•"/>
             </a:pPr>
             <a:r>
-              <a:rPr lang="en-US" sz="2400" dirty="0" smtClean="0">
-                <a:solidFill>
-                  <a:srgbClr val="61DAFB"/>
-                </a:solidFill>
-              </a:rPr>
-              <a:t>https</a:t>
-            </a:r>
-            <a:r>
-              <a:rPr lang="en-US" sz="2400" dirty="0">
-                <a:solidFill>
-                  <a:srgbClr val="61DAFB"/>
-                </a:solidFill>
-              </a:rPr>
-              <a:t>://facebook.github.io/react/</a:t>
-            </a:r>
-          </a:p>
-          <a:p>
-            <a:pPr marL="342900" lvl="0" indent="-342900">
-              <a:buFont typeface="Arial" panose="020B0604020202020204" pitchFamily="34" charset="0"/>
-              <a:buChar char="•"/>
-            </a:pPr>
-            <a:r>
-              <a:rPr lang="en-US" sz="2400" dirty="0" smtClean="0">
-                <a:solidFill>
-                  <a:srgbClr val="61DAFB"/>
-                </a:solidFill>
-              </a:rPr>
-              <a:t>https</a:t>
-            </a:r>
-            <a:r>
-              <a:rPr lang="en-US" sz="2400" dirty="0">
-                <a:solidFill>
-                  <a:srgbClr val="61DAFB"/>
-                </a:solidFill>
-              </a:rPr>
-              <a:t>://github.com/facebook/react</a:t>
-            </a:r>
-          </a:p>
-          <a:p>
-            <a:pPr marL="342900" lvl="0" indent="-342900">
-              <a:buFont typeface="Arial" panose="020B0604020202020204" pitchFamily="34" charset="0"/>
-              <a:buChar char="•"/>
-            </a:pPr>
-            <a:r>
-              <a:rPr lang="en-US" sz="2400" dirty="0" smtClean="0">
-                <a:solidFill>
-                  <a:srgbClr val="61DAFB"/>
-                </a:solidFill>
-              </a:rPr>
-              <a:t>https</a:t>
-            </a:r>
-            <a:r>
-              <a:rPr lang="en-US" sz="2400" dirty="0">
-                <a:solidFill>
-                  <a:srgbClr val="61DAFB"/>
-                </a:solidFill>
-              </a:rPr>
-              <a:t>://en.wikipedia.org/wiki/React_(JavaScript_library)</a:t>
-            </a:r>
-          </a:p>
-          <a:p>
-            <a:pPr marL="342900" lvl="0" indent="-342900">
-              <a:buFont typeface="Arial" panose="020B0604020202020204" pitchFamily="34" charset="0"/>
-              <a:buChar char="•"/>
-            </a:pPr>
-            <a:r>
-              <a:rPr lang="en-US" sz="2400" dirty="0" smtClean="0">
-                <a:solidFill>
-                  <a:srgbClr val="61DAFB"/>
-                </a:solidFill>
-              </a:rPr>
-              <a:t>https</a:t>
-            </a:r>
-            <a:r>
-              <a:rPr lang="en-US" sz="2400" dirty="0">
-                <a:solidFill>
-                  <a:srgbClr val="61DAFB"/>
-                </a:solidFill>
-              </a:rPr>
-              <a:t>://github.com/facebook/react/wiki/Examples</a:t>
-            </a:r>
+              <a:rPr lang="en-US" sz="2400" dirty="0" smtClean="0"/>
+              <a:t>Mobile display of App</a:t>
+            </a:r>
+            <a:endParaRPr lang="en-US" sz="2400" dirty="0"/>
           </a:p>
         </p:txBody>
       </p:sp>
     </p:spTree>
     <p:extLst>
       <p:ext uri="{BB962C8B-B14F-4D97-AF65-F5344CB8AC3E}">
-        <p14:creationId xmlns:p14="http://schemas.microsoft.com/office/powerpoint/2010/main" val="2900492542"/>
+        <p14:creationId xmlns:p14="http://schemas.microsoft.com/office/powerpoint/2010/main" val="773651531"/>
       </p:ext>
     </p:extLst>
   </p:cSld>
@@ -4859,8 +5024,8 @@
         </p:nvSpPr>
         <p:spPr>
           <a:xfrm>
-            <a:off x="2802703" y="2815114"/>
-            <a:ext cx="3761158" cy="1131079"/>
+            <a:off x="2383999" y="211088"/>
+            <a:ext cx="4302973" cy="830997"/>
           </a:xfrm>
           <a:prstGeom prst="rect">
             <a:avLst/>
@@ -4873,27 +5038,260 @@
           </a:bodyPr>
           <a:lstStyle/>
           <a:p>
-            <a:pPr algn="ctr"/>
-            <a:r>
-              <a:rPr lang="en-US" sz="6750" b="1" spc="-113" dirty="0" smtClean="0">
+            <a:r>
+              <a:rPr lang="en-US" sz="4800" b="1" dirty="0" smtClean="0"/>
+              <a:t>Implementation</a:t>
+            </a:r>
+            <a:endParaRPr lang="en-US" sz="4800" b="1" dirty="0"/>
+          </a:p>
+        </p:txBody>
+      </p:sp>
+      <p:pic>
+        <p:nvPicPr>
+          <p:cNvPr id="4" name="Picture 3"/>
+          <p:cNvPicPr>
+            <a:picLocks noChangeAspect="1"/>
+          </p:cNvPicPr>
+          <p:nvPr/>
+        </p:nvPicPr>
+        <p:blipFill>
+          <a:blip r:embed="rId2">
+            <a:extLst>
+              <a:ext uri="{28A0092B-C50C-407E-A947-70E740481C1C}">
+                <a14:useLocalDpi xmlns:a14="http://schemas.microsoft.com/office/drawing/2010/main" val="0"/>
+              </a:ext>
+            </a:extLst>
+          </a:blip>
+          <a:stretch>
+            <a:fillRect/>
+          </a:stretch>
+        </p:blipFill>
+        <p:spPr>
+          <a:xfrm>
+            <a:off x="538250" y="2014252"/>
+            <a:ext cx="7994469" cy="4494694"/>
+          </a:xfrm>
+          <a:prstGeom prst="rect">
+            <a:avLst/>
+          </a:prstGeom>
+        </p:spPr>
+      </p:pic>
+      <p:sp>
+        <p:nvSpPr>
+          <p:cNvPr id="5" name="TextBox 4"/>
+          <p:cNvSpPr txBox="1"/>
+          <p:nvPr/>
+        </p:nvSpPr>
+        <p:spPr>
+          <a:xfrm>
+            <a:off x="572949" y="1429419"/>
+            <a:ext cx="8029575" cy="461665"/>
+          </a:xfrm>
+          <a:prstGeom prst="rect">
+            <a:avLst/>
+          </a:prstGeom>
+          <a:noFill/>
+        </p:spPr>
+        <p:txBody>
+          <a:bodyPr wrap="square" rtlCol="0">
+            <a:spAutoFit/>
+          </a:bodyPr>
+          <a:lstStyle/>
+          <a:p>
+            <a:pPr marL="342900" lvl="0" indent="-342900">
+              <a:buFont typeface="Arial" panose="020B0604020202020204" pitchFamily="34" charset="0"/>
+              <a:buChar char="•"/>
+            </a:pPr>
+            <a:r>
+              <a:rPr lang="en-US" sz="2400" dirty="0" smtClean="0"/>
+              <a:t>Relationship insight </a:t>
+            </a:r>
+            <a:endParaRPr lang="en-US" sz="2400" dirty="0"/>
+          </a:p>
+        </p:txBody>
+      </p:sp>
+    </p:spTree>
+    <p:extLst>
+      <p:ext uri="{BB962C8B-B14F-4D97-AF65-F5344CB8AC3E}">
+        <p14:creationId xmlns:p14="http://schemas.microsoft.com/office/powerpoint/2010/main" val="1884061554"/>
+      </p:ext>
+    </p:extLst>
+  </p:cSld>
+  <p:clrMapOvr>
+    <a:masterClrMapping/>
+  </p:clrMapOvr>
+  <p:timing>
+    <p:tnLst>
+      <p:par>
+        <p:cTn id="1" dur="indefinite" restart="never" nodeType="tmRoot"/>
+      </p:par>
+    </p:tnLst>
+  </p:timing>
+</p:sld>
+</file>
+
+<file path=ppt/slides/slide9.xml><?xml version="1.0" encoding="utf-8"?>
+<p:sld xmlns:a="http://schemas.openxmlformats.org/drawingml/2006/main" xmlns:r="http://schemas.openxmlformats.org/officeDocument/2006/relationships" xmlns:p="http://schemas.openxmlformats.org/presentationml/2006/main">
+  <p:cSld>
+    <p:spTree>
+      <p:nvGrpSpPr>
+        <p:cNvPr id="1" name=""/>
+        <p:cNvGrpSpPr/>
+        <p:nvPr/>
+      </p:nvGrpSpPr>
+      <p:grpSpPr>
+        <a:xfrm>
+          <a:off x="0" y="0"/>
+          <a:ext cx="0" cy="0"/>
+          <a:chOff x="0" y="0"/>
+          <a:chExt cx="0" cy="0"/>
+        </a:xfrm>
+      </p:grpSpPr>
+      <p:sp>
+        <p:nvSpPr>
+          <p:cNvPr id="2" name="TextBox 1"/>
+          <p:cNvSpPr txBox="1"/>
+          <p:nvPr/>
+        </p:nvSpPr>
+        <p:spPr>
+          <a:xfrm>
+            <a:off x="3052548" y="164389"/>
+            <a:ext cx="2965877" cy="830997"/>
+          </a:xfrm>
+          <a:prstGeom prst="rect">
+            <a:avLst/>
+          </a:prstGeom>
+          <a:noFill/>
+        </p:spPr>
+        <p:txBody>
+          <a:bodyPr wrap="none" rtlCol="0">
+            <a:spAutoFit/>
+          </a:bodyPr>
+          <a:lstStyle/>
+          <a:p>
+            <a:r>
+              <a:rPr lang="en-US" sz="4800" b="1" dirty="0" smtClean="0"/>
+              <a:t>Conclusion</a:t>
+            </a:r>
+            <a:endParaRPr lang="en-US" sz="4800" b="1" dirty="0"/>
+          </a:p>
+        </p:txBody>
+      </p:sp>
+      <p:sp>
+        <p:nvSpPr>
+          <p:cNvPr id="3" name="TextBox 2"/>
+          <p:cNvSpPr txBox="1"/>
+          <p:nvPr/>
+        </p:nvSpPr>
+        <p:spPr>
+          <a:xfrm>
+            <a:off x="520700" y="1192836"/>
+            <a:ext cx="8029575" cy="2308324"/>
+          </a:xfrm>
+          <a:prstGeom prst="rect">
+            <a:avLst/>
+          </a:prstGeom>
+          <a:noFill/>
+        </p:spPr>
+        <p:txBody>
+          <a:bodyPr wrap="square" rtlCol="0">
+            <a:spAutoFit/>
+          </a:bodyPr>
+          <a:lstStyle/>
+          <a:p>
+            <a:pPr marL="342900" lvl="0" indent="-342900">
+              <a:buFont typeface="Arial" panose="020B0604020202020204" pitchFamily="34" charset="0"/>
+              <a:buChar char="•"/>
+            </a:pPr>
+            <a:r>
+              <a:rPr lang="en-US" sz="2400" dirty="0" smtClean="0"/>
+              <a:t>We have attempted to create an application by leveraging Modern Web Technology (MEAN stack), Twitter API and IBM Watson services </a:t>
+            </a:r>
+          </a:p>
+          <a:p>
+            <a:pPr marL="342900" lvl="0" indent="-342900">
+              <a:buFont typeface="Arial" panose="020B0604020202020204" pitchFamily="34" charset="0"/>
+              <a:buChar char="•"/>
+            </a:pPr>
+            <a:r>
+              <a:rPr lang="en-US" sz="2400" dirty="0" smtClean="0"/>
+              <a:t>Code </a:t>
+            </a:r>
+            <a:r>
+              <a:rPr lang="en-US" sz="2400" dirty="0"/>
+              <a:t>is hosted </a:t>
+            </a:r>
+            <a:r>
+              <a:rPr lang="en-US" sz="2400" dirty="0" smtClean="0"/>
+              <a:t>at this URL </a:t>
+            </a:r>
+            <a:r>
+              <a:rPr lang="en-US" sz="2400" dirty="0">
                 <a:solidFill>
                   <a:srgbClr val="61DAFB"/>
                 </a:solidFill>
               </a:rPr>
-              <a:t>Thank You</a:t>
-            </a:r>
-            <a:endParaRPr lang="en-US" sz="6750" b="1" spc="-113" dirty="0">
+              <a:t>http://</a:t>
+            </a:r>
+            <a:r>
+              <a:rPr lang="en-US" sz="2400" dirty="0" smtClean="0">
+                <a:solidFill>
+                  <a:srgbClr val="61DAFB"/>
+                </a:solidFill>
+              </a:rPr>
+              <a:t>twitone.mybluemix.net</a:t>
+            </a:r>
+            <a:endParaRPr lang="en-US" sz="2400" dirty="0" smtClean="0">
               <a:solidFill>
                 <a:srgbClr val="61DAFB"/>
               </a:solidFill>
             </a:endParaRPr>
           </a:p>
+          <a:p>
+            <a:pPr marL="342900" lvl="0" indent="-342900">
+              <a:buFont typeface="Arial" panose="020B0604020202020204" pitchFamily="34" charset="0"/>
+              <a:buChar char="•"/>
+            </a:pPr>
+            <a:r>
+              <a:rPr lang="en-US" sz="2400" dirty="0" smtClean="0"/>
+              <a:t>Code is </a:t>
+            </a:r>
+            <a:r>
+              <a:rPr lang="en-US" sz="2400" dirty="0" smtClean="0"/>
+              <a:t>Open-Sourced at this URL</a:t>
+            </a:r>
+            <a:r>
+              <a:rPr lang="en-US" sz="2400" dirty="0" smtClean="0"/>
+              <a:t> </a:t>
+            </a:r>
+            <a:r>
+              <a:rPr lang="en-US" sz="2400" dirty="0" smtClean="0">
+                <a:solidFill>
+                  <a:srgbClr val="61DAFB"/>
+                </a:solidFill>
+              </a:rPr>
+              <a:t>https</a:t>
+            </a:r>
+            <a:r>
+              <a:rPr lang="en-US" sz="2400" dirty="0">
+                <a:solidFill>
+                  <a:srgbClr val="61DAFB"/>
+                </a:solidFill>
+              </a:rPr>
+              <a:t>://github.com/LadwaAditya/TwiTone</a:t>
+            </a:r>
+            <a:endParaRPr lang="en-US" sz="2400" dirty="0">
+              <a:solidFill>
+                <a:srgbClr val="61DAFB"/>
+              </a:solidFill>
+            </a:endParaRPr>
+          </a:p>
         </p:txBody>
       </p:sp>
     </p:spTree>
     <p:extLst>
       <p:ext uri="{BB962C8B-B14F-4D97-AF65-F5344CB8AC3E}">
-        <p14:creationId xmlns:p14="http://schemas.microsoft.com/office/powerpoint/2010/main" val="3902577910"/>
+        <p14:creationId xmlns:p14="http://schemas.microsoft.com/office/powerpoint/2010/main" val="2349814252"/>
       </p:ext>
     </p:extLst>
   </p:cSld>

--- a/Presentation.pptx
+++ b/Presentation.pptx
@@ -264,7 +264,7 @@
           <a:p>
             <a:fld id="{C37DD4EB-E7BD-47EF-A2D1-8F9ACBBA40EF}" type="datetimeFigureOut">
               <a:rPr lang="en-US" smtClean="0"/>
-              <a:t>09-Apr-16</a:t>
+              <a:t>13-Apr-16</a:t>
             </a:fld>
             <a:endParaRPr lang="en-US"/>
           </a:p>
@@ -434,7 +434,7 @@
           <a:p>
             <a:fld id="{C37DD4EB-E7BD-47EF-A2D1-8F9ACBBA40EF}" type="datetimeFigureOut">
               <a:rPr lang="en-US" smtClean="0"/>
-              <a:t>09-Apr-16</a:t>
+              <a:t>13-Apr-16</a:t>
             </a:fld>
             <a:endParaRPr lang="en-US"/>
           </a:p>
@@ -614,7 +614,7 @@
           <a:p>
             <a:fld id="{C37DD4EB-E7BD-47EF-A2D1-8F9ACBBA40EF}" type="datetimeFigureOut">
               <a:rPr lang="en-US" smtClean="0"/>
-              <a:t>09-Apr-16</a:t>
+              <a:t>13-Apr-16</a:t>
             </a:fld>
             <a:endParaRPr lang="en-US"/>
           </a:p>
@@ -784,7 +784,7 @@
           <a:p>
             <a:fld id="{C37DD4EB-E7BD-47EF-A2D1-8F9ACBBA40EF}" type="datetimeFigureOut">
               <a:rPr lang="en-US" smtClean="0"/>
-              <a:t>09-Apr-16</a:t>
+              <a:t>13-Apr-16</a:t>
             </a:fld>
             <a:endParaRPr lang="en-US"/>
           </a:p>
@@ -1030,7 +1030,7 @@
           <a:p>
             <a:fld id="{C37DD4EB-E7BD-47EF-A2D1-8F9ACBBA40EF}" type="datetimeFigureOut">
               <a:rPr lang="en-US" smtClean="0"/>
-              <a:t>09-Apr-16</a:t>
+              <a:t>13-Apr-16</a:t>
             </a:fld>
             <a:endParaRPr lang="en-US"/>
           </a:p>
@@ -1262,7 +1262,7 @@
           <a:p>
             <a:fld id="{C37DD4EB-E7BD-47EF-A2D1-8F9ACBBA40EF}" type="datetimeFigureOut">
               <a:rPr lang="en-US" smtClean="0"/>
-              <a:t>09-Apr-16</a:t>
+              <a:t>13-Apr-16</a:t>
             </a:fld>
             <a:endParaRPr lang="en-US"/>
           </a:p>
@@ -1629,7 +1629,7 @@
           <a:p>
             <a:fld id="{C37DD4EB-E7BD-47EF-A2D1-8F9ACBBA40EF}" type="datetimeFigureOut">
               <a:rPr lang="en-US" smtClean="0"/>
-              <a:t>09-Apr-16</a:t>
+              <a:t>13-Apr-16</a:t>
             </a:fld>
             <a:endParaRPr lang="en-US"/>
           </a:p>
@@ -1747,7 +1747,7 @@
           <a:p>
             <a:fld id="{C37DD4EB-E7BD-47EF-A2D1-8F9ACBBA40EF}" type="datetimeFigureOut">
               <a:rPr lang="en-US" smtClean="0"/>
-              <a:t>09-Apr-16</a:t>
+              <a:t>13-Apr-16</a:t>
             </a:fld>
             <a:endParaRPr lang="en-US"/>
           </a:p>
@@ -1842,7 +1842,7 @@
           <a:p>
             <a:fld id="{C37DD4EB-E7BD-47EF-A2D1-8F9ACBBA40EF}" type="datetimeFigureOut">
               <a:rPr lang="en-US" smtClean="0"/>
-              <a:t>09-Apr-16</a:t>
+              <a:t>13-Apr-16</a:t>
             </a:fld>
             <a:endParaRPr lang="en-US"/>
           </a:p>
@@ -2246,7 +2246,7 @@
           <a:p>
             <a:fld id="{C37DD4EB-E7BD-47EF-A2D1-8F9ACBBA40EF}" type="datetimeFigureOut">
               <a:rPr lang="en-US" smtClean="0"/>
-              <a:t>09-Apr-16</a:t>
+              <a:t>13-Apr-16</a:t>
             </a:fld>
             <a:endParaRPr lang="en-US"/>
           </a:p>
@@ -2503,7 +2503,7 @@
           <a:p>
             <a:fld id="{C37DD4EB-E7BD-47EF-A2D1-8F9ACBBA40EF}" type="datetimeFigureOut">
               <a:rPr lang="en-US" smtClean="0"/>
-              <a:t>09-Apr-16</a:t>
+              <a:t>13-Apr-16</a:t>
             </a:fld>
             <a:endParaRPr lang="en-US"/>
           </a:p>
@@ -2716,7 +2716,7 @@
           <a:p>
             <a:fld id="{C37DD4EB-E7BD-47EF-A2D1-8F9ACBBA40EF}" type="datetimeFigureOut">
               <a:rPr lang="en-US" smtClean="0"/>
-              <a:t>09-Apr-16</a:t>
+              <a:t>13-Apr-16</a:t>
             </a:fld>
             <a:endParaRPr lang="en-US"/>
           </a:p>
@@ -3308,7 +3308,19 @@
                   </a:outerShdw>
                 </a:effectLst>
               </a:rPr>
-              <a:t>Associate. Professor, 	                                            </a:t>
+              <a:t>Professor and HOD, </a:t>
+            </a:r>
+            <a:r>
+              <a:rPr lang="en-US" dirty="0" smtClean="0">
+                <a:effectLst>
+                  <a:outerShdw blurRad="50800" dist="38100" dir="2700000" algn="tl">
+                    <a:srgbClr val="000000">
+                      <a:alpha val="40000"/>
+                    </a:srgbClr>
+                  </a:outerShdw>
+                </a:effectLst>
+              </a:rPr>
+              <a:t>	                                            </a:t>
             </a:r>
             <a:endParaRPr lang="en-US" dirty="0" smtClean="0"/>
           </a:p>
@@ -5214,8 +5226,12 @@
               <a:buChar char="•"/>
             </a:pPr>
             <a:r>
+              <a:rPr lang="en-US" sz="2400" dirty="0" err="1" smtClean="0"/>
+              <a:t>WebApp</a:t>
+            </a:r>
+            <a:r>
               <a:rPr lang="en-US" sz="2400" dirty="0" smtClean="0"/>
-              <a:t>Code </a:t>
+              <a:t> </a:t>
             </a:r>
             <a:r>
               <a:rPr lang="en-US" sz="2400" dirty="0"/>
@@ -5241,11 +5257,6 @@
               </a:rPr>
               <a:t>twitone.mybluemix.net</a:t>
             </a:r>
-            <a:endParaRPr lang="en-US" sz="2400" dirty="0" smtClean="0">
-              <a:solidFill>
-                <a:srgbClr val="61DAFB"/>
-              </a:solidFill>
-            </a:endParaRPr>
           </a:p>
           <a:p>
             <a:pPr marL="342900" lvl="0" indent="-342900">
@@ -5254,15 +5265,7 @@
             </a:pPr>
             <a:r>
               <a:rPr lang="en-US" sz="2400" dirty="0" smtClean="0"/>
-              <a:t>Code is </a:t>
-            </a:r>
-            <a:r>
-              <a:rPr lang="en-US" sz="2400" dirty="0" smtClean="0"/>
-              <a:t>Open-Sourced at this URL</a:t>
-            </a:r>
-            <a:r>
-              <a:rPr lang="en-US" sz="2400" dirty="0" smtClean="0"/>
-              <a:t> </a:t>
+              <a:t>Code is Open-Sourced at this URL </a:t>
             </a:r>
             <a:r>
               <a:rPr lang="en-US" sz="2400" dirty="0" smtClean="0">
@@ -5280,11 +5283,6 @@
               </a:rPr>
               <a:t>://github.com/LadwaAditya/TwiTone</a:t>
             </a:r>
-            <a:endParaRPr lang="en-US" sz="2400" dirty="0">
-              <a:solidFill>
-                <a:srgbClr val="61DAFB"/>
-              </a:solidFill>
-            </a:endParaRPr>
           </a:p>
         </p:txBody>
       </p:sp>
